--- a/starter.pptx
+++ b/starter.pptx
@@ -1,73 +1,34 @@
 
 <file path=ppt/presentation.xml><?xml version="1.0" encoding="utf-8"?>
-<p:presentation xmlns:a="http://schemas.openxmlformats.org/drawingml/2006/main" xmlns:r="http://schemas.openxmlformats.org/officeDocument/2006/relationships" xmlns:p="http://schemas.openxmlformats.org/presentationml/2006/main" saveSubsetFonts="1" embedTrueTypeFonts="true">
+<p:presentation xmlns:a="http://schemas.openxmlformats.org/drawingml/2006/main" xmlns:r="http://schemas.openxmlformats.org/officeDocument/2006/relationships" xmlns:p="http://schemas.openxmlformats.org/presentationml/2006/main" embedTrueTypeFonts="1" saveSubsetFonts="1">
   <p:sldMasterIdLst>
     <p:sldMasterId id="2147483648" r:id="rId1"/>
   </p:sldMasterIdLst>
   <p:sldIdLst>
-    <p:sldId id="256" r:id="rId18"/>
-    <p:sldId id="257" r:id="rId19"/>
-    <p:sldId id="258" r:id="rId20"/>
-    <p:sldId id="259" r:id="rId21"/>
-    <p:sldId id="260" r:id="rId22"/>
-    <p:sldId id="261" r:id="rId23"/>
-    <p:sldId id="262" r:id="rId24"/>
-    <p:sldId id="263" r:id="rId25"/>
-    <p:sldId id="264" r:id="rId26"/>
-    <p:sldId id="265" r:id="rId27"/>
-    <p:sldId id="266" r:id="rId28"/>
-    <p:sldId id="267" r:id="rId29"/>
+    <p:sldId id="256" r:id="rId2"/>
+    <p:sldId id="257" r:id="rId3"/>
+    <p:sldId id="258" r:id="rId4"/>
+    <p:sldId id="259" r:id="rId5"/>
+    <p:sldId id="260" r:id="rId6"/>
+    <p:sldId id="261" r:id="rId7"/>
+    <p:sldId id="262" r:id="rId8"/>
+    <p:sldId id="263" r:id="rId9"/>
+    <p:sldId id="264" r:id="rId10"/>
+    <p:sldId id="265" r:id="rId11"/>
+    <p:sldId id="266" r:id="rId12"/>
+    <p:sldId id="267" r:id="rId13"/>
   </p:sldIdLst>
   <p:sldSz cx="18288000" cy="10287000"/>
   <p:notesSz cx="6858000" cy="9144000"/>
   <p:embeddedFontLst>
     <p:embeddedFont>
-      <p:font typeface="Arimo" charset="1" panose="020B0604020202020204"/>
-      <p:regular r:id="rId6"/>
-    </p:embeddedFont>
-    <p:embeddedFont>
-      <p:font typeface="Arimo Bold" charset="1" panose="020B0704020202020204"/>
-      <p:regular r:id="rId7"/>
-    </p:embeddedFont>
-    <p:embeddedFont>
-      <p:font typeface="Arimo Italics" charset="1" panose="020B0604020202090204"/>
-      <p:regular r:id="rId8"/>
-    </p:embeddedFont>
-    <p:embeddedFont>
-      <p:font typeface="Arimo Bold Italics" charset="1" panose="020B0704020202090204"/>
-      <p:regular r:id="rId9"/>
-    </p:embeddedFont>
-    <p:embeddedFont>
-      <p:font typeface="TT Rounds Condensed" charset="1" panose="02000506030000020003"/>
-      <p:regular r:id="rId10"/>
-    </p:embeddedFont>
-    <p:embeddedFont>
-      <p:font typeface="TT Rounds Condensed Bold" charset="1" panose="02000806030000020003"/>
-      <p:regular r:id="rId11"/>
-    </p:embeddedFont>
-    <p:embeddedFont>
-      <p:font typeface="TT Rounds Condensed Italics" charset="1" panose="02000506030000090003"/>
-      <p:regular r:id="rId12"/>
-    </p:embeddedFont>
-    <p:embeddedFont>
-      <p:font typeface="TT Rounds Condensed Bold Italics" charset="1" panose="02000806030000090003"/>
-      <p:regular r:id="rId13"/>
-    </p:embeddedFont>
-    <p:embeddedFont>
-      <p:font typeface="TT Rounds Condensed Thin" charset="1" panose="02000503020000020003"/>
+      <p:font typeface="TT Rounds Condensed" panose="02000506030000020003" pitchFamily="2" charset="0"/>
       <p:regular r:id="rId14"/>
     </p:embeddedFont>
     <p:embeddedFont>
-      <p:font typeface="TT Rounds Condensed Thin Italics" charset="1" panose="02000503020000090003"/>
+      <p:font typeface="TT Rounds Condensed Bold" panose="02000806030000020003" pitchFamily="2" charset="0"/>
       <p:regular r:id="rId15"/>
-    </p:embeddedFont>
-    <p:embeddedFont>
-      <p:font typeface="TT Rounds Condensed Heavy" charset="1" panose="02000506030000020003"/>
-      <p:regular r:id="rId16"/>
-    </p:embeddedFont>
-    <p:embeddedFont>
-      <p:font typeface="TT Rounds Condensed Heavy Italics" charset="1" panose="02000506000000090003"/>
-      <p:regular r:id="rId17"/>
+      <p:bold r:id="rId16"/>
     </p:embeddedFont>
   </p:embeddedFontLst>
   <p:defaultTextStyle>
@@ -165,6 +126,22 @@
       </a:defRPr>
     </a:lvl9pPr>
   </p:defaultTextStyle>
+  <p:extLst>
+    <p:ext uri="{EFAFB233-063F-42B5-8137-9DF3F51BA10A}">
+      <p15:sldGuideLst xmlns:p15="http://schemas.microsoft.com/office/powerpoint/2012/main">
+        <p15:guide id="1" orient="horz" pos="2160">
+          <p15:clr>
+            <a:srgbClr val="A4A3A4"/>
+          </p15:clr>
+        </p15:guide>
+        <p15:guide id="2" pos="2880">
+          <p15:clr>
+            <a:srgbClr val="A4A3A4"/>
+          </p15:clr>
+        </p15:guide>
+      </p15:sldGuideLst>
+    </p:ext>
+  </p:extLst>
 </p:presentation>
 </file>
 
@@ -206,10 +183,9 @@
           <a:lstStyle/>
           <a:p>
             <a:r>
-              <a:rPr lang="en-US" smtClean="0"/>
+              <a:rPr lang="en-US"/>
               <a:t>Click to edit Master title style</a:t>
             </a:r>
-            <a:endParaRPr lang="en-US"/>
           </a:p>
         </p:txBody>
       </p:sp>
@@ -325,10 +301,9 @@
           </a:lstStyle>
           <a:p>
             <a:r>
-              <a:rPr lang="en-US" smtClean="0"/>
+              <a:rPr lang="en-US"/>
               <a:t>Click to edit Master subtitle style</a:t>
             </a:r>
-            <a:endParaRPr lang="en-US"/>
           </a:p>
         </p:txBody>
       </p:sp>
@@ -350,7 +325,7 @@
             <a:fld id="{1D8BD707-D9CF-40AE-B4C6-C98DA3205C09}" type="datetimeFigureOut">
               <a:rPr lang="en-US" smtClean="0"/>
               <a:pPr/>
-              <a:t>8/1/2011</a:t>
+              <a:t>11/23/24</a:t>
             </a:fld>
             <a:endParaRPr lang="en-US"/>
           </a:p>
@@ -440,10 +415,9 @@
           <a:lstStyle/>
           <a:p>
             <a:r>
-              <a:rPr lang="en-US" smtClean="0"/>
+              <a:rPr lang="en-US"/>
               <a:t>Click to edit Master title style</a:t>
             </a:r>
-            <a:endParaRPr lang="en-US"/>
           </a:p>
         </p:txBody>
       </p:sp>
@@ -464,38 +438,37 @@
           <a:p>
             <a:pPr lvl="0"/>
             <a:r>
-              <a:rPr lang="en-US" smtClean="0"/>
+              <a:rPr lang="en-US"/>
               <a:t>Click to edit Master text styles</a:t>
             </a:r>
           </a:p>
           <a:p>
             <a:pPr lvl="1"/>
             <a:r>
-              <a:rPr lang="en-US" smtClean="0"/>
+              <a:rPr lang="en-US"/>
               <a:t>Second level</a:t>
             </a:r>
           </a:p>
           <a:p>
             <a:pPr lvl="2"/>
             <a:r>
-              <a:rPr lang="en-US" smtClean="0"/>
+              <a:rPr lang="en-US"/>
               <a:t>Third level</a:t>
             </a:r>
           </a:p>
           <a:p>
             <a:pPr lvl="3"/>
             <a:r>
-              <a:rPr lang="en-US" smtClean="0"/>
+              <a:rPr lang="en-US"/>
               <a:t>Fourth level</a:t>
             </a:r>
           </a:p>
           <a:p>
             <a:pPr lvl="4"/>
             <a:r>
-              <a:rPr lang="en-US" smtClean="0"/>
+              <a:rPr lang="en-US"/>
               <a:t>Fifth level</a:t>
             </a:r>
-            <a:endParaRPr lang="en-US"/>
           </a:p>
         </p:txBody>
       </p:sp>
@@ -517,7 +490,7 @@
             <a:fld id="{1D8BD707-D9CF-40AE-B4C6-C98DA3205C09}" type="datetimeFigureOut">
               <a:rPr lang="en-US" smtClean="0"/>
               <a:pPr/>
-              <a:t>8/1/2011</a:t>
+              <a:t>11/23/24</a:t>
             </a:fld>
             <a:endParaRPr lang="en-US"/>
           </a:p>
@@ -612,10 +585,9 @@
           <a:lstStyle/>
           <a:p>
             <a:r>
-              <a:rPr lang="en-US" smtClean="0"/>
+              <a:rPr lang="en-US"/>
               <a:t>Click to edit Master title style</a:t>
             </a:r>
-            <a:endParaRPr lang="en-US"/>
           </a:p>
         </p:txBody>
       </p:sp>
@@ -641,38 +613,37 @@
           <a:p>
             <a:pPr lvl="0"/>
             <a:r>
-              <a:rPr lang="en-US" smtClean="0"/>
+              <a:rPr lang="en-US"/>
               <a:t>Click to edit Master text styles</a:t>
             </a:r>
           </a:p>
           <a:p>
             <a:pPr lvl="1"/>
             <a:r>
-              <a:rPr lang="en-US" smtClean="0"/>
+              <a:rPr lang="en-US"/>
               <a:t>Second level</a:t>
             </a:r>
           </a:p>
           <a:p>
             <a:pPr lvl="2"/>
             <a:r>
-              <a:rPr lang="en-US" smtClean="0"/>
+              <a:rPr lang="en-US"/>
               <a:t>Third level</a:t>
             </a:r>
           </a:p>
           <a:p>
             <a:pPr lvl="3"/>
             <a:r>
-              <a:rPr lang="en-US" smtClean="0"/>
+              <a:rPr lang="en-US"/>
               <a:t>Fourth level</a:t>
             </a:r>
           </a:p>
           <a:p>
             <a:pPr lvl="4"/>
             <a:r>
-              <a:rPr lang="en-US" smtClean="0"/>
+              <a:rPr lang="en-US"/>
               <a:t>Fifth level</a:t>
             </a:r>
-            <a:endParaRPr lang="en-US"/>
           </a:p>
         </p:txBody>
       </p:sp>
@@ -694,7 +665,7 @@
             <a:fld id="{1D8BD707-D9CF-40AE-B4C6-C98DA3205C09}" type="datetimeFigureOut">
               <a:rPr lang="en-US" smtClean="0"/>
               <a:pPr/>
-              <a:t>8/1/2011</a:t>
+              <a:t>11/23/24</a:t>
             </a:fld>
             <a:endParaRPr lang="en-US"/>
           </a:p>
@@ -784,10 +755,9 @@
           <a:lstStyle/>
           <a:p>
             <a:r>
-              <a:rPr lang="en-US" smtClean="0"/>
+              <a:rPr lang="en-US"/>
               <a:t>Click to edit Master title style</a:t>
             </a:r>
-            <a:endParaRPr lang="en-US"/>
           </a:p>
         </p:txBody>
       </p:sp>
@@ -808,38 +778,37 @@
           <a:p>
             <a:pPr lvl="0"/>
             <a:r>
-              <a:rPr lang="en-US" smtClean="0"/>
+              <a:rPr lang="en-US"/>
               <a:t>Click to edit Master text styles</a:t>
             </a:r>
           </a:p>
           <a:p>
             <a:pPr lvl="1"/>
             <a:r>
-              <a:rPr lang="en-US" smtClean="0"/>
+              <a:rPr lang="en-US"/>
               <a:t>Second level</a:t>
             </a:r>
           </a:p>
           <a:p>
             <a:pPr lvl="2"/>
             <a:r>
-              <a:rPr lang="en-US" smtClean="0"/>
+              <a:rPr lang="en-US"/>
               <a:t>Third level</a:t>
             </a:r>
           </a:p>
           <a:p>
             <a:pPr lvl="3"/>
             <a:r>
-              <a:rPr lang="en-US" smtClean="0"/>
+              <a:rPr lang="en-US"/>
               <a:t>Fourth level</a:t>
             </a:r>
           </a:p>
           <a:p>
             <a:pPr lvl="4"/>
             <a:r>
-              <a:rPr lang="en-US" smtClean="0"/>
+              <a:rPr lang="en-US"/>
               <a:t>Fifth level</a:t>
             </a:r>
-            <a:endParaRPr lang="en-US"/>
           </a:p>
         </p:txBody>
       </p:sp>
@@ -861,7 +830,7 @@
             <a:fld id="{1D8BD707-D9CF-40AE-B4C6-C98DA3205C09}" type="datetimeFigureOut">
               <a:rPr lang="en-US" smtClean="0"/>
               <a:pPr/>
-              <a:t>8/1/2011</a:t>
+              <a:t>11/23/24</a:t>
             </a:fld>
             <a:endParaRPr lang="en-US"/>
           </a:p>
@@ -960,10 +929,9 @@
           </a:lstStyle>
           <a:p>
             <a:r>
-              <a:rPr lang="en-US" smtClean="0"/>
+              <a:rPr lang="en-US"/>
               <a:t>Click to edit Master title style</a:t>
             </a:r>
-            <a:endParaRPr lang="en-US"/>
           </a:p>
         </p:txBody>
       </p:sp>
@@ -1080,7 +1048,7 @@
           <a:p>
             <a:pPr lvl="0"/>
             <a:r>
-              <a:rPr lang="en-US" smtClean="0"/>
+              <a:rPr lang="en-US"/>
               <a:t>Click to edit Master text styles</a:t>
             </a:r>
           </a:p>
@@ -1104,7 +1072,7 @@
             <a:fld id="{1D8BD707-D9CF-40AE-B4C6-C98DA3205C09}" type="datetimeFigureOut">
               <a:rPr lang="en-US" smtClean="0"/>
               <a:pPr/>
-              <a:t>8/1/2011</a:t>
+              <a:t>11/23/24</a:t>
             </a:fld>
             <a:endParaRPr lang="en-US"/>
           </a:p>
@@ -1194,10 +1162,9 @@
           <a:lstStyle/>
           <a:p>
             <a:r>
-              <a:rPr lang="en-US" smtClean="0"/>
+              <a:rPr lang="en-US"/>
               <a:t>Click to edit Master title style</a:t>
             </a:r>
-            <a:endParaRPr lang="en-US"/>
           </a:p>
         </p:txBody>
       </p:sp>
@@ -1251,38 +1218,37 @@
           <a:p>
             <a:pPr lvl="0"/>
             <a:r>
-              <a:rPr lang="en-US" smtClean="0"/>
+              <a:rPr lang="en-US"/>
               <a:t>Click to edit Master text styles</a:t>
             </a:r>
           </a:p>
           <a:p>
             <a:pPr lvl="1"/>
             <a:r>
-              <a:rPr lang="en-US" smtClean="0"/>
+              <a:rPr lang="en-US"/>
               <a:t>Second level</a:t>
             </a:r>
           </a:p>
           <a:p>
             <a:pPr lvl="2"/>
             <a:r>
-              <a:rPr lang="en-US" smtClean="0"/>
+              <a:rPr lang="en-US"/>
               <a:t>Third level</a:t>
             </a:r>
           </a:p>
           <a:p>
             <a:pPr lvl="3"/>
             <a:r>
-              <a:rPr lang="en-US" smtClean="0"/>
+              <a:rPr lang="en-US"/>
               <a:t>Fourth level</a:t>
             </a:r>
           </a:p>
           <a:p>
             <a:pPr lvl="4"/>
             <a:r>
-              <a:rPr lang="en-US" smtClean="0"/>
+              <a:rPr lang="en-US"/>
               <a:t>Fifth level</a:t>
             </a:r>
-            <a:endParaRPr lang="en-US"/>
           </a:p>
         </p:txBody>
       </p:sp>
@@ -1336,38 +1302,37 @@
           <a:p>
             <a:pPr lvl="0"/>
             <a:r>
-              <a:rPr lang="en-US" smtClean="0"/>
+              <a:rPr lang="en-US"/>
               <a:t>Click to edit Master text styles</a:t>
             </a:r>
           </a:p>
           <a:p>
             <a:pPr lvl="1"/>
             <a:r>
-              <a:rPr lang="en-US" smtClean="0"/>
+              <a:rPr lang="en-US"/>
               <a:t>Second level</a:t>
             </a:r>
           </a:p>
           <a:p>
             <a:pPr lvl="2"/>
             <a:r>
-              <a:rPr lang="en-US" smtClean="0"/>
+              <a:rPr lang="en-US"/>
               <a:t>Third level</a:t>
             </a:r>
           </a:p>
           <a:p>
             <a:pPr lvl="3"/>
             <a:r>
-              <a:rPr lang="en-US" smtClean="0"/>
+              <a:rPr lang="en-US"/>
               <a:t>Fourth level</a:t>
             </a:r>
           </a:p>
           <a:p>
             <a:pPr lvl="4"/>
             <a:r>
-              <a:rPr lang="en-US" smtClean="0"/>
+              <a:rPr lang="en-US"/>
               <a:t>Fifth level</a:t>
             </a:r>
-            <a:endParaRPr lang="en-US"/>
           </a:p>
         </p:txBody>
       </p:sp>
@@ -1389,7 +1354,7 @@
             <a:fld id="{1D8BD707-D9CF-40AE-B4C6-C98DA3205C09}" type="datetimeFigureOut">
               <a:rPr lang="en-US" smtClean="0"/>
               <a:pPr/>
-              <a:t>8/1/2011</a:t>
+              <a:t>11/23/24</a:t>
             </a:fld>
             <a:endParaRPr lang="en-US"/>
           </a:p>
@@ -1483,10 +1448,9 @@
           </a:lstStyle>
           <a:p>
             <a:r>
-              <a:rPr lang="en-US" smtClean="0"/>
+              <a:rPr lang="en-US"/>
               <a:t>Click to edit Master title style</a:t>
             </a:r>
-            <a:endParaRPr lang="en-US"/>
           </a:p>
         </p:txBody>
       </p:sp>
@@ -1549,7 +1513,7 @@
           <a:p>
             <a:pPr lvl="0"/>
             <a:r>
-              <a:rPr lang="en-US" smtClean="0"/>
+              <a:rPr lang="en-US"/>
               <a:t>Click to edit Master text styles</a:t>
             </a:r>
           </a:p>
@@ -1605,38 +1569,37 @@
           <a:p>
             <a:pPr lvl="0"/>
             <a:r>
-              <a:rPr lang="en-US" smtClean="0"/>
+              <a:rPr lang="en-US"/>
               <a:t>Click to edit Master text styles</a:t>
             </a:r>
           </a:p>
           <a:p>
             <a:pPr lvl="1"/>
             <a:r>
-              <a:rPr lang="en-US" smtClean="0"/>
+              <a:rPr lang="en-US"/>
               <a:t>Second level</a:t>
             </a:r>
           </a:p>
           <a:p>
             <a:pPr lvl="2"/>
             <a:r>
-              <a:rPr lang="en-US" smtClean="0"/>
+              <a:rPr lang="en-US"/>
               <a:t>Third level</a:t>
             </a:r>
           </a:p>
           <a:p>
             <a:pPr lvl="3"/>
             <a:r>
-              <a:rPr lang="en-US" smtClean="0"/>
+              <a:rPr lang="en-US"/>
               <a:t>Fourth level</a:t>
             </a:r>
           </a:p>
           <a:p>
             <a:pPr lvl="4"/>
             <a:r>
-              <a:rPr lang="en-US" smtClean="0"/>
+              <a:rPr lang="en-US"/>
               <a:t>Fifth level</a:t>
             </a:r>
-            <a:endParaRPr lang="en-US"/>
           </a:p>
         </p:txBody>
       </p:sp>
@@ -1699,7 +1662,7 @@
           <a:p>
             <a:pPr lvl="0"/>
             <a:r>
-              <a:rPr lang="en-US" smtClean="0"/>
+              <a:rPr lang="en-US"/>
               <a:t>Click to edit Master text styles</a:t>
             </a:r>
           </a:p>
@@ -1755,38 +1718,37 @@
           <a:p>
             <a:pPr lvl="0"/>
             <a:r>
-              <a:rPr lang="en-US" smtClean="0"/>
+              <a:rPr lang="en-US"/>
               <a:t>Click to edit Master text styles</a:t>
             </a:r>
           </a:p>
           <a:p>
             <a:pPr lvl="1"/>
             <a:r>
-              <a:rPr lang="en-US" smtClean="0"/>
+              <a:rPr lang="en-US"/>
               <a:t>Second level</a:t>
             </a:r>
           </a:p>
           <a:p>
             <a:pPr lvl="2"/>
             <a:r>
-              <a:rPr lang="en-US" smtClean="0"/>
+              <a:rPr lang="en-US"/>
               <a:t>Third level</a:t>
             </a:r>
           </a:p>
           <a:p>
             <a:pPr lvl="3"/>
             <a:r>
-              <a:rPr lang="en-US" smtClean="0"/>
+              <a:rPr lang="en-US"/>
               <a:t>Fourth level</a:t>
             </a:r>
           </a:p>
           <a:p>
             <a:pPr lvl="4"/>
             <a:r>
-              <a:rPr lang="en-US" smtClean="0"/>
+              <a:rPr lang="en-US"/>
               <a:t>Fifth level</a:t>
             </a:r>
-            <a:endParaRPr lang="en-US"/>
           </a:p>
         </p:txBody>
       </p:sp>
@@ -1808,7 +1770,7 @@
             <a:fld id="{1D8BD707-D9CF-40AE-B4C6-C98DA3205C09}" type="datetimeFigureOut">
               <a:rPr lang="en-US" smtClean="0"/>
               <a:pPr/>
-              <a:t>8/1/2011</a:t>
+              <a:t>11/23/24</a:t>
             </a:fld>
             <a:endParaRPr lang="en-US"/>
           </a:p>
@@ -1898,10 +1860,9 @@
           <a:lstStyle/>
           <a:p>
             <a:r>
-              <a:rPr lang="en-US" smtClean="0"/>
+              <a:rPr lang="en-US"/>
               <a:t>Click to edit Master title style</a:t>
             </a:r>
-            <a:endParaRPr lang="en-US"/>
           </a:p>
         </p:txBody>
       </p:sp>
@@ -1923,7 +1884,7 @@
             <a:fld id="{1D8BD707-D9CF-40AE-B4C6-C98DA3205C09}" type="datetimeFigureOut">
               <a:rPr lang="en-US" smtClean="0"/>
               <a:pPr/>
-              <a:t>8/1/2011</a:t>
+              <a:t>11/23/24</a:t>
             </a:fld>
             <a:endParaRPr lang="en-US"/>
           </a:p>
@@ -2015,7 +1976,7 @@
             <a:fld id="{1D8BD707-D9CF-40AE-B4C6-C98DA3205C09}" type="datetimeFigureOut">
               <a:rPr lang="en-US" smtClean="0"/>
               <a:pPr/>
-              <a:t>8/1/2011</a:t>
+              <a:t>11/23/24</a:t>
             </a:fld>
             <a:endParaRPr lang="en-US"/>
           </a:p>
@@ -2114,10 +2075,9 @@
           </a:lstStyle>
           <a:p>
             <a:r>
-              <a:rPr lang="en-US" smtClean="0"/>
+              <a:rPr lang="en-US"/>
               <a:t>Click to edit Master title style</a:t>
             </a:r>
-            <a:endParaRPr lang="en-US"/>
           </a:p>
         </p:txBody>
       </p:sp>
@@ -2171,38 +2131,37 @@
           <a:p>
             <a:pPr lvl="0"/>
             <a:r>
-              <a:rPr lang="en-US" smtClean="0"/>
+              <a:rPr lang="en-US"/>
               <a:t>Click to edit Master text styles</a:t>
             </a:r>
           </a:p>
           <a:p>
             <a:pPr lvl="1"/>
             <a:r>
-              <a:rPr lang="en-US" smtClean="0"/>
+              <a:rPr lang="en-US"/>
               <a:t>Second level</a:t>
             </a:r>
           </a:p>
           <a:p>
             <a:pPr lvl="2"/>
             <a:r>
-              <a:rPr lang="en-US" smtClean="0"/>
+              <a:rPr lang="en-US"/>
               <a:t>Third level</a:t>
             </a:r>
           </a:p>
           <a:p>
             <a:pPr lvl="3"/>
             <a:r>
-              <a:rPr lang="en-US" smtClean="0"/>
+              <a:rPr lang="en-US"/>
               <a:t>Fourth level</a:t>
             </a:r>
           </a:p>
           <a:p>
             <a:pPr lvl="4"/>
             <a:r>
-              <a:rPr lang="en-US" smtClean="0"/>
+              <a:rPr lang="en-US"/>
               <a:t>Fifth level</a:t>
             </a:r>
-            <a:endParaRPr lang="en-US"/>
           </a:p>
         </p:txBody>
       </p:sp>
@@ -2265,7 +2224,7 @@
           <a:p>
             <a:pPr lvl="0"/>
             <a:r>
-              <a:rPr lang="en-US" smtClean="0"/>
+              <a:rPr lang="en-US"/>
               <a:t>Click to edit Master text styles</a:t>
             </a:r>
           </a:p>
@@ -2289,7 +2248,7 @@
             <a:fld id="{1D8BD707-D9CF-40AE-B4C6-C98DA3205C09}" type="datetimeFigureOut">
               <a:rPr lang="en-US" smtClean="0"/>
               <a:pPr/>
-              <a:t>8/1/2011</a:t>
+              <a:t>11/23/24</a:t>
             </a:fld>
             <a:endParaRPr lang="en-US"/>
           </a:p>
@@ -2388,10 +2347,9 @@
           </a:lstStyle>
           <a:p>
             <a:r>
-              <a:rPr lang="en-US" smtClean="0"/>
+              <a:rPr lang="en-US"/>
               <a:t>Click to edit Master title style</a:t>
             </a:r>
-            <a:endParaRPr lang="en-US"/>
           </a:p>
         </p:txBody>
       </p:sp>
@@ -2515,7 +2473,7 @@
           <a:p>
             <a:pPr lvl="0"/>
             <a:r>
-              <a:rPr lang="en-US" smtClean="0"/>
+              <a:rPr lang="en-US"/>
               <a:t>Click to edit Master text styles</a:t>
             </a:r>
           </a:p>
@@ -2539,7 +2497,7 @@
             <a:fld id="{1D8BD707-D9CF-40AE-B4C6-C98DA3205C09}" type="datetimeFigureOut">
               <a:rPr lang="en-US" smtClean="0"/>
               <a:pPr/>
-              <a:t>8/1/2011</a:t>
+              <a:t>11/23/24</a:t>
             </a:fld>
             <a:endParaRPr lang="en-US"/>
           </a:p>
@@ -2644,10 +2602,9 @@
           <a:lstStyle/>
           <a:p>
             <a:r>
-              <a:rPr lang="en-US" smtClean="0"/>
+              <a:rPr lang="en-US"/>
               <a:t>Click to edit Master title style</a:t>
             </a:r>
-            <a:endParaRPr lang="en-US"/>
           </a:p>
         </p:txBody>
       </p:sp>
@@ -2678,38 +2635,37 @@
           <a:p>
             <a:pPr lvl="0"/>
             <a:r>
-              <a:rPr lang="en-US" smtClean="0"/>
+              <a:rPr lang="en-US"/>
               <a:t>Click to edit Master text styles</a:t>
             </a:r>
           </a:p>
           <a:p>
             <a:pPr lvl="1"/>
             <a:r>
-              <a:rPr lang="en-US" smtClean="0"/>
+              <a:rPr lang="en-US"/>
               <a:t>Second level</a:t>
             </a:r>
           </a:p>
           <a:p>
             <a:pPr lvl="2"/>
             <a:r>
-              <a:rPr lang="en-US" smtClean="0"/>
+              <a:rPr lang="en-US"/>
               <a:t>Third level</a:t>
             </a:r>
           </a:p>
           <a:p>
             <a:pPr lvl="3"/>
             <a:r>
-              <a:rPr lang="en-US" smtClean="0"/>
+              <a:rPr lang="en-US"/>
               <a:t>Fourth level</a:t>
             </a:r>
           </a:p>
           <a:p>
             <a:pPr lvl="4"/>
             <a:r>
-              <a:rPr lang="en-US" smtClean="0"/>
+              <a:rPr lang="en-US"/>
               <a:t>Fifth level</a:t>
             </a:r>
-            <a:endParaRPr lang="en-US"/>
           </a:p>
         </p:txBody>
       </p:sp>
@@ -2749,7 +2705,7 @@
             <a:fld id="{1D8BD707-D9CF-40AE-B4C6-C98DA3205C09}" type="datetimeFigureOut">
               <a:rPr lang="en-US" smtClean="0"/>
               <a:pPr/>
-              <a:t>8/1/2011</a:t>
+              <a:t>11/23/24</a:t>
             </a:fld>
             <a:endParaRPr lang="en-US"/>
           </a:p>
@@ -3104,7 +3060,7 @@
 </file>
 
 <file path=ppt/slides/slide1.xml><?xml version="1.0" encoding="utf-8"?>
-<p:sld xmlns:p="http://schemas.openxmlformats.org/presentationml/2006/main" xmlns:a="http://schemas.openxmlformats.org/drawingml/2006/main" xmlns:r="http://schemas.openxmlformats.org/officeDocument/2006/relationships">
+<p:sld xmlns:a="http://schemas.openxmlformats.org/drawingml/2006/main" xmlns:r="http://schemas.openxmlformats.org/officeDocument/2006/relationships" xmlns:p="http://schemas.openxmlformats.org/presentationml/2006/main">
   <p:cSld>
     <p:spTree>
       <p:nvGrpSpPr>
@@ -3122,12 +3078,12 @@
       </p:grpSpPr>
       <p:sp>
         <p:nvSpPr>
-          <p:cNvPr name="Freeform 2" id="2"/>
+          <p:cNvPr id="2" name="Freeform 2"/>
           <p:cNvSpPr/>
           <p:nvPr/>
         </p:nvSpPr>
         <p:spPr>
-          <a:xfrm flipH="false" flipV="false" rot="0">
+          <a:xfrm>
             <a:off x="0" y="0"/>
             <a:ext cx="18288000" cy="10287000"/>
           </a:xfrm>
@@ -3136,9 +3092,9 @@
             <a:gdLst/>
             <a:ahLst/>
             <a:cxnLst/>
-            <a:rect r="r" b="b" t="t" l="l"/>
+            <a:rect l="l" t="t" r="r" b="b"/>
             <a:pathLst>
-              <a:path h="10287000" w="18288000">
+              <a:path w="18288000" h="10287000">
                 <a:moveTo>
                   <a:pt x="0" y="0"/>
                 </a:moveTo>
@@ -3161,19 +3117,26 @@
           <a:blipFill>
             <a:blip r:embed="rId2"/>
             <a:stretch>
-              <a:fillRect l="0" t="0" r="0" b="0"/>
+              <a:fillRect/>
             </a:stretch>
           </a:blipFill>
         </p:spPr>
-      </p:sp>
-      <p:sp>
-        <p:nvSpPr>
-          <p:cNvPr name="Freeform 3" id="3"/>
+        <p:txBody>
+          <a:bodyPr/>
+          <a:lstStyle/>
+          <a:p>
+            <a:endParaRPr lang="ko-KR" altLang="en-US"/>
+          </a:p>
+        </p:txBody>
+      </p:sp>
+      <p:sp>
+        <p:nvSpPr>
+          <p:cNvPr id="3" name="Freeform 3"/>
           <p:cNvSpPr/>
           <p:nvPr/>
         </p:nvSpPr>
         <p:spPr>
-          <a:xfrm flipH="false" flipV="false" rot="0">
+          <a:xfrm>
             <a:off x="11436290" y="374903"/>
             <a:ext cx="1303023" cy="1307595"/>
           </a:xfrm>
@@ -3182,9 +3145,9 @@
             <a:gdLst/>
             <a:ahLst/>
             <a:cxnLst/>
-            <a:rect r="r" b="b" t="t" l="l"/>
+            <a:rect l="l" t="t" r="r" b="b"/>
             <a:pathLst>
-              <a:path h="1307595" w="1303023">
+              <a:path w="1303023" h="1307595">
                 <a:moveTo>
                   <a:pt x="0" y="0"/>
                 </a:moveTo>
@@ -3207,19 +3170,26 @@
           <a:blipFill>
             <a:blip r:embed="rId3"/>
             <a:stretch>
-              <a:fillRect l="0" t="0" r="0" b="0"/>
+              <a:fillRect/>
             </a:stretch>
           </a:blipFill>
         </p:spPr>
-      </p:sp>
-      <p:sp>
-        <p:nvSpPr>
-          <p:cNvPr name="Freeform 4" id="4"/>
+        <p:txBody>
+          <a:bodyPr/>
+          <a:lstStyle/>
+          <a:p>
+            <a:endParaRPr lang="ko-KR" altLang="en-US"/>
+          </a:p>
+        </p:txBody>
+      </p:sp>
+      <p:sp>
+        <p:nvSpPr>
+          <p:cNvPr id="4" name="Freeform 4"/>
           <p:cNvSpPr/>
           <p:nvPr/>
         </p:nvSpPr>
         <p:spPr>
-          <a:xfrm flipH="false" flipV="false" rot="0">
+          <a:xfrm>
             <a:off x="7386638" y="9286875"/>
             <a:ext cx="5352675" cy="1021086"/>
           </a:xfrm>
@@ -3228,9 +3198,9 @@
             <a:gdLst/>
             <a:ahLst/>
             <a:cxnLst/>
-            <a:rect r="r" b="b" t="t" l="l"/>
+            <a:rect l="l" t="t" r="r" b="b"/>
             <a:pathLst>
-              <a:path h="1021086" w="5352675">
+              <a:path w="5352675" h="1021086">
                 <a:moveTo>
                   <a:pt x="0" y="0"/>
                 </a:moveTo>
@@ -3257,15 +3227,22 @@
             </a:stretch>
           </a:blipFill>
         </p:spPr>
-      </p:sp>
-      <p:sp>
-        <p:nvSpPr>
-          <p:cNvPr name="Freeform 5" id="5"/>
+        <p:txBody>
+          <a:bodyPr/>
+          <a:lstStyle/>
+          <a:p>
+            <a:endParaRPr lang="ko-KR" altLang="en-US"/>
+          </a:p>
+        </p:txBody>
+      </p:sp>
+      <p:sp>
+        <p:nvSpPr>
+          <p:cNvPr id="5" name="Freeform 5"/>
           <p:cNvSpPr/>
           <p:nvPr/>
         </p:nvSpPr>
         <p:spPr>
-          <a:xfrm flipH="false" flipV="false" rot="0">
+          <a:xfrm>
             <a:off x="9629775" y="142828"/>
             <a:ext cx="378619" cy="378925"/>
           </a:xfrm>
@@ -3274,9 +3251,9 @@
             <a:gdLst/>
             <a:ahLst/>
             <a:cxnLst/>
-            <a:rect r="r" b="b" t="t" l="l"/>
+            <a:rect l="l" t="t" r="r" b="b"/>
             <a:pathLst>
-              <a:path h="378925" w="378619">
+              <a:path w="378619" h="378925">
                 <a:moveTo>
                   <a:pt x="0" y="0"/>
                 </a:moveTo>
@@ -3299,19 +3276,26 @@
           <a:blipFill>
             <a:blip r:embed="rId4"/>
             <a:stretch>
-              <a:fillRect l="0" t="0" r="0" b="0"/>
+              <a:fillRect/>
             </a:stretch>
           </a:blipFill>
         </p:spPr>
-      </p:sp>
-      <p:sp>
-        <p:nvSpPr>
-          <p:cNvPr name="Freeform 6" id="6"/>
+        <p:txBody>
+          <a:bodyPr/>
+          <a:lstStyle/>
+          <a:p>
+            <a:endParaRPr lang="ko-KR" altLang="en-US"/>
+          </a:p>
+        </p:txBody>
+      </p:sp>
+      <p:sp>
+        <p:nvSpPr>
+          <p:cNvPr id="6" name="Freeform 6"/>
           <p:cNvSpPr/>
           <p:nvPr/>
         </p:nvSpPr>
         <p:spPr>
-          <a:xfrm flipH="false" flipV="false" rot="0">
+          <a:xfrm>
             <a:off x="-536010" y="-178252"/>
             <a:ext cx="5352675" cy="1021086"/>
           </a:xfrm>
@@ -3320,9 +3304,9 @@
             <a:gdLst/>
             <a:ahLst/>
             <a:cxnLst/>
-            <a:rect r="r" b="b" t="t" l="l"/>
+            <a:rect l="l" t="t" r="r" b="b"/>
             <a:pathLst>
-              <a:path h="1021086" w="5352675">
+              <a:path w="5352675" h="1021086">
                 <a:moveTo>
                   <a:pt x="0" y="0"/>
                 </a:moveTo>
@@ -3349,15 +3333,22 @@
             </a:stretch>
           </a:blipFill>
         </p:spPr>
-      </p:sp>
-      <p:sp>
-        <p:nvSpPr>
-          <p:cNvPr name="Freeform 7" id="7"/>
+        <p:txBody>
+          <a:bodyPr/>
+          <a:lstStyle/>
+          <a:p>
+            <a:endParaRPr lang="ko-KR" altLang="en-US"/>
+          </a:p>
+        </p:txBody>
+      </p:sp>
+      <p:sp>
+        <p:nvSpPr>
+          <p:cNvPr id="7" name="Freeform 7"/>
           <p:cNvSpPr/>
           <p:nvPr/>
         </p:nvSpPr>
         <p:spPr>
-          <a:xfrm flipH="false" flipV="false" rot="0">
+          <a:xfrm>
             <a:off x="9249723" y="578349"/>
             <a:ext cx="192884" cy="193040"/>
           </a:xfrm>
@@ -3366,9 +3357,9 @@
             <a:gdLst/>
             <a:ahLst/>
             <a:cxnLst/>
-            <a:rect r="r" b="b" t="t" l="l"/>
+            <a:rect l="l" t="t" r="r" b="b"/>
             <a:pathLst>
-              <a:path h="193040" w="192884">
+              <a:path w="192884" h="193040">
                 <a:moveTo>
                   <a:pt x="0" y="0"/>
                 </a:moveTo>
@@ -3391,19 +3382,26 @@
           <a:blipFill>
             <a:blip r:embed="rId4"/>
             <a:stretch>
-              <a:fillRect l="0" t="0" r="0" b="0"/>
+              <a:fillRect/>
             </a:stretch>
           </a:blipFill>
         </p:spPr>
-      </p:sp>
-      <p:sp>
-        <p:nvSpPr>
-          <p:cNvPr name="Freeform 8" id="8"/>
+        <p:txBody>
+          <a:bodyPr/>
+          <a:lstStyle/>
+          <a:p>
+            <a:endParaRPr lang="ko-KR" altLang="en-US"/>
+          </a:p>
+        </p:txBody>
+      </p:sp>
+      <p:sp>
+        <p:nvSpPr>
+          <p:cNvPr id="8" name="Freeform 8"/>
           <p:cNvSpPr/>
           <p:nvPr/>
         </p:nvSpPr>
         <p:spPr>
-          <a:xfrm flipH="false" flipV="false" rot="0">
+          <a:xfrm>
             <a:off x="802902" y="597399"/>
             <a:ext cx="9455513" cy="1625398"/>
           </a:xfrm>
@@ -3412,9 +3410,9 @@
             <a:gdLst/>
             <a:ahLst/>
             <a:cxnLst/>
-            <a:rect r="r" b="b" t="t" l="l"/>
+            <a:rect l="l" t="t" r="r" b="b"/>
             <a:pathLst>
-              <a:path h="1625398" w="9455513">
+              <a:path w="9455513" h="1625398">
                 <a:moveTo>
                   <a:pt x="0" y="0"/>
                 </a:moveTo>
@@ -3437,19 +3435,26 @@
           <a:blipFill>
             <a:blip r:embed="rId5"/>
             <a:stretch>
-              <a:fillRect l="0" t="0" r="0" b="0"/>
+              <a:fillRect/>
             </a:stretch>
           </a:blipFill>
         </p:spPr>
-      </p:sp>
-      <p:sp>
-        <p:nvSpPr>
-          <p:cNvPr name="Freeform 9" id="9"/>
+        <p:txBody>
+          <a:bodyPr/>
+          <a:lstStyle/>
+          <a:p>
+            <a:endParaRPr lang="ko-KR" altLang="en-US"/>
+          </a:p>
+        </p:txBody>
+      </p:sp>
+      <p:sp>
+        <p:nvSpPr>
+          <p:cNvPr id="9" name="Freeform 9"/>
           <p:cNvSpPr/>
           <p:nvPr/>
         </p:nvSpPr>
         <p:spPr>
-          <a:xfrm flipH="false" flipV="false" rot="0">
+          <a:xfrm>
             <a:off x="13409098" y="1350714"/>
             <a:ext cx="807798" cy="808450"/>
           </a:xfrm>
@@ -3458,9 +3463,9 @@
             <a:gdLst/>
             <a:ahLst/>
             <a:cxnLst/>
-            <a:rect r="r" b="b" t="t" l="l"/>
+            <a:rect l="l" t="t" r="r" b="b"/>
             <a:pathLst>
-              <a:path h="808450" w="807798">
+              <a:path w="807798" h="808450">
                 <a:moveTo>
                   <a:pt x="0" y="0"/>
                 </a:moveTo>
@@ -3483,19 +3488,26 @@
           <a:blipFill>
             <a:blip r:embed="rId4"/>
             <a:stretch>
-              <a:fillRect l="0" t="0" r="0" b="0"/>
+              <a:fillRect/>
             </a:stretch>
           </a:blipFill>
         </p:spPr>
-      </p:sp>
-      <p:sp>
-        <p:nvSpPr>
-          <p:cNvPr name="Freeform 10" id="10"/>
+        <p:txBody>
+          <a:bodyPr/>
+          <a:lstStyle/>
+          <a:p>
+            <a:endParaRPr lang="ko-KR" altLang="en-US"/>
+          </a:p>
+        </p:txBody>
+      </p:sp>
+      <p:sp>
+        <p:nvSpPr>
+          <p:cNvPr id="10" name="Freeform 10"/>
           <p:cNvSpPr/>
           <p:nvPr/>
         </p:nvSpPr>
         <p:spPr>
-          <a:xfrm flipH="false" flipV="false" rot="0">
+          <a:xfrm>
             <a:off x="0" y="4492606"/>
             <a:ext cx="18425338" cy="2854050"/>
           </a:xfrm>
@@ -3504,9 +3516,9 @@
             <a:gdLst/>
             <a:ahLst/>
             <a:cxnLst/>
-            <a:rect r="r" b="b" t="t" l="l"/>
+            <a:rect l="l" t="t" r="r" b="b"/>
             <a:pathLst>
-              <a:path h="2854050" w="18425338">
+              <a:path w="18425338" h="2854050">
                 <a:moveTo>
                   <a:pt x="0" y="0"/>
                 </a:moveTo>
@@ -3529,19 +3541,26 @@
           <a:blipFill>
             <a:blip r:embed="rId6"/>
             <a:stretch>
-              <a:fillRect l="0" t="0" r="-61582" b="0"/>
+              <a:fillRect r="-61582"/>
             </a:stretch>
           </a:blipFill>
         </p:spPr>
-      </p:sp>
-      <p:sp>
-        <p:nvSpPr>
-          <p:cNvPr name="TextBox 11" id="11"/>
-          <p:cNvSpPr txBox="true"/>
+        <p:txBody>
+          <a:bodyPr/>
+          <a:lstStyle/>
+          <a:p>
+            <a:endParaRPr lang="ko-KR" altLang="en-US"/>
+          </a:p>
+        </p:txBody>
+      </p:sp>
+      <p:sp>
+        <p:nvSpPr>
+          <p:cNvPr id="11" name="TextBox 11"/>
+          <p:cNvSpPr txBox="1"/>
           <p:nvPr/>
         </p:nvSpPr>
         <p:spPr>
-          <a:xfrm rot="0">
+          <a:xfrm>
             <a:off x="16635333" y="9518684"/>
             <a:ext cx="1790005" cy="595568"/>
           </a:xfrm>
@@ -3550,7 +3569,7 @@
           </a:prstGeom>
         </p:spPr>
         <p:txBody>
-          <a:bodyPr anchor="t" rtlCol="false" tIns="0" lIns="0" bIns="0" rIns="0">
+          <a:bodyPr lIns="0" tIns="0" rIns="0" bIns="0" rtlCol="0" anchor="t">
             <a:spAutoFit/>
           </a:bodyPr>
           <a:lstStyle/>
@@ -3574,12 +3593,12 @@
       </p:sp>
       <p:sp>
         <p:nvSpPr>
-          <p:cNvPr name="TextBox 12" id="12"/>
-          <p:cNvSpPr txBox="true"/>
+          <p:cNvPr id="12" name="TextBox 12"/>
+          <p:cNvSpPr txBox="1"/>
           <p:nvPr/>
         </p:nvSpPr>
         <p:spPr>
-          <a:xfrm rot="0">
+          <a:xfrm>
             <a:off x="7294348" y="5346734"/>
             <a:ext cx="3910750" cy="1250569"/>
           </a:xfrm>
@@ -3588,7 +3607,7 @@
           </a:prstGeom>
         </p:spPr>
         <p:txBody>
-          <a:bodyPr anchor="t" rtlCol="false" tIns="0" lIns="0" bIns="0" rIns="0">
+          <a:bodyPr lIns="0" tIns="0" rIns="0" bIns="0" rtlCol="0" anchor="t">
             <a:spAutoFit/>
           </a:bodyPr>
           <a:lstStyle/>
@@ -3599,11 +3618,12 @@
               </a:lnSpc>
             </a:pPr>
             <a:r>
-              <a:rPr lang="en-US" sz="8972" spc="83">
+              <a:rPr lang="en-US" sz="8972" spc="83" dirty="0">
                 <a:solidFill>
                   <a:srgbClr val="404040"/>
                 </a:solidFill>
-                <a:latin typeface="TT Rounds Condensed Bold"/>
+                <a:latin typeface="+mj-ea"/>
+                <a:ea typeface="+mj-ea"/>
               </a:rPr>
               <a:t>starter</a:t>
             </a:r>
@@ -3612,12 +3632,12 @@
       </p:sp>
       <p:sp>
         <p:nvSpPr>
-          <p:cNvPr name="Freeform 13" id="13"/>
+          <p:cNvPr id="13" name="Freeform 13"/>
           <p:cNvSpPr/>
           <p:nvPr/>
         </p:nvSpPr>
         <p:spPr>
-          <a:xfrm flipH="false" flipV="false" rot="0">
+          <a:xfrm>
             <a:off x="13533596" y="0"/>
             <a:ext cx="4261113" cy="5728728"/>
           </a:xfrm>
@@ -3626,9 +3646,9 @@
             <a:gdLst/>
             <a:ahLst/>
             <a:cxnLst/>
-            <a:rect r="r" b="b" t="t" l="l"/>
+            <a:rect l="l" t="t" r="r" b="b"/>
             <a:pathLst>
-              <a:path h="5728728" w="4261113">
+              <a:path w="4261113" h="5728728">
                 <a:moveTo>
                   <a:pt x="0" y="0"/>
                 </a:moveTo>
@@ -3651,10 +3671,17 @@
           <a:blipFill>
             <a:blip r:embed="rId7"/>
             <a:stretch>
-              <a:fillRect l="0" t="0" r="0" b="0"/>
+              <a:fillRect/>
             </a:stretch>
           </a:blipFill>
         </p:spPr>
+        <p:txBody>
+          <a:bodyPr/>
+          <a:lstStyle/>
+          <a:p>
+            <a:endParaRPr lang="ko-KR" altLang="en-US"/>
+          </a:p>
+        </p:txBody>
       </p:sp>
     </p:spTree>
   </p:cSld>
@@ -3665,7 +3692,7 @@
 </file>
 
 <file path=ppt/slides/slide10.xml><?xml version="1.0" encoding="utf-8"?>
-<p:sld xmlns:p="http://schemas.openxmlformats.org/presentationml/2006/main" xmlns:a="http://schemas.openxmlformats.org/drawingml/2006/main" xmlns:r="http://schemas.openxmlformats.org/officeDocument/2006/relationships">
+<p:sld xmlns:a="http://schemas.openxmlformats.org/drawingml/2006/main" xmlns:r="http://schemas.openxmlformats.org/officeDocument/2006/relationships" xmlns:p="http://schemas.openxmlformats.org/presentationml/2006/main">
   <p:cSld>
     <p:spTree>
       <p:nvGrpSpPr>
@@ -3683,12 +3710,12 @@
       </p:grpSpPr>
       <p:sp>
         <p:nvSpPr>
-          <p:cNvPr name="Freeform 2" id="2"/>
+          <p:cNvPr id="2" name="Freeform 2"/>
           <p:cNvSpPr/>
           <p:nvPr/>
         </p:nvSpPr>
         <p:spPr>
-          <a:xfrm flipH="false" flipV="false" rot="0">
+          <a:xfrm>
             <a:off x="0" y="0"/>
             <a:ext cx="18288000" cy="10287000"/>
           </a:xfrm>
@@ -3697,9 +3724,9 @@
             <a:gdLst/>
             <a:ahLst/>
             <a:cxnLst/>
-            <a:rect r="r" b="b" t="t" l="l"/>
+            <a:rect l="l" t="t" r="r" b="b"/>
             <a:pathLst>
-              <a:path h="10287000" w="18288000">
+              <a:path w="18288000" h="10287000">
                 <a:moveTo>
                   <a:pt x="0" y="0"/>
                 </a:moveTo>
@@ -3722,19 +3749,26 @@
           <a:blipFill>
             <a:blip r:embed="rId2"/>
             <a:stretch>
-              <a:fillRect l="0" t="0" r="0" b="0"/>
+              <a:fillRect/>
             </a:stretch>
           </a:blipFill>
         </p:spPr>
+        <p:txBody>
+          <a:bodyPr/>
+          <a:lstStyle/>
+          <a:p>
+            <a:endParaRPr lang="ko-KR" altLang="en-US"/>
+          </a:p>
+        </p:txBody>
       </p:sp>
       <p:grpSp>
         <p:nvGrpSpPr>
-          <p:cNvPr name="Group 3" id="3"/>
+          <p:cNvPr id="3" name="Group 3"/>
           <p:cNvGrpSpPr/>
           <p:nvPr/>
         </p:nvGrpSpPr>
         <p:grpSpPr>
-          <a:xfrm rot="0">
+          <a:xfrm>
             <a:off x="0" y="2044641"/>
             <a:ext cx="18288000" cy="8894741"/>
             <a:chOff x="0" y="0"/>
@@ -3743,12 +3777,12 @@
         </p:grpSpPr>
         <p:sp>
           <p:nvSpPr>
-            <p:cNvPr name="Freeform 4" id="4"/>
+            <p:cNvPr id="4" name="Freeform 4"/>
             <p:cNvSpPr/>
             <p:nvPr/>
           </p:nvSpPr>
           <p:spPr>
-            <a:xfrm flipH="false" flipV="false" rot="0">
+            <a:xfrm>
               <a:off x="0" y="0"/>
               <a:ext cx="24384000" cy="11859628"/>
             </a:xfrm>
@@ -3757,9 +3791,9 @@
               <a:gdLst/>
               <a:ahLst/>
               <a:cxnLst/>
-              <a:rect r="r" b="b" t="t" l="l"/>
+              <a:rect l="l" t="t" r="r" b="b"/>
               <a:pathLst>
-                <a:path h="11859628" w="24384000">
+                <a:path w="24384000" h="11859628">
                   <a:moveTo>
                     <a:pt x="0" y="0"/>
                   </a:moveTo>
@@ -3780,16 +3814,23 @@
               <a:srgbClr val="FAFAFD"/>
             </a:solidFill>
           </p:spPr>
+          <p:txBody>
+            <a:bodyPr/>
+            <a:lstStyle/>
+            <a:p>
+              <a:endParaRPr lang="ko-KR" altLang="en-US"/>
+            </a:p>
+          </p:txBody>
         </p:sp>
       </p:grpSp>
       <p:sp>
         <p:nvSpPr>
-          <p:cNvPr name="Freeform 5" id="5"/>
+          <p:cNvPr id="5" name="Freeform 5"/>
           <p:cNvSpPr/>
           <p:nvPr/>
         </p:nvSpPr>
         <p:spPr>
-          <a:xfrm flipH="false" flipV="false" rot="0">
+          <a:xfrm>
             <a:off x="0" y="0"/>
             <a:ext cx="18288000" cy="978185"/>
           </a:xfrm>
@@ -3798,9 +3839,9 @@
             <a:gdLst/>
             <a:ahLst/>
             <a:cxnLst/>
-            <a:rect r="r" b="b" t="t" l="l"/>
+            <a:rect l="l" t="t" r="r" b="b"/>
             <a:pathLst>
-              <a:path h="978185" w="18288000">
+              <a:path w="18288000" h="978185">
                 <a:moveTo>
                   <a:pt x="0" y="0"/>
                 </a:moveTo>
@@ -3823,19 +3864,26 @@
           <a:blipFill>
             <a:blip r:embed="rId3"/>
             <a:stretch>
-              <a:fillRect l="0" t="0" r="0" b="0"/>
+              <a:fillRect/>
             </a:stretch>
           </a:blipFill>
         </p:spPr>
-      </p:sp>
-      <p:sp>
-        <p:nvSpPr>
-          <p:cNvPr name="TextBox 6" id="6"/>
-          <p:cNvSpPr txBox="true"/>
+        <p:txBody>
+          <a:bodyPr/>
+          <a:lstStyle/>
+          <a:p>
+            <a:endParaRPr lang="ko-KR" altLang="en-US"/>
+          </a:p>
+        </p:txBody>
+      </p:sp>
+      <p:sp>
+        <p:nvSpPr>
+          <p:cNvPr id="6" name="TextBox 6"/>
+          <p:cNvSpPr txBox="1"/>
           <p:nvPr/>
         </p:nvSpPr>
         <p:spPr>
-          <a:xfrm rot="0">
+          <a:xfrm>
             <a:off x="814197" y="1329215"/>
             <a:ext cx="3900964" cy="673227"/>
           </a:xfrm>
@@ -3844,7 +3892,7 @@
           </a:prstGeom>
         </p:spPr>
         <p:txBody>
-          <a:bodyPr anchor="t" rtlCol="false" tIns="0" lIns="0" bIns="0" rIns="0">
+          <a:bodyPr lIns="0" tIns="0" rIns="0" bIns="0" rtlCol="0" anchor="t">
             <a:spAutoFit/>
           </a:bodyPr>
           <a:lstStyle/>
@@ -3868,12 +3916,12 @@
       </p:sp>
       <p:grpSp>
         <p:nvGrpSpPr>
-          <p:cNvPr name="Group 7" id="7"/>
+          <p:cNvPr id="7" name="Group 7"/>
           <p:cNvGrpSpPr/>
           <p:nvPr/>
         </p:nvGrpSpPr>
         <p:grpSpPr>
-          <a:xfrm rot="0">
+          <a:xfrm>
             <a:off x="1028700" y="2297716"/>
             <a:ext cx="165795" cy="480517"/>
             <a:chOff x="0" y="0"/>
@@ -3882,12 +3930,12 @@
         </p:grpSpPr>
         <p:sp>
           <p:nvSpPr>
-            <p:cNvPr name="Freeform 8" id="8"/>
+            <p:cNvPr id="8" name="Freeform 8"/>
             <p:cNvSpPr/>
             <p:nvPr/>
           </p:nvSpPr>
           <p:spPr>
-            <a:xfrm flipH="false" flipV="false" rot="0">
+            <a:xfrm>
               <a:off x="0" y="0"/>
               <a:ext cx="220980" cy="640588"/>
             </a:xfrm>
@@ -3896,9 +3944,9 @@
               <a:gdLst/>
               <a:ahLst/>
               <a:cxnLst/>
-              <a:rect r="r" b="b" t="t" l="l"/>
+              <a:rect l="l" t="t" r="r" b="b"/>
               <a:pathLst>
-                <a:path h="640588" w="220980">
+                <a:path w="220980" h="640588">
                   <a:moveTo>
                     <a:pt x="0" y="110490"/>
                   </a:moveTo>
@@ -3933,16 +3981,23 @@
               <a:srgbClr val="B5E3D8"/>
             </a:solidFill>
           </p:spPr>
+          <p:txBody>
+            <a:bodyPr/>
+            <a:lstStyle/>
+            <a:p>
+              <a:endParaRPr lang="ko-KR" altLang="en-US"/>
+            </a:p>
+          </p:txBody>
         </p:sp>
       </p:grpSp>
       <p:sp>
         <p:nvSpPr>
-          <p:cNvPr name="TextBox 9" id="9"/>
-          <p:cNvSpPr txBox="true"/>
+          <p:cNvPr id="9" name="TextBox 9"/>
+          <p:cNvSpPr txBox="1"/>
           <p:nvPr/>
         </p:nvSpPr>
         <p:spPr>
-          <a:xfrm rot="0">
+          <a:xfrm>
             <a:off x="1477995" y="2318708"/>
             <a:ext cx="14569210" cy="457581"/>
           </a:xfrm>
@@ -3951,7 +4006,7 @@
           </a:prstGeom>
         </p:spPr>
         <p:txBody>
-          <a:bodyPr anchor="t" rtlCol="false" tIns="0" lIns="0" bIns="0" rIns="0">
+          <a:bodyPr lIns="0" tIns="0" rIns="0" bIns="0" rtlCol="0" anchor="t">
             <a:spAutoFit/>
           </a:bodyPr>
           <a:lstStyle/>
@@ -3975,12 +4030,12 @@
       </p:sp>
       <p:grpSp>
         <p:nvGrpSpPr>
-          <p:cNvPr name="Group 10" id="10"/>
+          <p:cNvPr id="10" name="Group 10"/>
           <p:cNvGrpSpPr/>
           <p:nvPr/>
         </p:nvGrpSpPr>
         <p:grpSpPr>
-          <a:xfrm rot="0">
+          <a:xfrm>
             <a:off x="1028700" y="3056701"/>
             <a:ext cx="165795" cy="480517"/>
             <a:chOff x="0" y="0"/>
@@ -3989,12 +4044,12 @@
         </p:grpSpPr>
         <p:sp>
           <p:nvSpPr>
-            <p:cNvPr name="Freeform 11" id="11"/>
+            <p:cNvPr id="11" name="Freeform 11"/>
             <p:cNvSpPr/>
             <p:nvPr/>
           </p:nvSpPr>
           <p:spPr>
-            <a:xfrm flipH="false" flipV="false" rot="0">
+            <a:xfrm>
               <a:off x="0" y="0"/>
               <a:ext cx="220980" cy="640588"/>
             </a:xfrm>
@@ -4003,9 +4058,9 @@
               <a:gdLst/>
               <a:ahLst/>
               <a:cxnLst/>
-              <a:rect r="r" b="b" t="t" l="l"/>
+              <a:rect l="l" t="t" r="r" b="b"/>
               <a:pathLst>
-                <a:path h="640588" w="220980">
+                <a:path w="220980" h="640588">
                   <a:moveTo>
                     <a:pt x="0" y="110490"/>
                   </a:moveTo>
@@ -4040,16 +4095,23 @@
               <a:srgbClr val="B5E3D8"/>
             </a:solidFill>
           </p:spPr>
+          <p:txBody>
+            <a:bodyPr/>
+            <a:lstStyle/>
+            <a:p>
+              <a:endParaRPr lang="ko-KR" altLang="en-US"/>
+            </a:p>
+          </p:txBody>
         </p:sp>
       </p:grpSp>
       <p:sp>
         <p:nvSpPr>
-          <p:cNvPr name="TextBox 12" id="12"/>
-          <p:cNvSpPr txBox="true"/>
+          <p:cNvPr id="12" name="TextBox 12"/>
+          <p:cNvSpPr txBox="1"/>
           <p:nvPr/>
         </p:nvSpPr>
         <p:spPr>
-          <a:xfrm rot="0">
+          <a:xfrm>
             <a:off x="1477995" y="3077693"/>
             <a:ext cx="6674479" cy="457581"/>
           </a:xfrm>
@@ -4058,7 +4120,7 @@
           </a:prstGeom>
         </p:spPr>
         <p:txBody>
-          <a:bodyPr anchor="t" rtlCol="false" tIns="0" lIns="0" bIns="0" rIns="0">
+          <a:bodyPr lIns="0" tIns="0" rIns="0" bIns="0" rtlCol="0" anchor="t">
             <a:spAutoFit/>
           </a:bodyPr>
           <a:lstStyle/>
@@ -4083,12 +4145,12 @@
       </p:sp>
       <p:grpSp>
         <p:nvGrpSpPr>
-          <p:cNvPr name="Group 13" id="13"/>
+          <p:cNvPr id="13" name="Group 13"/>
           <p:cNvGrpSpPr/>
           <p:nvPr/>
         </p:nvGrpSpPr>
         <p:grpSpPr>
-          <a:xfrm rot="0">
+          <a:xfrm>
             <a:off x="435809" y="3813443"/>
             <a:ext cx="17507842" cy="6190727"/>
             <a:chOff x="0" y="0"/>
@@ -4097,12 +4159,12 @@
         </p:grpSpPr>
         <p:sp>
           <p:nvSpPr>
-            <p:cNvPr name="Freeform 14" id="14"/>
+            <p:cNvPr id="14" name="Freeform 14"/>
             <p:cNvSpPr/>
             <p:nvPr/>
           </p:nvSpPr>
           <p:spPr>
-            <a:xfrm flipH="false" flipV="false" rot="0">
+            <a:xfrm>
               <a:off x="0" y="0"/>
               <a:ext cx="23343752" cy="8254338"/>
             </a:xfrm>
@@ -4111,9 +4173,9 @@
               <a:gdLst/>
               <a:ahLst/>
               <a:cxnLst/>
-              <a:rect r="r" b="b" t="t" l="l"/>
+              <a:rect l="l" t="t" r="r" b="b"/>
               <a:pathLst>
-                <a:path h="8254338" w="23343752">
+                <a:path w="23343752" h="8254338">
                   <a:moveTo>
                     <a:pt x="0" y="0"/>
                   </a:moveTo>
@@ -4134,11 +4196,18 @@
               <a:srgbClr val="ECEBF5"/>
             </a:solidFill>
           </p:spPr>
+          <p:txBody>
+            <a:bodyPr/>
+            <a:lstStyle/>
+            <a:p>
+              <a:endParaRPr lang="ko-KR" altLang="en-US"/>
+            </a:p>
+          </p:txBody>
         </p:sp>
         <p:sp>
           <p:nvSpPr>
-            <p:cNvPr name="TextBox 15" id="15"/>
-            <p:cNvSpPr txBox="true"/>
+            <p:cNvPr id="15" name="TextBox 15"/>
+            <p:cNvSpPr txBox="1"/>
             <p:nvPr/>
           </p:nvSpPr>
           <p:spPr>
@@ -4151,7 +4220,7 @@
             </a:prstGeom>
           </p:spPr>
           <p:txBody>
-            <a:bodyPr anchor="t" rtlCol="false" tIns="50800" lIns="50800" bIns="50800" rIns="50800"/>
+            <a:bodyPr lIns="50800" tIns="50800" rIns="50800" bIns="50800" rtlCol="0" anchor="t"/>
             <a:lstStyle/>
             <a:p>
               <a:pPr algn="l">
@@ -4159,6 +4228,7 @@
                   <a:spcPts val="6480"/>
                 </a:lnSpc>
               </a:pPr>
+              <a:endParaRPr/>
             </a:p>
             <a:p>
               <a:pPr algn="l">
@@ -4166,18 +4236,19 @@
                   <a:spcPts val="5759"/>
                 </a:lnSpc>
               </a:pPr>
+              <a:endParaRPr/>
             </a:p>
           </p:txBody>
         </p:sp>
       </p:grpSp>
       <p:sp>
         <p:nvSpPr>
-          <p:cNvPr name="TextBox 16" id="16"/>
-          <p:cNvSpPr txBox="true"/>
+          <p:cNvPr id="16" name="TextBox 16"/>
+          <p:cNvSpPr txBox="1"/>
           <p:nvPr/>
         </p:nvSpPr>
         <p:spPr>
-          <a:xfrm rot="0">
+          <a:xfrm>
             <a:off x="814197" y="4484052"/>
             <a:ext cx="17211397" cy="5172456"/>
           </a:xfrm>
@@ -4186,7 +4257,7 @@
           </a:prstGeom>
         </p:spPr>
         <p:txBody>
-          <a:bodyPr anchor="t" rtlCol="false" tIns="0" lIns="0" bIns="0" rIns="0">
+          <a:bodyPr lIns="0" tIns="0" rIns="0" bIns="0" rtlCol="0" anchor="t">
             <a:spAutoFit/>
           </a:bodyPr>
           <a:lstStyle/>
@@ -4230,6 +4301,13 @@
                 <a:spcPts val="3402"/>
               </a:lnSpc>
             </a:pPr>
+            <a:endParaRPr lang="en-US" sz="3150" spc="-245">
+              <a:solidFill>
+                <a:srgbClr val="1F4E79"/>
+              </a:solidFill>
+              <a:latin typeface="TT Rounds Condensed"/>
+              <a:ea typeface="TT Rounds Condensed"/>
+            </a:endParaRPr>
           </a:p>
           <a:p>
             <a:pPr>
@@ -4271,6 +4349,13 @@
                 <a:spcPts val="3402"/>
               </a:lnSpc>
             </a:pPr>
+            <a:endParaRPr lang="en-US" sz="3150" spc="-245">
+              <a:solidFill>
+                <a:srgbClr val="1F4E79"/>
+              </a:solidFill>
+              <a:latin typeface="TT Rounds Condensed"/>
+              <a:ea typeface="TT Rounds Condensed"/>
+            </a:endParaRPr>
           </a:p>
           <a:p>
             <a:pPr>
@@ -4312,6 +4397,13 @@
                 <a:spcPts val="3402"/>
               </a:lnSpc>
             </a:pPr>
+            <a:endParaRPr lang="en-US" sz="3150" spc="-245">
+              <a:solidFill>
+                <a:srgbClr val="1F4E79"/>
+              </a:solidFill>
+              <a:latin typeface="TT Rounds Condensed"/>
+              <a:ea typeface="TT Rounds Condensed"/>
+            </a:endParaRPr>
           </a:p>
           <a:p>
             <a:pPr>
@@ -4353,6 +4445,13 @@
                 <a:spcPts val="3402"/>
               </a:lnSpc>
             </a:pPr>
+            <a:endParaRPr lang="en-US" sz="3150" spc="-245">
+              <a:solidFill>
+                <a:srgbClr val="1F4E79"/>
+              </a:solidFill>
+              <a:latin typeface="TT Rounds Condensed"/>
+              <a:ea typeface="TT Rounds Condensed"/>
+            </a:endParaRPr>
           </a:p>
         </p:txBody>
       </p:sp>
@@ -4365,7 +4464,7 @@
 </file>
 
 <file path=ppt/slides/slide11.xml><?xml version="1.0" encoding="utf-8"?>
-<p:sld xmlns:p="http://schemas.openxmlformats.org/presentationml/2006/main" xmlns:a="http://schemas.openxmlformats.org/drawingml/2006/main" xmlns:r="http://schemas.openxmlformats.org/officeDocument/2006/relationships">
+<p:sld xmlns:a="http://schemas.openxmlformats.org/drawingml/2006/main" xmlns:r="http://schemas.openxmlformats.org/officeDocument/2006/relationships" xmlns:p="http://schemas.openxmlformats.org/presentationml/2006/main">
   <p:cSld>
     <p:spTree>
       <p:nvGrpSpPr>
@@ -4383,12 +4482,12 @@
       </p:grpSpPr>
       <p:sp>
         <p:nvSpPr>
-          <p:cNvPr name="Freeform 2" id="2"/>
+          <p:cNvPr id="2" name="Freeform 2"/>
           <p:cNvSpPr/>
           <p:nvPr/>
         </p:nvSpPr>
         <p:spPr>
-          <a:xfrm flipH="false" flipV="false" rot="0">
+          <a:xfrm>
             <a:off x="0" y="0"/>
             <a:ext cx="18288000" cy="10287000"/>
           </a:xfrm>
@@ -4397,9 +4496,9 @@
             <a:gdLst/>
             <a:ahLst/>
             <a:cxnLst/>
-            <a:rect r="r" b="b" t="t" l="l"/>
+            <a:rect l="l" t="t" r="r" b="b"/>
             <a:pathLst>
-              <a:path h="10287000" w="18288000">
+              <a:path w="18288000" h="10287000">
                 <a:moveTo>
                   <a:pt x="0" y="0"/>
                 </a:moveTo>
@@ -4422,19 +4521,26 @@
           <a:blipFill>
             <a:blip r:embed="rId2"/>
             <a:stretch>
-              <a:fillRect l="0" t="0" r="0" b="0"/>
+              <a:fillRect/>
             </a:stretch>
           </a:blipFill>
         </p:spPr>
+        <p:txBody>
+          <a:bodyPr/>
+          <a:lstStyle/>
+          <a:p>
+            <a:endParaRPr lang="ko-KR" altLang="en-US"/>
+          </a:p>
+        </p:txBody>
       </p:sp>
       <p:grpSp>
         <p:nvGrpSpPr>
-          <p:cNvPr name="Group 3" id="3"/>
+          <p:cNvPr id="3" name="Group 3"/>
           <p:cNvGrpSpPr/>
           <p:nvPr/>
         </p:nvGrpSpPr>
         <p:grpSpPr>
-          <a:xfrm rot="0">
+          <a:xfrm>
             <a:off x="0" y="2044641"/>
             <a:ext cx="18288000" cy="8894741"/>
             <a:chOff x="0" y="0"/>
@@ -4443,12 +4549,12 @@
         </p:grpSpPr>
         <p:sp>
           <p:nvSpPr>
-            <p:cNvPr name="Freeform 4" id="4"/>
+            <p:cNvPr id="4" name="Freeform 4"/>
             <p:cNvSpPr/>
             <p:nvPr/>
           </p:nvSpPr>
           <p:spPr>
-            <a:xfrm flipH="false" flipV="false" rot="0">
+            <a:xfrm>
               <a:off x="0" y="0"/>
               <a:ext cx="24384000" cy="11859628"/>
             </a:xfrm>
@@ -4457,9 +4563,9 @@
               <a:gdLst/>
               <a:ahLst/>
               <a:cxnLst/>
-              <a:rect r="r" b="b" t="t" l="l"/>
+              <a:rect l="l" t="t" r="r" b="b"/>
               <a:pathLst>
-                <a:path h="11859628" w="24384000">
+                <a:path w="24384000" h="11859628">
                   <a:moveTo>
                     <a:pt x="0" y="0"/>
                   </a:moveTo>
@@ -4480,16 +4586,23 @@
               <a:srgbClr val="FAFAFD"/>
             </a:solidFill>
           </p:spPr>
+          <p:txBody>
+            <a:bodyPr/>
+            <a:lstStyle/>
+            <a:p>
+              <a:endParaRPr lang="ko-KR" altLang="en-US"/>
+            </a:p>
+          </p:txBody>
         </p:sp>
       </p:grpSp>
       <p:sp>
         <p:nvSpPr>
-          <p:cNvPr name="Freeform 5" id="5"/>
+          <p:cNvPr id="5" name="Freeform 5"/>
           <p:cNvSpPr/>
           <p:nvPr/>
         </p:nvSpPr>
         <p:spPr>
-          <a:xfrm flipH="false" flipV="false" rot="0">
+          <a:xfrm>
             <a:off x="0" y="0"/>
             <a:ext cx="18288000" cy="978185"/>
           </a:xfrm>
@@ -4498,9 +4611,9 @@
             <a:gdLst/>
             <a:ahLst/>
             <a:cxnLst/>
-            <a:rect r="r" b="b" t="t" l="l"/>
+            <a:rect l="l" t="t" r="r" b="b"/>
             <a:pathLst>
-              <a:path h="978185" w="18288000">
+              <a:path w="18288000" h="978185">
                 <a:moveTo>
                   <a:pt x="0" y="0"/>
                 </a:moveTo>
@@ -4523,19 +4636,26 @@
           <a:blipFill>
             <a:blip r:embed="rId3"/>
             <a:stretch>
-              <a:fillRect l="0" t="0" r="0" b="0"/>
+              <a:fillRect/>
             </a:stretch>
           </a:blipFill>
         </p:spPr>
-      </p:sp>
-      <p:sp>
-        <p:nvSpPr>
-          <p:cNvPr name="TextBox 6" id="6"/>
-          <p:cNvSpPr txBox="true"/>
+        <p:txBody>
+          <a:bodyPr/>
+          <a:lstStyle/>
+          <a:p>
+            <a:endParaRPr lang="ko-KR" altLang="en-US"/>
+          </a:p>
+        </p:txBody>
+      </p:sp>
+      <p:sp>
+        <p:nvSpPr>
+          <p:cNvPr id="6" name="TextBox 6"/>
+          <p:cNvSpPr txBox="1"/>
           <p:nvPr/>
         </p:nvSpPr>
         <p:spPr>
-          <a:xfrm rot="0">
+          <a:xfrm>
             <a:off x="814197" y="1329215"/>
             <a:ext cx="3900964" cy="673227"/>
           </a:xfrm>
@@ -4544,7 +4664,7 @@
           </a:prstGeom>
         </p:spPr>
         <p:txBody>
-          <a:bodyPr anchor="t" rtlCol="false" tIns="0" lIns="0" bIns="0" rIns="0">
+          <a:bodyPr lIns="0" tIns="0" rIns="0" bIns="0" rtlCol="0" anchor="t">
             <a:spAutoFit/>
           </a:bodyPr>
           <a:lstStyle/>
@@ -4568,12 +4688,12 @@
       </p:sp>
       <p:grpSp>
         <p:nvGrpSpPr>
-          <p:cNvPr name="Group 7" id="7"/>
+          <p:cNvPr id="7" name="Group 7"/>
           <p:cNvGrpSpPr/>
           <p:nvPr/>
         </p:nvGrpSpPr>
         <p:grpSpPr>
-          <a:xfrm rot="0">
+          <a:xfrm>
             <a:off x="1028700" y="2297716"/>
             <a:ext cx="165795" cy="480517"/>
             <a:chOff x="0" y="0"/>
@@ -4582,12 +4702,12 @@
         </p:grpSpPr>
         <p:sp>
           <p:nvSpPr>
-            <p:cNvPr name="Freeform 8" id="8"/>
+            <p:cNvPr id="8" name="Freeform 8"/>
             <p:cNvSpPr/>
             <p:nvPr/>
           </p:nvSpPr>
           <p:spPr>
-            <a:xfrm flipH="false" flipV="false" rot="0">
+            <a:xfrm>
               <a:off x="0" y="0"/>
               <a:ext cx="220980" cy="640588"/>
             </a:xfrm>
@@ -4596,9 +4716,9 @@
               <a:gdLst/>
               <a:ahLst/>
               <a:cxnLst/>
-              <a:rect r="r" b="b" t="t" l="l"/>
+              <a:rect l="l" t="t" r="r" b="b"/>
               <a:pathLst>
-                <a:path h="640588" w="220980">
+                <a:path w="220980" h="640588">
                   <a:moveTo>
                     <a:pt x="0" y="110490"/>
                   </a:moveTo>
@@ -4633,16 +4753,23 @@
               <a:srgbClr val="B5E3D8"/>
             </a:solidFill>
           </p:spPr>
+          <p:txBody>
+            <a:bodyPr/>
+            <a:lstStyle/>
+            <a:p>
+              <a:endParaRPr lang="ko-KR" altLang="en-US"/>
+            </a:p>
+          </p:txBody>
         </p:sp>
       </p:grpSp>
       <p:sp>
         <p:nvSpPr>
-          <p:cNvPr name="TextBox 9" id="9"/>
-          <p:cNvSpPr txBox="true"/>
+          <p:cNvPr id="9" name="TextBox 9"/>
+          <p:cNvSpPr txBox="1"/>
           <p:nvPr/>
         </p:nvSpPr>
         <p:spPr>
-          <a:xfrm rot="0">
+          <a:xfrm>
             <a:off x="1477995" y="2318708"/>
             <a:ext cx="14569210" cy="457581"/>
           </a:xfrm>
@@ -4651,7 +4778,7 @@
           </a:prstGeom>
         </p:spPr>
         <p:txBody>
-          <a:bodyPr anchor="t" rtlCol="false" tIns="0" lIns="0" bIns="0" rIns="0">
+          <a:bodyPr lIns="0" tIns="0" rIns="0" bIns="0" rtlCol="0" anchor="t">
             <a:spAutoFit/>
           </a:bodyPr>
           <a:lstStyle/>
@@ -4675,12 +4802,12 @@
       </p:sp>
       <p:grpSp>
         <p:nvGrpSpPr>
-          <p:cNvPr name="Group 10" id="10"/>
+          <p:cNvPr id="10" name="Group 10"/>
           <p:cNvGrpSpPr/>
           <p:nvPr/>
         </p:nvGrpSpPr>
         <p:grpSpPr>
-          <a:xfrm rot="0">
+          <a:xfrm>
             <a:off x="1028700" y="3056701"/>
             <a:ext cx="165795" cy="480517"/>
             <a:chOff x="0" y="0"/>
@@ -4689,12 +4816,12 @@
         </p:grpSpPr>
         <p:sp>
           <p:nvSpPr>
-            <p:cNvPr name="Freeform 11" id="11"/>
+            <p:cNvPr id="11" name="Freeform 11"/>
             <p:cNvSpPr/>
             <p:nvPr/>
           </p:nvSpPr>
           <p:spPr>
-            <a:xfrm flipH="false" flipV="false" rot="0">
+            <a:xfrm>
               <a:off x="0" y="0"/>
               <a:ext cx="220980" cy="640588"/>
             </a:xfrm>
@@ -4703,9 +4830,9 @@
               <a:gdLst/>
               <a:ahLst/>
               <a:cxnLst/>
-              <a:rect r="r" b="b" t="t" l="l"/>
+              <a:rect l="l" t="t" r="r" b="b"/>
               <a:pathLst>
-                <a:path h="640588" w="220980">
+                <a:path w="220980" h="640588">
                   <a:moveTo>
                     <a:pt x="0" y="110490"/>
                   </a:moveTo>
@@ -4740,16 +4867,23 @@
               <a:srgbClr val="B5E3D8"/>
             </a:solidFill>
           </p:spPr>
+          <p:txBody>
+            <a:bodyPr/>
+            <a:lstStyle/>
+            <a:p>
+              <a:endParaRPr lang="ko-KR" altLang="en-US"/>
+            </a:p>
+          </p:txBody>
         </p:sp>
       </p:grpSp>
       <p:sp>
         <p:nvSpPr>
-          <p:cNvPr name="TextBox 12" id="12"/>
-          <p:cNvSpPr txBox="true"/>
+          <p:cNvPr id="12" name="TextBox 12"/>
+          <p:cNvSpPr txBox="1"/>
           <p:nvPr/>
         </p:nvSpPr>
         <p:spPr>
-          <a:xfrm rot="0">
+          <a:xfrm>
             <a:off x="1477995" y="3077693"/>
             <a:ext cx="14569210" cy="457581"/>
           </a:xfrm>
@@ -4758,7 +4892,7 @@
           </a:prstGeom>
         </p:spPr>
         <p:txBody>
-          <a:bodyPr anchor="t" rtlCol="false" tIns="0" lIns="0" bIns="0" rIns="0">
+          <a:bodyPr lIns="0" tIns="0" rIns="0" bIns="0" rtlCol="0" anchor="t">
             <a:spAutoFit/>
           </a:bodyPr>
           <a:lstStyle/>
@@ -4782,12 +4916,12 @@
       </p:sp>
       <p:grpSp>
         <p:nvGrpSpPr>
-          <p:cNvPr name="Group 13" id="13"/>
+          <p:cNvPr id="13" name="Group 13"/>
           <p:cNvGrpSpPr/>
           <p:nvPr/>
         </p:nvGrpSpPr>
         <p:grpSpPr>
-          <a:xfrm rot="0">
+          <a:xfrm>
             <a:off x="740609" y="3813443"/>
             <a:ext cx="7568105" cy="6190727"/>
             <a:chOff x="0" y="0"/>
@@ -4796,12 +4930,12 @@
         </p:grpSpPr>
         <p:sp>
           <p:nvSpPr>
-            <p:cNvPr name="Freeform 14" id="14"/>
+            <p:cNvPr id="14" name="Freeform 14"/>
             <p:cNvSpPr/>
             <p:nvPr/>
           </p:nvSpPr>
           <p:spPr>
-            <a:xfrm flipH="false" flipV="false" rot="0">
+            <a:xfrm>
               <a:off x="0" y="0"/>
               <a:ext cx="10090790" cy="8254338"/>
             </a:xfrm>
@@ -4810,9 +4944,9 @@
               <a:gdLst/>
               <a:ahLst/>
               <a:cxnLst/>
-              <a:rect r="r" b="b" t="t" l="l"/>
+              <a:rect l="l" t="t" r="r" b="b"/>
               <a:pathLst>
-                <a:path h="8254338" w="10090790">
+                <a:path w="10090790" h="8254338">
                   <a:moveTo>
                     <a:pt x="0" y="0"/>
                   </a:moveTo>
@@ -4833,11 +4967,18 @@
               <a:srgbClr val="ECEBF5"/>
             </a:solidFill>
           </p:spPr>
+          <p:txBody>
+            <a:bodyPr/>
+            <a:lstStyle/>
+            <a:p>
+              <a:endParaRPr lang="ko-KR" altLang="en-US"/>
+            </a:p>
+          </p:txBody>
         </p:sp>
         <p:sp>
           <p:nvSpPr>
-            <p:cNvPr name="TextBox 15" id="15"/>
-            <p:cNvSpPr txBox="true"/>
+            <p:cNvPr id="15" name="TextBox 15"/>
+            <p:cNvSpPr txBox="1"/>
             <p:nvPr/>
           </p:nvSpPr>
           <p:spPr>
@@ -4850,7 +4991,7 @@
             </a:prstGeom>
           </p:spPr>
           <p:txBody>
-            <a:bodyPr anchor="t" rtlCol="false" tIns="50800" lIns="50800" bIns="50800" rIns="50800"/>
+            <a:bodyPr lIns="50800" tIns="50800" rIns="50800" bIns="50800" rtlCol="0" anchor="t"/>
             <a:lstStyle/>
             <a:p>
               <a:pPr algn="l">
@@ -4858,6 +4999,7 @@
                   <a:spcPts val="6480"/>
                 </a:lnSpc>
               </a:pPr>
+              <a:endParaRPr/>
             </a:p>
             <a:p>
               <a:pPr algn="l">
@@ -4865,18 +5007,19 @@
                   <a:spcPts val="5759"/>
                 </a:lnSpc>
               </a:pPr>
+              <a:endParaRPr/>
             </a:p>
           </p:txBody>
         </p:sp>
       </p:grpSp>
       <p:sp>
         <p:nvSpPr>
-          <p:cNvPr name="TextBox 16" id="16"/>
-          <p:cNvSpPr txBox="true"/>
+          <p:cNvPr id="16" name="TextBox 16"/>
+          <p:cNvSpPr txBox="1"/>
           <p:nvPr/>
         </p:nvSpPr>
         <p:spPr>
-          <a:xfrm rot="0">
+          <a:xfrm>
             <a:off x="949591" y="4375418"/>
             <a:ext cx="7150141" cy="5294376"/>
           </a:xfrm>
@@ -4885,7 +5028,7 @@
           </a:prstGeom>
         </p:spPr>
         <p:txBody>
-          <a:bodyPr anchor="t" rtlCol="false" tIns="0" lIns="0" bIns="0" rIns="0">
+          <a:bodyPr lIns="0" tIns="0" rIns="0" bIns="0" rtlCol="0" anchor="t">
             <a:spAutoFit/>
           </a:bodyPr>
           <a:lstStyle/>
@@ -4912,6 +5055,13 @@
                 <a:spcPts val="5291"/>
               </a:lnSpc>
             </a:pPr>
+            <a:endParaRPr lang="en-US" sz="3150" spc="-245">
+              <a:solidFill>
+                <a:srgbClr val="1F4E79"/>
+              </a:solidFill>
+              <a:latin typeface="TT Rounds Condensed"/>
+              <a:ea typeface="TT Rounds Condensed"/>
+            </a:endParaRPr>
           </a:p>
           <a:p>
             <a:pPr algn="l">
@@ -4934,12 +5084,12 @@
       </p:sp>
       <p:grpSp>
         <p:nvGrpSpPr>
-          <p:cNvPr name="Group 17" id="17"/>
+          <p:cNvPr id="17" name="Group 17"/>
           <p:cNvGrpSpPr/>
           <p:nvPr/>
         </p:nvGrpSpPr>
         <p:grpSpPr>
-          <a:xfrm rot="0">
+          <a:xfrm>
             <a:off x="9774591" y="2297716"/>
             <a:ext cx="165795" cy="480517"/>
             <a:chOff x="0" y="0"/>
@@ -4948,12 +5098,12 @@
         </p:grpSpPr>
         <p:sp>
           <p:nvSpPr>
-            <p:cNvPr name="Freeform 18" id="18"/>
+            <p:cNvPr id="18" name="Freeform 18"/>
             <p:cNvSpPr/>
             <p:nvPr/>
           </p:nvSpPr>
           <p:spPr>
-            <a:xfrm flipH="false" flipV="false" rot="0">
+            <a:xfrm>
               <a:off x="0" y="0"/>
               <a:ext cx="220980" cy="640588"/>
             </a:xfrm>
@@ -4962,9 +5112,9 @@
               <a:gdLst/>
               <a:ahLst/>
               <a:cxnLst/>
-              <a:rect r="r" b="b" t="t" l="l"/>
+              <a:rect l="l" t="t" r="r" b="b"/>
               <a:pathLst>
-                <a:path h="640588" w="220980">
+                <a:path w="220980" h="640588">
                   <a:moveTo>
                     <a:pt x="0" y="110490"/>
                   </a:moveTo>
@@ -4999,16 +5149,23 @@
               <a:srgbClr val="B5E3D8"/>
             </a:solidFill>
           </p:spPr>
+          <p:txBody>
+            <a:bodyPr/>
+            <a:lstStyle/>
+            <a:p>
+              <a:endParaRPr lang="ko-KR" altLang="en-US"/>
+            </a:p>
+          </p:txBody>
         </p:sp>
       </p:grpSp>
       <p:sp>
         <p:nvSpPr>
-          <p:cNvPr name="TextBox 19" id="19"/>
-          <p:cNvSpPr txBox="true"/>
+          <p:cNvPr id="19" name="TextBox 19"/>
+          <p:cNvSpPr txBox="1"/>
           <p:nvPr/>
         </p:nvSpPr>
         <p:spPr>
-          <a:xfrm rot="0">
+          <a:xfrm>
             <a:off x="10223886" y="2318708"/>
             <a:ext cx="14569210" cy="457581"/>
           </a:xfrm>
@@ -5017,7 +5174,7 @@
           </a:prstGeom>
         </p:spPr>
         <p:txBody>
-          <a:bodyPr anchor="t" rtlCol="false" tIns="0" lIns="0" bIns="0" rIns="0">
+          <a:bodyPr lIns="0" tIns="0" rIns="0" bIns="0" rtlCol="0" anchor="t">
             <a:spAutoFit/>
           </a:bodyPr>
           <a:lstStyle/>
@@ -5041,12 +5198,12 @@
       </p:sp>
       <p:grpSp>
         <p:nvGrpSpPr>
-          <p:cNvPr name="Group 20" id="20"/>
+          <p:cNvPr id="20" name="Group 20"/>
           <p:cNvGrpSpPr/>
           <p:nvPr/>
         </p:nvGrpSpPr>
         <p:grpSpPr>
-          <a:xfrm rot="0">
+          <a:xfrm>
             <a:off x="9774591" y="3056701"/>
             <a:ext cx="165795" cy="480517"/>
             <a:chOff x="0" y="0"/>
@@ -5055,12 +5212,12 @@
         </p:grpSpPr>
         <p:sp>
           <p:nvSpPr>
-            <p:cNvPr name="Freeform 21" id="21"/>
+            <p:cNvPr id="21" name="Freeform 21"/>
             <p:cNvSpPr/>
             <p:nvPr/>
           </p:nvSpPr>
           <p:spPr>
-            <a:xfrm flipH="false" flipV="false" rot="0">
+            <a:xfrm>
               <a:off x="0" y="0"/>
               <a:ext cx="220980" cy="640588"/>
             </a:xfrm>
@@ -5069,9 +5226,9 @@
               <a:gdLst/>
               <a:ahLst/>
               <a:cxnLst/>
-              <a:rect r="r" b="b" t="t" l="l"/>
+              <a:rect l="l" t="t" r="r" b="b"/>
               <a:pathLst>
-                <a:path h="640588" w="220980">
+                <a:path w="220980" h="640588">
                   <a:moveTo>
                     <a:pt x="0" y="110490"/>
                   </a:moveTo>
@@ -5106,16 +5263,23 @@
               <a:srgbClr val="B5E3D8"/>
             </a:solidFill>
           </p:spPr>
+          <p:txBody>
+            <a:bodyPr/>
+            <a:lstStyle/>
+            <a:p>
+              <a:endParaRPr lang="ko-KR" altLang="en-US"/>
+            </a:p>
+          </p:txBody>
         </p:sp>
       </p:grpSp>
       <p:sp>
         <p:nvSpPr>
-          <p:cNvPr name="TextBox 22" id="22"/>
-          <p:cNvSpPr txBox="true"/>
+          <p:cNvPr id="22" name="TextBox 22"/>
+          <p:cNvSpPr txBox="1"/>
           <p:nvPr/>
         </p:nvSpPr>
         <p:spPr>
-          <a:xfrm rot="0">
+          <a:xfrm>
             <a:off x="10223886" y="3077692"/>
             <a:ext cx="14569210" cy="457581"/>
           </a:xfrm>
@@ -5124,7 +5288,7 @@
           </a:prstGeom>
         </p:spPr>
         <p:txBody>
-          <a:bodyPr anchor="t" rtlCol="false" tIns="0" lIns="0" bIns="0" rIns="0">
+          <a:bodyPr lIns="0" tIns="0" rIns="0" bIns="0" rtlCol="0" anchor="t">
             <a:spAutoFit/>
           </a:bodyPr>
           <a:lstStyle/>
@@ -5149,12 +5313,12 @@
       </p:sp>
       <p:grpSp>
         <p:nvGrpSpPr>
-          <p:cNvPr name="Group 23" id="23"/>
+          <p:cNvPr id="23" name="Group 23"/>
           <p:cNvGrpSpPr/>
           <p:nvPr/>
         </p:nvGrpSpPr>
         <p:grpSpPr>
-          <a:xfrm rot="0">
+          <a:xfrm>
             <a:off x="9486500" y="3813443"/>
             <a:ext cx="7568105" cy="6190727"/>
             <a:chOff x="0" y="0"/>
@@ -5163,12 +5327,12 @@
         </p:grpSpPr>
         <p:sp>
           <p:nvSpPr>
-            <p:cNvPr name="Freeform 24" id="24"/>
+            <p:cNvPr id="24" name="Freeform 24"/>
             <p:cNvSpPr/>
             <p:nvPr/>
           </p:nvSpPr>
           <p:spPr>
-            <a:xfrm flipH="false" flipV="false" rot="0">
+            <a:xfrm>
               <a:off x="0" y="0"/>
               <a:ext cx="10090790" cy="8254338"/>
             </a:xfrm>
@@ -5177,9 +5341,9 @@
               <a:gdLst/>
               <a:ahLst/>
               <a:cxnLst/>
-              <a:rect r="r" b="b" t="t" l="l"/>
+              <a:rect l="l" t="t" r="r" b="b"/>
               <a:pathLst>
-                <a:path h="8254338" w="10090790">
+                <a:path w="10090790" h="8254338">
                   <a:moveTo>
                     <a:pt x="0" y="0"/>
                   </a:moveTo>
@@ -5200,11 +5364,18 @@
               <a:srgbClr val="ECEBF5"/>
             </a:solidFill>
           </p:spPr>
+          <p:txBody>
+            <a:bodyPr/>
+            <a:lstStyle/>
+            <a:p>
+              <a:endParaRPr lang="ko-KR" altLang="en-US"/>
+            </a:p>
+          </p:txBody>
         </p:sp>
         <p:sp>
           <p:nvSpPr>
-            <p:cNvPr name="TextBox 25" id="25"/>
-            <p:cNvSpPr txBox="true"/>
+            <p:cNvPr id="25" name="TextBox 25"/>
+            <p:cNvSpPr txBox="1"/>
             <p:nvPr/>
           </p:nvSpPr>
           <p:spPr>
@@ -5217,7 +5388,7 @@
             </a:prstGeom>
           </p:spPr>
           <p:txBody>
-            <a:bodyPr anchor="t" rtlCol="false" tIns="50800" lIns="50800" bIns="50800" rIns="50800"/>
+            <a:bodyPr lIns="50800" tIns="50800" rIns="50800" bIns="50800" rtlCol="0" anchor="t"/>
             <a:lstStyle/>
             <a:p>
               <a:pPr algn="l">
@@ -5225,6 +5396,7 @@
                   <a:spcPts val="6480"/>
                 </a:lnSpc>
               </a:pPr>
+              <a:endParaRPr/>
             </a:p>
             <a:p>
               <a:pPr algn="l">
@@ -5232,18 +5404,19 @@
                   <a:spcPts val="5759"/>
                 </a:lnSpc>
               </a:pPr>
+              <a:endParaRPr/>
             </a:p>
           </p:txBody>
         </p:sp>
       </p:grpSp>
       <p:sp>
         <p:nvSpPr>
-          <p:cNvPr name="TextBox 26" id="26"/>
-          <p:cNvSpPr txBox="true"/>
+          <p:cNvPr id="26" name="TextBox 26"/>
+          <p:cNvSpPr txBox="1"/>
           <p:nvPr/>
         </p:nvSpPr>
         <p:spPr>
-          <a:xfrm rot="0">
+          <a:xfrm>
             <a:off x="9695482" y="4375418"/>
             <a:ext cx="7150141" cy="5294376"/>
           </a:xfrm>
@@ -5252,7 +5425,7 @@
           </a:prstGeom>
         </p:spPr>
         <p:txBody>
-          <a:bodyPr anchor="t" rtlCol="false" tIns="0" lIns="0" bIns="0" rIns="0">
+          <a:bodyPr lIns="0" tIns="0" rIns="0" bIns="0" rtlCol="0" anchor="t">
             <a:spAutoFit/>
           </a:bodyPr>
           <a:lstStyle/>
@@ -5279,6 +5452,13 @@
                 <a:spcPts val="5291"/>
               </a:lnSpc>
             </a:pPr>
+            <a:endParaRPr lang="en-US" sz="3150" spc="-245">
+              <a:solidFill>
+                <a:srgbClr val="1F4E79"/>
+              </a:solidFill>
+              <a:latin typeface="TT Rounds Condensed"/>
+              <a:ea typeface="TT Rounds Condensed"/>
+            </a:endParaRPr>
           </a:p>
           <a:p>
             <a:pPr>
@@ -5319,6 +5499,13 @@
                 <a:spcPts val="5291"/>
               </a:lnSpc>
             </a:pPr>
+            <a:endParaRPr lang="en-US" sz="3150" spc="-245">
+              <a:solidFill>
+                <a:srgbClr val="1F4E79"/>
+              </a:solidFill>
+              <a:latin typeface="TT Rounds Condensed"/>
+              <a:ea typeface="TT Rounds Condensed"/>
+            </a:endParaRPr>
           </a:p>
         </p:txBody>
       </p:sp>
@@ -5331,7 +5518,7 @@
 </file>
 
 <file path=ppt/slides/slide12.xml><?xml version="1.0" encoding="utf-8"?>
-<p:sld xmlns:p="http://schemas.openxmlformats.org/presentationml/2006/main" xmlns:a="http://schemas.openxmlformats.org/drawingml/2006/main" xmlns:r="http://schemas.openxmlformats.org/officeDocument/2006/relationships">
+<p:sld xmlns:a="http://schemas.openxmlformats.org/drawingml/2006/main" xmlns:r="http://schemas.openxmlformats.org/officeDocument/2006/relationships" xmlns:p="http://schemas.openxmlformats.org/presentationml/2006/main">
   <p:cSld>
     <p:spTree>
       <p:nvGrpSpPr>
@@ -5349,12 +5536,12 @@
       </p:grpSpPr>
       <p:sp>
         <p:nvSpPr>
-          <p:cNvPr name="Freeform 2" id="2"/>
+          <p:cNvPr id="2" name="Freeform 2"/>
           <p:cNvSpPr/>
           <p:nvPr/>
         </p:nvSpPr>
         <p:spPr>
-          <a:xfrm flipH="false" flipV="false" rot="0">
+          <a:xfrm>
             <a:off x="0" y="0"/>
             <a:ext cx="18288000" cy="10287000"/>
           </a:xfrm>
@@ -5363,9 +5550,9 @@
             <a:gdLst/>
             <a:ahLst/>
             <a:cxnLst/>
-            <a:rect r="r" b="b" t="t" l="l"/>
+            <a:rect l="l" t="t" r="r" b="b"/>
             <a:pathLst>
-              <a:path h="10287000" w="18288000">
+              <a:path w="18288000" h="10287000">
                 <a:moveTo>
                   <a:pt x="0" y="0"/>
                 </a:moveTo>
@@ -5388,19 +5575,26 @@
           <a:blipFill>
             <a:blip r:embed="rId2"/>
             <a:stretch>
-              <a:fillRect l="0" t="0" r="0" b="0"/>
+              <a:fillRect/>
             </a:stretch>
           </a:blipFill>
         </p:spPr>
-      </p:sp>
-      <p:sp>
-        <p:nvSpPr>
-          <p:cNvPr name="Freeform 3" id="3"/>
+        <p:txBody>
+          <a:bodyPr/>
+          <a:lstStyle/>
+          <a:p>
+            <a:endParaRPr lang="ko-KR" altLang="en-US"/>
+          </a:p>
+        </p:txBody>
+      </p:sp>
+      <p:sp>
+        <p:nvSpPr>
+          <p:cNvPr id="3" name="Freeform 3"/>
           <p:cNvSpPr/>
           <p:nvPr/>
         </p:nvSpPr>
         <p:spPr>
-          <a:xfrm flipH="false" flipV="false" rot="0">
+          <a:xfrm>
             <a:off x="-8752" y="4624113"/>
             <a:ext cx="18425338" cy="2854050"/>
           </a:xfrm>
@@ -5409,9 +5603,9 @@
             <a:gdLst/>
             <a:ahLst/>
             <a:cxnLst/>
-            <a:rect r="r" b="b" t="t" l="l"/>
+            <a:rect l="l" t="t" r="r" b="b"/>
             <a:pathLst>
-              <a:path h="2854050" w="18425338">
+              <a:path w="18425338" h="2854050">
                 <a:moveTo>
                   <a:pt x="0" y="0"/>
                 </a:moveTo>
@@ -5434,19 +5628,26 @@
           <a:blipFill>
             <a:blip r:embed="rId3"/>
             <a:stretch>
-              <a:fillRect l="0" t="0" r="-61582" b="0"/>
+              <a:fillRect r="-61582"/>
             </a:stretch>
           </a:blipFill>
         </p:spPr>
-      </p:sp>
-      <p:sp>
-        <p:nvSpPr>
-          <p:cNvPr name="Freeform 4" id="4"/>
+        <p:txBody>
+          <a:bodyPr/>
+          <a:lstStyle/>
+          <a:p>
+            <a:endParaRPr lang="ko-KR" altLang="en-US"/>
+          </a:p>
+        </p:txBody>
+      </p:sp>
+      <p:sp>
+        <p:nvSpPr>
+          <p:cNvPr id="4" name="Freeform 4"/>
           <p:cNvSpPr/>
           <p:nvPr/>
         </p:nvSpPr>
         <p:spPr>
-          <a:xfrm flipH="false" flipV="false" rot="0">
+          <a:xfrm>
             <a:off x="13055781" y="8997366"/>
             <a:ext cx="4654187" cy="800052"/>
           </a:xfrm>
@@ -5455,9 +5656,9 @@
             <a:gdLst/>
             <a:ahLst/>
             <a:cxnLst/>
-            <a:rect r="r" b="b" t="t" l="l"/>
+            <a:rect l="l" t="t" r="r" b="b"/>
             <a:pathLst>
-              <a:path h="800052" w="4654187">
+              <a:path w="4654187" h="800052">
                 <a:moveTo>
                   <a:pt x="0" y="0"/>
                 </a:moveTo>
@@ -5480,19 +5681,26 @@
           <a:blipFill>
             <a:blip r:embed="rId4"/>
             <a:stretch>
-              <a:fillRect l="0" t="0" r="0" b="0"/>
+              <a:fillRect/>
             </a:stretch>
           </a:blipFill>
         </p:spPr>
-      </p:sp>
-      <p:sp>
-        <p:nvSpPr>
-          <p:cNvPr name="Freeform 5" id="5"/>
+        <p:txBody>
+          <a:bodyPr/>
+          <a:lstStyle/>
+          <a:p>
+            <a:endParaRPr lang="ko-KR" altLang="en-US"/>
+          </a:p>
+        </p:txBody>
+      </p:sp>
+      <p:sp>
+        <p:nvSpPr>
+          <p:cNvPr id="5" name="Freeform 5"/>
           <p:cNvSpPr/>
           <p:nvPr/>
         </p:nvSpPr>
         <p:spPr>
-          <a:xfrm flipH="false" flipV="false" rot="0">
+          <a:xfrm>
             <a:off x="7386638" y="9286875"/>
             <a:ext cx="5352675" cy="1021086"/>
           </a:xfrm>
@@ -5501,9 +5709,9 @@
             <a:gdLst/>
             <a:ahLst/>
             <a:cxnLst/>
-            <a:rect r="r" b="b" t="t" l="l"/>
+            <a:rect l="l" t="t" r="r" b="b"/>
             <a:pathLst>
-              <a:path h="1021086" w="5352675">
+              <a:path w="5352675" h="1021086">
                 <a:moveTo>
                   <a:pt x="0" y="0"/>
                 </a:moveTo>
@@ -5530,15 +5738,22 @@
             </a:stretch>
           </a:blipFill>
         </p:spPr>
-      </p:sp>
-      <p:sp>
-        <p:nvSpPr>
-          <p:cNvPr name="Freeform 6" id="6"/>
+        <p:txBody>
+          <a:bodyPr/>
+          <a:lstStyle/>
+          <a:p>
+            <a:endParaRPr lang="ko-KR" altLang="en-US"/>
+          </a:p>
+        </p:txBody>
+      </p:sp>
+      <p:sp>
+        <p:nvSpPr>
+          <p:cNvPr id="6" name="Freeform 6"/>
           <p:cNvSpPr/>
           <p:nvPr/>
         </p:nvSpPr>
         <p:spPr>
-          <a:xfrm flipH="false" flipV="false" rot="0">
+          <a:xfrm>
             <a:off x="9629775" y="142828"/>
             <a:ext cx="378619" cy="378925"/>
           </a:xfrm>
@@ -5547,9 +5762,9 @@
             <a:gdLst/>
             <a:ahLst/>
             <a:cxnLst/>
-            <a:rect r="r" b="b" t="t" l="l"/>
+            <a:rect l="l" t="t" r="r" b="b"/>
             <a:pathLst>
-              <a:path h="378925" w="378619">
+              <a:path w="378619" h="378925">
                 <a:moveTo>
                   <a:pt x="0" y="0"/>
                 </a:moveTo>
@@ -5572,19 +5787,26 @@
           <a:blipFill>
             <a:blip r:embed="rId5"/>
             <a:stretch>
-              <a:fillRect l="0" t="0" r="0" b="0"/>
+              <a:fillRect/>
             </a:stretch>
           </a:blipFill>
         </p:spPr>
-      </p:sp>
-      <p:sp>
-        <p:nvSpPr>
-          <p:cNvPr name="Freeform 7" id="7"/>
+        <p:txBody>
+          <a:bodyPr/>
+          <a:lstStyle/>
+          <a:p>
+            <a:endParaRPr lang="ko-KR" altLang="en-US"/>
+          </a:p>
+        </p:txBody>
+      </p:sp>
+      <p:sp>
+        <p:nvSpPr>
+          <p:cNvPr id="7" name="Freeform 7"/>
           <p:cNvSpPr/>
           <p:nvPr/>
         </p:nvSpPr>
         <p:spPr>
-          <a:xfrm flipH="false" flipV="false" rot="0">
+          <a:xfrm>
             <a:off x="-536010" y="-178252"/>
             <a:ext cx="5352675" cy="1021086"/>
           </a:xfrm>
@@ -5593,9 +5815,9 @@
             <a:gdLst/>
             <a:ahLst/>
             <a:cxnLst/>
-            <a:rect r="r" b="b" t="t" l="l"/>
+            <a:rect l="l" t="t" r="r" b="b"/>
             <a:pathLst>
-              <a:path h="1021086" w="5352675">
+              <a:path w="5352675" h="1021086">
                 <a:moveTo>
                   <a:pt x="0" y="0"/>
                 </a:moveTo>
@@ -5622,15 +5844,22 @@
             </a:stretch>
           </a:blipFill>
         </p:spPr>
-      </p:sp>
-      <p:sp>
-        <p:nvSpPr>
-          <p:cNvPr name="Freeform 8" id="8"/>
+        <p:txBody>
+          <a:bodyPr/>
+          <a:lstStyle/>
+          <a:p>
+            <a:endParaRPr lang="ko-KR" altLang="en-US"/>
+          </a:p>
+        </p:txBody>
+      </p:sp>
+      <p:sp>
+        <p:nvSpPr>
+          <p:cNvPr id="8" name="Freeform 8"/>
           <p:cNvSpPr/>
           <p:nvPr/>
         </p:nvSpPr>
         <p:spPr>
-          <a:xfrm flipH="false" flipV="false" rot="0">
+          <a:xfrm>
             <a:off x="9249723" y="578349"/>
             <a:ext cx="192884" cy="193040"/>
           </a:xfrm>
@@ -5639,9 +5868,9 @@
             <a:gdLst/>
             <a:ahLst/>
             <a:cxnLst/>
-            <a:rect r="r" b="b" t="t" l="l"/>
+            <a:rect l="l" t="t" r="r" b="b"/>
             <a:pathLst>
-              <a:path h="193040" w="192884">
+              <a:path w="192884" h="193040">
                 <a:moveTo>
                   <a:pt x="0" y="0"/>
                 </a:moveTo>
@@ -5664,19 +5893,26 @@
           <a:blipFill>
             <a:blip r:embed="rId5"/>
             <a:stretch>
-              <a:fillRect l="0" t="0" r="0" b="0"/>
+              <a:fillRect/>
             </a:stretch>
           </a:blipFill>
         </p:spPr>
-      </p:sp>
-      <p:sp>
-        <p:nvSpPr>
-          <p:cNvPr name="Freeform 9" id="9"/>
+        <p:txBody>
+          <a:bodyPr/>
+          <a:lstStyle/>
+          <a:p>
+            <a:endParaRPr lang="ko-KR" altLang="en-US"/>
+          </a:p>
+        </p:txBody>
+      </p:sp>
+      <p:sp>
+        <p:nvSpPr>
+          <p:cNvPr id="9" name="Freeform 9"/>
           <p:cNvSpPr/>
           <p:nvPr/>
         </p:nvSpPr>
         <p:spPr>
-          <a:xfrm flipH="false" flipV="false" rot="0">
+          <a:xfrm>
             <a:off x="11983642" y="1771650"/>
             <a:ext cx="807798" cy="808450"/>
           </a:xfrm>
@@ -5685,9 +5921,9 @@
             <a:gdLst/>
             <a:ahLst/>
             <a:cxnLst/>
-            <a:rect r="r" b="b" t="t" l="l"/>
+            <a:rect l="l" t="t" r="r" b="b"/>
             <a:pathLst>
-              <a:path h="808450" w="807798">
+              <a:path w="807798" h="808450">
                 <a:moveTo>
                   <a:pt x="0" y="0"/>
                 </a:moveTo>
@@ -5710,19 +5946,26 @@
           <a:blipFill>
             <a:blip r:embed="rId5"/>
             <a:stretch>
-              <a:fillRect l="0" t="0" r="0" b="0"/>
+              <a:fillRect/>
             </a:stretch>
           </a:blipFill>
         </p:spPr>
-      </p:sp>
-      <p:sp>
-        <p:nvSpPr>
-          <p:cNvPr name="TextBox 10" id="10"/>
-          <p:cNvSpPr txBox="true"/>
+        <p:txBody>
+          <a:bodyPr/>
+          <a:lstStyle/>
+          <a:p>
+            <a:endParaRPr lang="ko-KR" altLang="en-US"/>
+          </a:p>
+        </p:txBody>
+      </p:sp>
+      <p:sp>
+        <p:nvSpPr>
+          <p:cNvPr id="10" name="TextBox 10"/>
+          <p:cNvSpPr txBox="1"/>
           <p:nvPr/>
         </p:nvSpPr>
         <p:spPr>
-          <a:xfrm rot="0">
+          <a:xfrm>
             <a:off x="7023195" y="2650443"/>
             <a:ext cx="4241611" cy="1124512"/>
           </a:xfrm>
@@ -5731,7 +5974,7 @@
           </a:prstGeom>
         </p:spPr>
         <p:txBody>
-          <a:bodyPr anchor="t" rtlCol="false" tIns="0" lIns="0" bIns="0" rIns="0">
+          <a:bodyPr lIns="0" tIns="0" rIns="0" bIns="0" rtlCol="0" anchor="t">
             <a:spAutoFit/>
           </a:bodyPr>
           <a:lstStyle/>
@@ -5756,12 +5999,12 @@
       </p:sp>
       <p:sp>
         <p:nvSpPr>
-          <p:cNvPr name="TextBox 11" id="11"/>
-          <p:cNvSpPr txBox="true"/>
+          <p:cNvPr id="11" name="TextBox 11"/>
+          <p:cNvSpPr txBox="1"/>
           <p:nvPr/>
         </p:nvSpPr>
         <p:spPr>
-          <a:xfrm rot="0">
+          <a:xfrm>
             <a:off x="802902" y="5273700"/>
             <a:ext cx="1790005" cy="595568"/>
           </a:xfrm>
@@ -5770,7 +6013,7 @@
           </a:prstGeom>
         </p:spPr>
         <p:txBody>
-          <a:bodyPr anchor="t" rtlCol="false" tIns="0" lIns="0" bIns="0" rIns="0">
+          <a:bodyPr lIns="0" tIns="0" rIns="0" bIns="0" rtlCol="0" anchor="t">
             <a:spAutoFit/>
           </a:bodyPr>
           <a:lstStyle/>
@@ -5794,12 +6037,12 @@
       </p:sp>
       <p:sp>
         <p:nvSpPr>
-          <p:cNvPr name="TextBox 12" id="12"/>
-          <p:cNvSpPr txBox="true"/>
+          <p:cNvPr id="12" name="TextBox 12"/>
+          <p:cNvSpPr txBox="1"/>
           <p:nvPr/>
         </p:nvSpPr>
         <p:spPr>
-          <a:xfrm rot="0">
+          <a:xfrm>
             <a:off x="3713463" y="5188421"/>
             <a:ext cx="2440858" cy="758571"/>
           </a:xfrm>
@@ -5808,7 +6051,7 @@
           </a:prstGeom>
         </p:spPr>
         <p:txBody>
-          <a:bodyPr anchor="t" rtlCol="false" tIns="0" lIns="0" bIns="0" rIns="0">
+          <a:bodyPr lIns="0" tIns="0" rIns="0" bIns="0" rtlCol="0" anchor="t">
             <a:spAutoFit/>
           </a:bodyPr>
           <a:lstStyle/>
@@ -5832,12 +6075,12 @@
       </p:sp>
       <p:sp>
         <p:nvSpPr>
-          <p:cNvPr name="TextBox 13" id="13"/>
-          <p:cNvSpPr txBox="true"/>
+          <p:cNvPr id="13" name="TextBox 13"/>
+          <p:cNvSpPr txBox="1"/>
           <p:nvPr/>
         </p:nvSpPr>
         <p:spPr>
-          <a:xfrm rot="0">
+          <a:xfrm>
             <a:off x="4189920" y="6630632"/>
             <a:ext cx="2933502" cy="384048"/>
           </a:xfrm>
@@ -5846,7 +6089,7 @@
           </a:prstGeom>
         </p:spPr>
         <p:txBody>
-          <a:bodyPr anchor="t" rtlCol="false" tIns="0" lIns="0" bIns="0" rIns="0">
+          <a:bodyPr lIns="0" tIns="0" rIns="0" bIns="0" rtlCol="0" anchor="t">
             <a:spAutoFit/>
           </a:bodyPr>
           <a:lstStyle/>
@@ -5870,12 +6113,12 @@
       </p:sp>
       <p:grpSp>
         <p:nvGrpSpPr>
-          <p:cNvPr name="Group 14" id="14"/>
+          <p:cNvPr id="14" name="Group 14"/>
           <p:cNvGrpSpPr/>
           <p:nvPr/>
         </p:nvGrpSpPr>
         <p:grpSpPr>
-          <a:xfrm rot="0">
+          <a:xfrm>
             <a:off x="3899000" y="6536192"/>
             <a:ext cx="165795" cy="480517"/>
             <a:chOff x="0" y="0"/>
@@ -5884,12 +6127,12 @@
         </p:grpSpPr>
         <p:sp>
           <p:nvSpPr>
-            <p:cNvPr name="Freeform 15" id="15"/>
+            <p:cNvPr id="15" name="Freeform 15"/>
             <p:cNvSpPr/>
             <p:nvPr/>
           </p:nvSpPr>
           <p:spPr>
-            <a:xfrm flipH="false" flipV="false" rot="0">
+            <a:xfrm>
               <a:off x="0" y="0"/>
               <a:ext cx="220980" cy="640588"/>
             </a:xfrm>
@@ -5898,9 +6141,9 @@
               <a:gdLst/>
               <a:ahLst/>
               <a:cxnLst/>
-              <a:rect r="r" b="b" t="t" l="l"/>
+              <a:rect l="l" t="t" r="r" b="b"/>
               <a:pathLst>
-                <a:path h="640588" w="220980">
+                <a:path w="220980" h="640588">
                   <a:moveTo>
                     <a:pt x="0" y="110490"/>
                   </a:moveTo>
@@ -5935,16 +6178,23 @@
               <a:srgbClr val="FFFFFF"/>
             </a:solidFill>
           </p:spPr>
+          <p:txBody>
+            <a:bodyPr/>
+            <a:lstStyle/>
+            <a:p>
+              <a:endParaRPr lang="ko-KR" altLang="en-US"/>
+            </a:p>
+          </p:txBody>
         </p:sp>
       </p:grpSp>
       <p:sp>
         <p:nvSpPr>
-          <p:cNvPr name="TextBox 16" id="16"/>
-          <p:cNvSpPr txBox="true"/>
+          <p:cNvPr id="16" name="TextBox 16"/>
+          <p:cNvSpPr txBox="1"/>
           <p:nvPr/>
         </p:nvSpPr>
         <p:spPr>
-          <a:xfrm rot="0">
+          <a:xfrm>
             <a:off x="7681083" y="6630632"/>
             <a:ext cx="1920171" cy="384048"/>
           </a:xfrm>
@@ -5953,7 +6203,7 @@
           </a:prstGeom>
         </p:spPr>
         <p:txBody>
-          <a:bodyPr anchor="t" rtlCol="false" tIns="0" lIns="0" bIns="0" rIns="0">
+          <a:bodyPr lIns="0" tIns="0" rIns="0" bIns="0" rtlCol="0" anchor="t">
             <a:spAutoFit/>
           </a:bodyPr>
           <a:lstStyle/>
@@ -5977,12 +6227,12 @@
       </p:sp>
       <p:sp>
         <p:nvSpPr>
-          <p:cNvPr name="TextBox 17" id="17"/>
-          <p:cNvSpPr txBox="true"/>
+          <p:cNvPr id="17" name="TextBox 17"/>
+          <p:cNvSpPr txBox="1"/>
           <p:nvPr/>
         </p:nvSpPr>
         <p:spPr>
-          <a:xfrm rot="0">
+          <a:xfrm>
             <a:off x="10270998" y="6630632"/>
             <a:ext cx="2933502" cy="384048"/>
           </a:xfrm>
@@ -5991,7 +6241,7 @@
           </a:prstGeom>
         </p:spPr>
         <p:txBody>
-          <a:bodyPr anchor="t" rtlCol="false" tIns="0" lIns="0" bIns="0" rIns="0">
+          <a:bodyPr lIns="0" tIns="0" rIns="0" bIns="0" rtlCol="0" anchor="t">
             <a:spAutoFit/>
           </a:bodyPr>
           <a:lstStyle/>
@@ -6015,12 +6265,12 @@
       </p:sp>
       <p:grpSp>
         <p:nvGrpSpPr>
-          <p:cNvPr name="Group 18" id="18"/>
+          <p:cNvPr id="18" name="Group 18"/>
           <p:cNvGrpSpPr/>
           <p:nvPr/>
         </p:nvGrpSpPr>
         <p:grpSpPr>
-          <a:xfrm rot="0">
+          <a:xfrm>
             <a:off x="7386638" y="6536192"/>
             <a:ext cx="165795" cy="480517"/>
             <a:chOff x="0" y="0"/>
@@ -6029,12 +6279,12 @@
         </p:grpSpPr>
         <p:sp>
           <p:nvSpPr>
-            <p:cNvPr name="Freeform 19" id="19"/>
+            <p:cNvPr id="19" name="Freeform 19"/>
             <p:cNvSpPr/>
             <p:nvPr/>
           </p:nvSpPr>
           <p:spPr>
-            <a:xfrm flipH="false" flipV="false" rot="0">
+            <a:xfrm>
               <a:off x="0" y="0"/>
               <a:ext cx="220980" cy="640588"/>
             </a:xfrm>
@@ -6043,9 +6293,9 @@
               <a:gdLst/>
               <a:ahLst/>
               <a:cxnLst/>
-              <a:rect r="r" b="b" t="t" l="l"/>
+              <a:rect l="l" t="t" r="r" b="b"/>
               <a:pathLst>
-                <a:path h="640588" w="220980">
+                <a:path w="220980" h="640588">
                   <a:moveTo>
                     <a:pt x="0" y="110490"/>
                   </a:moveTo>
@@ -6080,16 +6330,23 @@
               <a:srgbClr val="FFFFFF"/>
             </a:solidFill>
           </p:spPr>
+          <p:txBody>
+            <a:bodyPr/>
+            <a:lstStyle/>
+            <a:p>
+              <a:endParaRPr lang="ko-KR" altLang="en-US"/>
+            </a:p>
+          </p:txBody>
         </p:sp>
       </p:grpSp>
       <p:grpSp>
         <p:nvGrpSpPr>
-          <p:cNvPr name="Group 20" id="20"/>
+          <p:cNvPr id="20" name="Group 20"/>
           <p:cNvGrpSpPr/>
           <p:nvPr/>
         </p:nvGrpSpPr>
         <p:grpSpPr>
-          <a:xfrm rot="0">
+          <a:xfrm>
             <a:off x="9980078" y="6536192"/>
             <a:ext cx="165795" cy="480517"/>
             <a:chOff x="0" y="0"/>
@@ -6098,12 +6355,12 @@
         </p:grpSpPr>
         <p:sp>
           <p:nvSpPr>
-            <p:cNvPr name="Freeform 21" id="21"/>
+            <p:cNvPr id="21" name="Freeform 21"/>
             <p:cNvSpPr/>
             <p:nvPr/>
           </p:nvSpPr>
           <p:spPr>
-            <a:xfrm flipH="false" flipV="false" rot="0">
+            <a:xfrm>
               <a:off x="0" y="0"/>
               <a:ext cx="220980" cy="640588"/>
             </a:xfrm>
@@ -6112,9 +6369,9 @@
               <a:gdLst/>
               <a:ahLst/>
               <a:cxnLst/>
-              <a:rect r="r" b="b" t="t" l="l"/>
+              <a:rect l="l" t="t" r="r" b="b"/>
               <a:pathLst>
-                <a:path h="640588" w="220980">
+                <a:path w="220980" h="640588">
                   <a:moveTo>
                     <a:pt x="0" y="110490"/>
                   </a:moveTo>
@@ -6149,16 +6406,23 @@
               <a:srgbClr val="FFFFFF"/>
             </a:solidFill>
           </p:spPr>
+          <p:txBody>
+            <a:bodyPr/>
+            <a:lstStyle/>
+            <a:p>
+              <a:endParaRPr lang="ko-KR" altLang="en-US"/>
+            </a:p>
+          </p:txBody>
         </p:sp>
       </p:grpSp>
       <p:sp>
         <p:nvSpPr>
-          <p:cNvPr name="TextBox 22" id="22"/>
-          <p:cNvSpPr txBox="true"/>
+          <p:cNvPr id="22" name="TextBox 22"/>
+          <p:cNvSpPr txBox="1"/>
           <p:nvPr/>
         </p:nvSpPr>
         <p:spPr>
-          <a:xfrm rot="0">
+          <a:xfrm>
             <a:off x="12731580" y="6630632"/>
             <a:ext cx="2933502" cy="384048"/>
           </a:xfrm>
@@ -6167,7 +6431,7 @@
           </a:prstGeom>
         </p:spPr>
         <p:txBody>
-          <a:bodyPr anchor="t" rtlCol="false" tIns="0" lIns="0" bIns="0" rIns="0">
+          <a:bodyPr lIns="0" tIns="0" rIns="0" bIns="0" rtlCol="0" anchor="t">
             <a:spAutoFit/>
           </a:bodyPr>
           <a:lstStyle/>
@@ -6191,12 +6455,12 @@
       </p:sp>
       <p:grpSp>
         <p:nvGrpSpPr>
-          <p:cNvPr name="Group 23" id="23"/>
+          <p:cNvPr id="23" name="Group 23"/>
           <p:cNvGrpSpPr/>
           <p:nvPr/>
         </p:nvGrpSpPr>
         <p:grpSpPr>
-          <a:xfrm rot="0">
+          <a:xfrm>
             <a:off x="12440660" y="6536192"/>
             <a:ext cx="165795" cy="480517"/>
             <a:chOff x="0" y="0"/>
@@ -6205,12 +6469,12 @@
         </p:grpSpPr>
         <p:sp>
           <p:nvSpPr>
-            <p:cNvPr name="Freeform 24" id="24"/>
+            <p:cNvPr id="24" name="Freeform 24"/>
             <p:cNvSpPr/>
             <p:nvPr/>
           </p:nvSpPr>
           <p:spPr>
-            <a:xfrm flipH="false" flipV="false" rot="0">
+            <a:xfrm>
               <a:off x="0" y="0"/>
               <a:ext cx="220980" cy="640588"/>
             </a:xfrm>
@@ -6219,9 +6483,9 @@
               <a:gdLst/>
               <a:ahLst/>
               <a:cxnLst/>
-              <a:rect r="r" b="b" t="t" l="l"/>
+              <a:rect l="l" t="t" r="r" b="b"/>
               <a:pathLst>
-                <a:path h="640588" w="220980">
+                <a:path w="220980" h="640588">
                   <a:moveTo>
                     <a:pt x="0" y="110490"/>
                   </a:moveTo>
@@ -6256,6 +6520,13 @@
               <a:srgbClr val="FFFFFF"/>
             </a:solidFill>
           </p:spPr>
+          <p:txBody>
+            <a:bodyPr/>
+            <a:lstStyle/>
+            <a:p>
+              <a:endParaRPr lang="ko-KR" altLang="en-US"/>
+            </a:p>
+          </p:txBody>
         </p:sp>
       </p:grpSp>
     </p:spTree>
@@ -6267,7 +6538,7 @@
 </file>
 
 <file path=ppt/slides/slide2.xml><?xml version="1.0" encoding="utf-8"?>
-<p:sld xmlns:p="http://schemas.openxmlformats.org/presentationml/2006/main" xmlns:a="http://schemas.openxmlformats.org/drawingml/2006/main" xmlns:r="http://schemas.openxmlformats.org/officeDocument/2006/relationships">
+<p:sld xmlns:a="http://schemas.openxmlformats.org/drawingml/2006/main" xmlns:r="http://schemas.openxmlformats.org/officeDocument/2006/relationships" xmlns:p="http://schemas.openxmlformats.org/presentationml/2006/main">
   <p:cSld>
     <p:spTree>
       <p:nvGrpSpPr>
@@ -6285,12 +6556,12 @@
       </p:grpSpPr>
       <p:sp>
         <p:nvSpPr>
-          <p:cNvPr name="Freeform 2" id="2"/>
+          <p:cNvPr id="2" name="Freeform 2"/>
           <p:cNvSpPr/>
           <p:nvPr/>
         </p:nvSpPr>
         <p:spPr>
-          <a:xfrm flipH="false" flipV="false" rot="0">
+          <a:xfrm>
             <a:off x="0" y="0"/>
             <a:ext cx="18288000" cy="10287000"/>
           </a:xfrm>
@@ -6299,9 +6570,9 @@
             <a:gdLst/>
             <a:ahLst/>
             <a:cxnLst/>
-            <a:rect r="r" b="b" t="t" l="l"/>
+            <a:rect l="l" t="t" r="r" b="b"/>
             <a:pathLst>
-              <a:path h="10287000" w="18288000">
+              <a:path w="18288000" h="10287000">
                 <a:moveTo>
                   <a:pt x="0" y="0"/>
                 </a:moveTo>
@@ -6324,19 +6595,26 @@
           <a:blipFill>
             <a:blip r:embed="rId2"/>
             <a:stretch>
-              <a:fillRect l="0" t="0" r="0" b="0"/>
+              <a:fillRect/>
             </a:stretch>
           </a:blipFill>
         </p:spPr>
+        <p:txBody>
+          <a:bodyPr/>
+          <a:lstStyle/>
+          <a:p>
+            <a:endParaRPr lang="ko-KR" altLang="en-US"/>
+          </a:p>
+        </p:txBody>
       </p:sp>
       <p:grpSp>
         <p:nvGrpSpPr>
-          <p:cNvPr name="Group 3" id="3"/>
+          <p:cNvPr id="3" name="Group 3"/>
           <p:cNvGrpSpPr/>
           <p:nvPr/>
         </p:nvGrpSpPr>
         <p:grpSpPr>
-          <a:xfrm rot="0">
+          <a:xfrm>
             <a:off x="0" y="2305699"/>
             <a:ext cx="18288000" cy="7981300"/>
             <a:chOff x="0" y="0"/>
@@ -6345,12 +6623,12 @@
         </p:grpSpPr>
         <p:sp>
           <p:nvSpPr>
-            <p:cNvPr name="Freeform 4" id="4"/>
+            <p:cNvPr id="4" name="Freeform 4"/>
             <p:cNvSpPr/>
             <p:nvPr/>
           </p:nvSpPr>
           <p:spPr>
-            <a:xfrm flipH="false" flipV="false" rot="0">
+            <a:xfrm>
               <a:off x="0" y="0"/>
               <a:ext cx="24384000" cy="10641711"/>
             </a:xfrm>
@@ -6359,9 +6637,9 @@
               <a:gdLst/>
               <a:ahLst/>
               <a:cxnLst/>
-              <a:rect r="r" b="b" t="t" l="l"/>
+              <a:rect l="l" t="t" r="r" b="b"/>
               <a:pathLst>
-                <a:path h="10641711" w="24384000">
+                <a:path w="24384000" h="10641711">
                   <a:moveTo>
                     <a:pt x="0" y="0"/>
                   </a:moveTo>
@@ -6382,16 +6660,23 @@
               <a:srgbClr val="FAFAFD"/>
             </a:solidFill>
           </p:spPr>
+          <p:txBody>
+            <a:bodyPr/>
+            <a:lstStyle/>
+            <a:p>
+              <a:endParaRPr lang="ko-KR" altLang="en-US"/>
+            </a:p>
+          </p:txBody>
         </p:sp>
       </p:grpSp>
       <p:sp>
         <p:nvSpPr>
-          <p:cNvPr name="Freeform 5" id="5"/>
+          <p:cNvPr id="5" name="Freeform 5"/>
           <p:cNvSpPr/>
           <p:nvPr/>
         </p:nvSpPr>
         <p:spPr>
-          <a:xfrm flipH="false" flipV="false" rot="0">
+          <a:xfrm>
             <a:off x="0" y="0"/>
             <a:ext cx="18288000" cy="978185"/>
           </a:xfrm>
@@ -6400,9 +6685,9 @@
             <a:gdLst/>
             <a:ahLst/>
             <a:cxnLst/>
-            <a:rect r="r" b="b" t="t" l="l"/>
+            <a:rect l="l" t="t" r="r" b="b"/>
             <a:pathLst>
-              <a:path h="978185" w="18288000">
+              <a:path w="18288000" h="978185">
                 <a:moveTo>
                   <a:pt x="0" y="0"/>
                 </a:moveTo>
@@ -6425,19 +6710,26 @@
           <a:blipFill>
             <a:blip r:embed="rId3"/>
             <a:stretch>
-              <a:fillRect l="0" t="0" r="0" b="0"/>
+              <a:fillRect/>
             </a:stretch>
           </a:blipFill>
         </p:spPr>
-      </p:sp>
-      <p:sp>
-        <p:nvSpPr>
-          <p:cNvPr name="TextBox 6" id="6"/>
-          <p:cNvSpPr txBox="true"/>
+        <p:txBody>
+          <a:bodyPr/>
+          <a:lstStyle/>
+          <a:p>
+            <a:endParaRPr lang="ko-KR" altLang="en-US"/>
+          </a:p>
+        </p:txBody>
+      </p:sp>
+      <p:sp>
+        <p:nvSpPr>
+          <p:cNvPr id="6" name="TextBox 6"/>
+          <p:cNvSpPr txBox="1"/>
           <p:nvPr/>
         </p:nvSpPr>
         <p:spPr>
-          <a:xfrm rot="0">
+          <a:xfrm>
             <a:off x="814197" y="1329215"/>
             <a:ext cx="3900964" cy="673227"/>
           </a:xfrm>
@@ -6446,7 +6738,7 @@
           </a:prstGeom>
         </p:spPr>
         <p:txBody>
-          <a:bodyPr anchor="t" rtlCol="false" tIns="0" lIns="0" bIns="0" rIns="0">
+          <a:bodyPr lIns="0" tIns="0" rIns="0" bIns="0" rtlCol="0" anchor="t">
             <a:spAutoFit/>
           </a:bodyPr>
           <a:lstStyle/>
@@ -6470,12 +6762,12 @@
       </p:sp>
       <p:grpSp>
         <p:nvGrpSpPr>
-          <p:cNvPr name="Group 7" id="7"/>
+          <p:cNvPr id="7" name="Group 7"/>
           <p:cNvGrpSpPr/>
           <p:nvPr/>
         </p:nvGrpSpPr>
         <p:grpSpPr>
-          <a:xfrm rot="0">
+          <a:xfrm>
             <a:off x="1028700" y="2935764"/>
             <a:ext cx="165795" cy="480517"/>
             <a:chOff x="0" y="0"/>
@@ -6484,12 +6776,12 @@
         </p:grpSpPr>
         <p:sp>
           <p:nvSpPr>
-            <p:cNvPr name="Freeform 8" id="8"/>
+            <p:cNvPr id="8" name="Freeform 8"/>
             <p:cNvSpPr/>
             <p:nvPr/>
           </p:nvSpPr>
           <p:spPr>
-            <a:xfrm flipH="false" flipV="false" rot="0">
+            <a:xfrm>
               <a:off x="0" y="0"/>
               <a:ext cx="220980" cy="640588"/>
             </a:xfrm>
@@ -6498,9 +6790,9 @@
               <a:gdLst/>
               <a:ahLst/>
               <a:cxnLst/>
-              <a:rect r="r" b="b" t="t" l="l"/>
+              <a:rect l="l" t="t" r="r" b="b"/>
               <a:pathLst>
-                <a:path h="640588" w="220980">
+                <a:path w="220980" h="640588">
                   <a:moveTo>
                     <a:pt x="0" y="110490"/>
                   </a:moveTo>
@@ -6535,16 +6827,23 @@
               <a:srgbClr val="B5E3D8"/>
             </a:solidFill>
           </p:spPr>
+          <p:txBody>
+            <a:bodyPr/>
+            <a:lstStyle/>
+            <a:p>
+              <a:endParaRPr lang="ko-KR" altLang="en-US"/>
+            </a:p>
+          </p:txBody>
         </p:sp>
       </p:grpSp>
       <p:sp>
         <p:nvSpPr>
-          <p:cNvPr name="TextBox 9" id="9"/>
-          <p:cNvSpPr txBox="true"/>
+          <p:cNvPr id="9" name="TextBox 9"/>
+          <p:cNvSpPr txBox="1"/>
           <p:nvPr/>
         </p:nvSpPr>
         <p:spPr>
-          <a:xfrm rot="0">
+          <a:xfrm>
             <a:off x="1477995" y="2884937"/>
             <a:ext cx="1027384" cy="629793"/>
           </a:xfrm>
@@ -6553,7 +6852,7 @@
           </a:prstGeom>
         </p:spPr>
         <p:txBody>
-          <a:bodyPr anchor="t" rtlCol="false" tIns="0" lIns="0" bIns="0" rIns="0">
+          <a:bodyPr lIns="0" tIns="0" rIns="0" bIns="0" rtlCol="0" anchor="t">
             <a:spAutoFit/>
           </a:bodyPr>
           <a:lstStyle/>
@@ -6577,12 +6876,12 @@
       </p:sp>
       <p:grpSp>
         <p:nvGrpSpPr>
-          <p:cNvPr name="Group 10" id="10"/>
+          <p:cNvPr id="10" name="Group 10"/>
           <p:cNvGrpSpPr/>
           <p:nvPr/>
         </p:nvGrpSpPr>
         <p:grpSpPr>
-          <a:xfrm rot="0">
+          <a:xfrm>
             <a:off x="1028700" y="3956778"/>
             <a:ext cx="165795" cy="480517"/>
             <a:chOff x="0" y="0"/>
@@ -6591,12 +6890,12 @@
         </p:grpSpPr>
         <p:sp>
           <p:nvSpPr>
-            <p:cNvPr name="Freeform 11" id="11"/>
+            <p:cNvPr id="11" name="Freeform 11"/>
             <p:cNvSpPr/>
             <p:nvPr/>
           </p:nvSpPr>
           <p:spPr>
-            <a:xfrm flipH="false" flipV="false" rot="0">
+            <a:xfrm>
               <a:off x="0" y="0"/>
               <a:ext cx="220980" cy="640588"/>
             </a:xfrm>
@@ -6605,9 +6904,9 @@
               <a:gdLst/>
               <a:ahLst/>
               <a:cxnLst/>
-              <a:rect r="r" b="b" t="t" l="l"/>
+              <a:rect l="l" t="t" r="r" b="b"/>
               <a:pathLst>
-                <a:path h="640588" w="220980">
+                <a:path w="220980" h="640588">
                   <a:moveTo>
                     <a:pt x="0" y="110490"/>
                   </a:moveTo>
@@ -6642,16 +6941,23 @@
               <a:srgbClr val="B5E3D8"/>
             </a:solidFill>
           </p:spPr>
+          <p:txBody>
+            <a:bodyPr/>
+            <a:lstStyle/>
+            <a:p>
+              <a:endParaRPr lang="ko-KR" altLang="en-US"/>
+            </a:p>
+          </p:txBody>
         </p:sp>
       </p:grpSp>
       <p:sp>
         <p:nvSpPr>
-          <p:cNvPr name="TextBox 12" id="12"/>
-          <p:cNvSpPr txBox="true"/>
+          <p:cNvPr id="12" name="TextBox 12"/>
+          <p:cNvSpPr txBox="1"/>
           <p:nvPr/>
         </p:nvSpPr>
         <p:spPr>
-          <a:xfrm rot="0">
+          <a:xfrm>
             <a:off x="1477995" y="3977770"/>
             <a:ext cx="6515387" cy="457581"/>
           </a:xfrm>
@@ -6660,7 +6966,7 @@
           </a:prstGeom>
         </p:spPr>
         <p:txBody>
-          <a:bodyPr anchor="t" rtlCol="false" tIns="0" lIns="0" bIns="0" rIns="0">
+          <a:bodyPr lIns="0" tIns="0" rIns="0" bIns="0" rtlCol="0" anchor="t">
             <a:spAutoFit/>
           </a:bodyPr>
           <a:lstStyle/>
@@ -6685,12 +6991,12 @@
       </p:sp>
       <p:grpSp>
         <p:nvGrpSpPr>
-          <p:cNvPr name="Group 13" id="13"/>
+          <p:cNvPr id="13" name="Group 13"/>
           <p:cNvGrpSpPr/>
           <p:nvPr/>
         </p:nvGrpSpPr>
         <p:grpSpPr>
-          <a:xfrm rot="0">
+          <a:xfrm>
             <a:off x="9705454" y="2935764"/>
             <a:ext cx="165795" cy="480517"/>
             <a:chOff x="0" y="0"/>
@@ -6699,12 +7005,12 @@
         </p:grpSpPr>
         <p:sp>
           <p:nvSpPr>
-            <p:cNvPr name="Freeform 14" id="14"/>
+            <p:cNvPr id="14" name="Freeform 14"/>
             <p:cNvSpPr/>
             <p:nvPr/>
           </p:nvSpPr>
           <p:spPr>
-            <a:xfrm flipH="false" flipV="false" rot="0">
+            <a:xfrm>
               <a:off x="0" y="0"/>
               <a:ext cx="220980" cy="640588"/>
             </a:xfrm>
@@ -6713,9 +7019,9 @@
               <a:gdLst/>
               <a:ahLst/>
               <a:cxnLst/>
-              <a:rect r="r" b="b" t="t" l="l"/>
+              <a:rect l="l" t="t" r="r" b="b"/>
               <a:pathLst>
-                <a:path h="640588" w="220980">
+                <a:path w="220980" h="640588">
                   <a:moveTo>
                     <a:pt x="0" y="110490"/>
                   </a:moveTo>
@@ -6750,16 +7056,23 @@
               <a:srgbClr val="B5E3D8"/>
             </a:solidFill>
           </p:spPr>
+          <p:txBody>
+            <a:bodyPr/>
+            <a:lstStyle/>
+            <a:p>
+              <a:endParaRPr lang="ko-KR" altLang="en-US"/>
+            </a:p>
+          </p:txBody>
         </p:sp>
       </p:grpSp>
       <p:sp>
         <p:nvSpPr>
-          <p:cNvPr name="TextBox 15" id="15"/>
-          <p:cNvSpPr txBox="true"/>
+          <p:cNvPr id="15" name="TextBox 15"/>
+          <p:cNvSpPr txBox="1"/>
           <p:nvPr/>
         </p:nvSpPr>
         <p:spPr>
-          <a:xfrm rot="0">
+          <a:xfrm>
             <a:off x="10154749" y="2884937"/>
             <a:ext cx="1027384" cy="629793"/>
           </a:xfrm>
@@ -6768,7 +7081,7 @@
           </a:prstGeom>
         </p:spPr>
         <p:txBody>
-          <a:bodyPr anchor="t" rtlCol="false" tIns="0" lIns="0" bIns="0" rIns="0">
+          <a:bodyPr lIns="0" tIns="0" rIns="0" bIns="0" rtlCol="0" anchor="t">
             <a:spAutoFit/>
           </a:bodyPr>
           <a:lstStyle/>
@@ -6792,12 +7105,12 @@
       </p:sp>
       <p:grpSp>
         <p:nvGrpSpPr>
-          <p:cNvPr name="Group 16" id="16"/>
+          <p:cNvPr id="16" name="Group 16"/>
           <p:cNvGrpSpPr/>
           <p:nvPr/>
         </p:nvGrpSpPr>
         <p:grpSpPr>
-          <a:xfrm rot="0">
+          <a:xfrm>
             <a:off x="9705454" y="3956778"/>
             <a:ext cx="165795" cy="480517"/>
             <a:chOff x="0" y="0"/>
@@ -6806,12 +7119,12 @@
         </p:grpSpPr>
         <p:sp>
           <p:nvSpPr>
-            <p:cNvPr name="Freeform 17" id="17"/>
+            <p:cNvPr id="17" name="Freeform 17"/>
             <p:cNvSpPr/>
             <p:nvPr/>
           </p:nvSpPr>
           <p:spPr>
-            <a:xfrm flipH="false" flipV="false" rot="0">
+            <a:xfrm>
               <a:off x="0" y="0"/>
               <a:ext cx="220980" cy="640588"/>
             </a:xfrm>
@@ -6820,9 +7133,9 @@
               <a:gdLst/>
               <a:ahLst/>
               <a:cxnLst/>
-              <a:rect r="r" b="b" t="t" l="l"/>
+              <a:rect l="l" t="t" r="r" b="b"/>
               <a:pathLst>
-                <a:path h="640588" w="220980">
+                <a:path w="220980" h="640588">
                   <a:moveTo>
                     <a:pt x="0" y="110490"/>
                   </a:moveTo>
@@ -6857,16 +7170,23 @@
               <a:srgbClr val="B5E3D8"/>
             </a:solidFill>
           </p:spPr>
+          <p:txBody>
+            <a:bodyPr/>
+            <a:lstStyle/>
+            <a:p>
+              <a:endParaRPr lang="ko-KR" altLang="en-US"/>
+            </a:p>
+          </p:txBody>
         </p:sp>
       </p:grpSp>
       <p:sp>
         <p:nvSpPr>
-          <p:cNvPr name="TextBox 18" id="18"/>
-          <p:cNvSpPr txBox="true"/>
+          <p:cNvPr id="18" name="TextBox 18"/>
+          <p:cNvSpPr txBox="1"/>
           <p:nvPr/>
         </p:nvSpPr>
         <p:spPr>
-          <a:xfrm rot="0">
+          <a:xfrm>
             <a:off x="10156999" y="3763457"/>
             <a:ext cx="6515387" cy="886206"/>
           </a:xfrm>
@@ -6875,7 +7195,7 @@
           </a:prstGeom>
         </p:spPr>
         <p:txBody>
-          <a:bodyPr anchor="t" rtlCol="false" tIns="0" lIns="0" bIns="0" rIns="0">
+          <a:bodyPr lIns="0" tIns="0" rIns="0" bIns="0" rtlCol="0" anchor="t">
             <a:spAutoFit/>
           </a:bodyPr>
           <a:lstStyle/>
@@ -6900,12 +7220,12 @@
       </p:sp>
       <p:grpSp>
         <p:nvGrpSpPr>
-          <p:cNvPr name="Group 19" id="19"/>
+          <p:cNvPr id="19" name="Group 19"/>
           <p:cNvGrpSpPr/>
           <p:nvPr/>
         </p:nvGrpSpPr>
         <p:grpSpPr>
-          <a:xfrm rot="0">
+          <a:xfrm>
             <a:off x="1028700" y="4875446"/>
             <a:ext cx="7568105" cy="4876277"/>
             <a:chOff x="0" y="0"/>
@@ -6914,12 +7234,12 @@
         </p:grpSpPr>
         <p:sp>
           <p:nvSpPr>
-            <p:cNvPr name="Freeform 20" id="20"/>
+            <p:cNvPr id="20" name="Freeform 20"/>
             <p:cNvSpPr/>
             <p:nvPr/>
           </p:nvSpPr>
           <p:spPr>
-            <a:xfrm flipH="false" flipV="false" rot="0">
+            <a:xfrm>
               <a:off x="0" y="0"/>
               <a:ext cx="10090790" cy="6501738"/>
             </a:xfrm>
@@ -6928,9 +7248,9 @@
               <a:gdLst/>
               <a:ahLst/>
               <a:cxnLst/>
-              <a:rect r="r" b="b" t="t" l="l"/>
+              <a:rect l="l" t="t" r="r" b="b"/>
               <a:pathLst>
-                <a:path h="6501738" w="10090790">
+                <a:path w="10090790" h="6501738">
                   <a:moveTo>
                     <a:pt x="0" y="0"/>
                   </a:moveTo>
@@ -6951,11 +7271,18 @@
               <a:srgbClr val="ECEBF5"/>
             </a:solidFill>
           </p:spPr>
+          <p:txBody>
+            <a:bodyPr/>
+            <a:lstStyle/>
+            <a:p>
+              <a:endParaRPr lang="ko-KR" altLang="en-US"/>
+            </a:p>
+          </p:txBody>
         </p:sp>
         <p:sp>
           <p:nvSpPr>
-            <p:cNvPr name="TextBox 21" id="21"/>
-            <p:cNvSpPr txBox="true"/>
+            <p:cNvPr id="21" name="TextBox 21"/>
+            <p:cNvSpPr txBox="1"/>
             <p:nvPr/>
           </p:nvSpPr>
           <p:spPr>
@@ -6968,7 +7295,7 @@
             </a:prstGeom>
           </p:spPr>
           <p:txBody>
-            <a:bodyPr anchor="t" rtlCol="false" tIns="50800" lIns="50800" bIns="50800" rIns="50800"/>
+            <a:bodyPr lIns="50800" tIns="50800" rIns="50800" bIns="50800" rtlCol="0" anchor="t"/>
             <a:lstStyle/>
             <a:p>
               <a:pPr algn="l">
@@ -6976,6 +7303,7 @@
                   <a:spcPts val="6480"/>
                 </a:lnSpc>
               </a:pPr>
+              <a:endParaRPr/>
             </a:p>
             <a:p>
               <a:pPr algn="l">
@@ -6983,18 +7311,19 @@
                   <a:spcPts val="5759"/>
                 </a:lnSpc>
               </a:pPr>
+              <a:endParaRPr/>
             </a:p>
           </p:txBody>
         </p:sp>
       </p:grpSp>
       <p:sp>
         <p:nvSpPr>
-          <p:cNvPr name="TextBox 22" id="22"/>
-          <p:cNvSpPr txBox="true"/>
+          <p:cNvPr id="22" name="TextBox 22"/>
+          <p:cNvSpPr txBox="1"/>
           <p:nvPr/>
         </p:nvSpPr>
         <p:spPr>
-          <a:xfrm rot="0">
+          <a:xfrm>
             <a:off x="1240734" y="5322002"/>
             <a:ext cx="7144037" cy="3754564"/>
           </a:xfrm>
@@ -7003,7 +7332,7 @@
           </a:prstGeom>
         </p:spPr>
         <p:txBody>
-          <a:bodyPr anchor="t" rtlCol="false" tIns="0" lIns="0" bIns="0" rIns="0">
+          <a:bodyPr lIns="0" tIns="0" rIns="0" bIns="0" rtlCol="0" anchor="t">
             <a:spAutoFit/>
           </a:bodyPr>
           <a:lstStyle/>
@@ -7021,29 +7350,19 @@
                 <a:latin typeface="TT Rounds Condensed"/>
                 <a:ea typeface="TT Rounds Condensed"/>
               </a:rPr>
-              <a:t>os.walk를 사용하여 현재 디렉토리 경로, 모든 디렉토리 이름 담은 리스트, 모든 파일 이름 담은 리스트 반환하고 디렉토리 내의 모든 파일과 하위 디렉토리를 모두 순환하여 len()으로 모든 파일 수를 세고</a:t>
-            </a:r>
-            <a:r>
-              <a:rPr lang="en-US" sz="3150" spc="-245">
-                <a:solidFill>
-                  <a:srgbClr val="1F4E79"/>
-                </a:solidFill>
-                <a:latin typeface="TT Rounds Condensed"/>
-                <a:ea typeface="TT Rounds Condensed"/>
-              </a:rPr>
-              <a:t> sum()으로 합한다</a:t>
+              <a:t>os.walk를 사용하여 현재 디렉토리 경로, 모든 디렉토리 이름 담은 리스트, 모든 파일 이름 담은 리스트 반환하고 디렉토리 내의 모든 파일과 하위 디렉토리를 모두 순환하여 len()으로 모든 파일 수를 세고 sum()으로 합한다</a:t>
             </a:r>
           </a:p>
         </p:txBody>
       </p:sp>
       <p:grpSp>
         <p:nvGrpSpPr>
-          <p:cNvPr name="Group 23" id="23"/>
+          <p:cNvPr id="23" name="Group 23"/>
           <p:cNvGrpSpPr/>
           <p:nvPr/>
         </p:nvGrpSpPr>
         <p:grpSpPr>
-          <a:xfrm rot="0">
+          <a:xfrm>
             <a:off x="9705454" y="4875446"/>
             <a:ext cx="7568105" cy="4876277"/>
             <a:chOff x="0" y="0"/>
@@ -7052,12 +7371,12 @@
         </p:grpSpPr>
         <p:sp>
           <p:nvSpPr>
-            <p:cNvPr name="Freeform 24" id="24"/>
+            <p:cNvPr id="24" name="Freeform 24"/>
             <p:cNvSpPr/>
             <p:nvPr/>
           </p:nvSpPr>
           <p:spPr>
-            <a:xfrm flipH="false" flipV="false" rot="0">
+            <a:xfrm>
               <a:off x="0" y="0"/>
               <a:ext cx="10090790" cy="6501738"/>
             </a:xfrm>
@@ -7066,9 +7385,9 @@
               <a:gdLst/>
               <a:ahLst/>
               <a:cxnLst/>
-              <a:rect r="r" b="b" t="t" l="l"/>
+              <a:rect l="l" t="t" r="r" b="b"/>
               <a:pathLst>
-                <a:path h="6501738" w="10090790">
+                <a:path w="10090790" h="6501738">
                   <a:moveTo>
                     <a:pt x="0" y="0"/>
                   </a:moveTo>
@@ -7089,11 +7408,18 @@
               <a:srgbClr val="ECEBF5"/>
             </a:solidFill>
           </p:spPr>
+          <p:txBody>
+            <a:bodyPr/>
+            <a:lstStyle/>
+            <a:p>
+              <a:endParaRPr lang="ko-KR" altLang="en-US"/>
+            </a:p>
+          </p:txBody>
         </p:sp>
         <p:sp>
           <p:nvSpPr>
-            <p:cNvPr name="TextBox 25" id="25"/>
-            <p:cNvSpPr txBox="true"/>
+            <p:cNvPr id="25" name="TextBox 25"/>
+            <p:cNvSpPr txBox="1"/>
             <p:nvPr/>
           </p:nvSpPr>
           <p:spPr>
@@ -7106,7 +7432,7 @@
             </a:prstGeom>
           </p:spPr>
           <p:txBody>
-            <a:bodyPr anchor="t" rtlCol="false" tIns="50800" lIns="50800" bIns="50800" rIns="50800"/>
+            <a:bodyPr lIns="50800" tIns="50800" rIns="50800" bIns="50800" rtlCol="0" anchor="t"/>
             <a:lstStyle/>
             <a:p>
               <a:pPr algn="l">
@@ -7114,6 +7440,7 @@
                   <a:spcPts val="6480"/>
                 </a:lnSpc>
               </a:pPr>
+              <a:endParaRPr/>
             </a:p>
             <a:p>
               <a:pPr algn="l">
@@ -7121,18 +7448,19 @@
                   <a:spcPts val="5759"/>
                 </a:lnSpc>
               </a:pPr>
+              <a:endParaRPr/>
             </a:p>
           </p:txBody>
         </p:sp>
       </p:grpSp>
       <p:sp>
         <p:nvSpPr>
-          <p:cNvPr name="TextBox 26" id="26"/>
-          <p:cNvSpPr txBox="true"/>
+          <p:cNvPr id="26" name="TextBox 26"/>
+          <p:cNvSpPr txBox="1"/>
           <p:nvPr/>
         </p:nvSpPr>
         <p:spPr>
-          <a:xfrm rot="0">
+          <a:xfrm>
             <a:off x="9946063" y="5703002"/>
             <a:ext cx="7144037" cy="2992564"/>
           </a:xfrm>
@@ -7141,7 +7469,7 @@
           </a:prstGeom>
         </p:spPr>
         <p:txBody>
-          <a:bodyPr anchor="t" rtlCol="false" tIns="0" lIns="0" bIns="0" rIns="0">
+          <a:bodyPr lIns="0" tIns="0" rIns="0" bIns="0" rtlCol="0" anchor="t">
             <a:spAutoFit/>
           </a:bodyPr>
           <a:lstStyle/>
@@ -7173,7 +7501,7 @@
 </file>
 
 <file path=ppt/slides/slide3.xml><?xml version="1.0" encoding="utf-8"?>
-<p:sld xmlns:p="http://schemas.openxmlformats.org/presentationml/2006/main" xmlns:a="http://schemas.openxmlformats.org/drawingml/2006/main" xmlns:r="http://schemas.openxmlformats.org/officeDocument/2006/relationships">
+<p:sld xmlns:a="http://schemas.openxmlformats.org/drawingml/2006/main" xmlns:r="http://schemas.openxmlformats.org/officeDocument/2006/relationships" xmlns:p="http://schemas.openxmlformats.org/presentationml/2006/main">
   <p:cSld>
     <p:spTree>
       <p:nvGrpSpPr>
@@ -7191,12 +7519,12 @@
       </p:grpSpPr>
       <p:sp>
         <p:nvSpPr>
-          <p:cNvPr name="Freeform 2" id="2"/>
+          <p:cNvPr id="2" name="Freeform 2"/>
           <p:cNvSpPr/>
           <p:nvPr/>
         </p:nvSpPr>
         <p:spPr>
-          <a:xfrm flipH="false" flipV="false" rot="0">
+          <a:xfrm>
             <a:off x="0" y="0"/>
             <a:ext cx="18288000" cy="10287000"/>
           </a:xfrm>
@@ -7205,9 +7533,9 @@
             <a:gdLst/>
             <a:ahLst/>
             <a:cxnLst/>
-            <a:rect r="r" b="b" t="t" l="l"/>
+            <a:rect l="l" t="t" r="r" b="b"/>
             <a:pathLst>
-              <a:path h="10287000" w="18288000">
+              <a:path w="18288000" h="10287000">
                 <a:moveTo>
                   <a:pt x="0" y="0"/>
                 </a:moveTo>
@@ -7230,19 +7558,26 @@
           <a:blipFill>
             <a:blip r:embed="rId2"/>
             <a:stretch>
-              <a:fillRect l="0" t="0" r="0" b="0"/>
+              <a:fillRect/>
             </a:stretch>
           </a:blipFill>
         </p:spPr>
+        <p:txBody>
+          <a:bodyPr/>
+          <a:lstStyle/>
+          <a:p>
+            <a:endParaRPr lang="ko-KR" altLang="en-US"/>
+          </a:p>
+        </p:txBody>
       </p:sp>
       <p:grpSp>
         <p:nvGrpSpPr>
-          <p:cNvPr name="Group 3" id="3"/>
+          <p:cNvPr id="3" name="Group 3"/>
           <p:cNvGrpSpPr/>
           <p:nvPr/>
         </p:nvGrpSpPr>
         <p:grpSpPr>
-          <a:xfrm rot="0">
+          <a:xfrm>
             <a:off x="0" y="2305699"/>
             <a:ext cx="18288000" cy="7981300"/>
             <a:chOff x="0" y="0"/>
@@ -7251,12 +7586,12 @@
         </p:grpSpPr>
         <p:sp>
           <p:nvSpPr>
-            <p:cNvPr name="Freeform 4" id="4"/>
+            <p:cNvPr id="4" name="Freeform 4"/>
             <p:cNvSpPr/>
             <p:nvPr/>
           </p:nvSpPr>
           <p:spPr>
-            <a:xfrm flipH="false" flipV="false" rot="0">
+            <a:xfrm>
               <a:off x="0" y="0"/>
               <a:ext cx="24384000" cy="10641711"/>
             </a:xfrm>
@@ -7265,9 +7600,9 @@
               <a:gdLst/>
               <a:ahLst/>
               <a:cxnLst/>
-              <a:rect r="r" b="b" t="t" l="l"/>
+              <a:rect l="l" t="t" r="r" b="b"/>
               <a:pathLst>
-                <a:path h="10641711" w="24384000">
+                <a:path w="24384000" h="10641711">
                   <a:moveTo>
                     <a:pt x="0" y="0"/>
                   </a:moveTo>
@@ -7288,16 +7623,23 @@
               <a:srgbClr val="FAFAFD"/>
             </a:solidFill>
           </p:spPr>
+          <p:txBody>
+            <a:bodyPr/>
+            <a:lstStyle/>
+            <a:p>
+              <a:endParaRPr lang="ko-KR" altLang="en-US"/>
+            </a:p>
+          </p:txBody>
         </p:sp>
       </p:grpSp>
       <p:sp>
         <p:nvSpPr>
-          <p:cNvPr name="Freeform 5" id="5"/>
+          <p:cNvPr id="5" name="Freeform 5"/>
           <p:cNvSpPr/>
           <p:nvPr/>
         </p:nvSpPr>
         <p:spPr>
-          <a:xfrm flipH="false" flipV="false" rot="0">
+          <a:xfrm>
             <a:off x="0" y="0"/>
             <a:ext cx="18288000" cy="978185"/>
           </a:xfrm>
@@ -7306,9 +7648,9 @@
             <a:gdLst/>
             <a:ahLst/>
             <a:cxnLst/>
-            <a:rect r="r" b="b" t="t" l="l"/>
+            <a:rect l="l" t="t" r="r" b="b"/>
             <a:pathLst>
-              <a:path h="978185" w="18288000">
+              <a:path w="18288000" h="978185">
                 <a:moveTo>
                   <a:pt x="0" y="0"/>
                 </a:moveTo>
@@ -7331,19 +7673,26 @@
           <a:blipFill>
             <a:blip r:embed="rId3"/>
             <a:stretch>
-              <a:fillRect l="0" t="0" r="0" b="0"/>
+              <a:fillRect/>
             </a:stretch>
           </a:blipFill>
         </p:spPr>
-      </p:sp>
-      <p:sp>
-        <p:nvSpPr>
-          <p:cNvPr name="TextBox 6" id="6"/>
-          <p:cNvSpPr txBox="true"/>
+        <p:txBody>
+          <a:bodyPr/>
+          <a:lstStyle/>
+          <a:p>
+            <a:endParaRPr lang="ko-KR" altLang="en-US"/>
+          </a:p>
+        </p:txBody>
+      </p:sp>
+      <p:sp>
+        <p:nvSpPr>
+          <p:cNvPr id="6" name="TextBox 6"/>
+          <p:cNvSpPr txBox="1"/>
           <p:nvPr/>
         </p:nvSpPr>
         <p:spPr>
-          <a:xfrm rot="0">
+          <a:xfrm>
             <a:off x="814197" y="1329215"/>
             <a:ext cx="3900964" cy="673227"/>
           </a:xfrm>
@@ -7352,7 +7701,7 @@
           </a:prstGeom>
         </p:spPr>
         <p:txBody>
-          <a:bodyPr anchor="t" rtlCol="false" tIns="0" lIns="0" bIns="0" rIns="0">
+          <a:bodyPr lIns="0" tIns="0" rIns="0" bIns="0" rtlCol="0" anchor="t">
             <a:spAutoFit/>
           </a:bodyPr>
           <a:lstStyle/>
@@ -7369,28 +7718,19 @@
                 </a:solidFill>
                 <a:latin typeface="TT Rounds Condensed Bold"/>
               </a:rPr>
-              <a:t>2</a:t>
-            </a:r>
-            <a:r>
-              <a:rPr lang="en-US" sz="4800" spc="-29">
-                <a:solidFill>
-                  <a:srgbClr val="404040"/>
-                </a:solidFill>
-                <a:latin typeface="TT Rounds Condensed Bold"/>
-              </a:rPr>
-              <a:t>. MISSION2</a:t>
+              <a:t>2. MISSION2</a:t>
             </a:r>
           </a:p>
         </p:txBody>
       </p:sp>
       <p:grpSp>
         <p:nvGrpSpPr>
-          <p:cNvPr name="Group 7" id="7"/>
+          <p:cNvPr id="7" name="Group 7"/>
           <p:cNvGrpSpPr/>
           <p:nvPr/>
         </p:nvGrpSpPr>
         <p:grpSpPr>
-          <a:xfrm rot="0">
+          <a:xfrm>
             <a:off x="933889" y="2935764"/>
             <a:ext cx="165795" cy="480517"/>
             <a:chOff x="0" y="0"/>
@@ -7399,12 +7739,12 @@
         </p:grpSpPr>
         <p:sp>
           <p:nvSpPr>
-            <p:cNvPr name="Freeform 8" id="8"/>
+            <p:cNvPr id="8" name="Freeform 8"/>
             <p:cNvSpPr/>
             <p:nvPr/>
           </p:nvSpPr>
           <p:spPr>
-            <a:xfrm flipH="false" flipV="false" rot="0">
+            <a:xfrm>
               <a:off x="0" y="0"/>
               <a:ext cx="220980" cy="640588"/>
             </a:xfrm>
@@ -7413,9 +7753,9 @@
               <a:gdLst/>
               <a:ahLst/>
               <a:cxnLst/>
-              <a:rect r="r" b="b" t="t" l="l"/>
+              <a:rect l="l" t="t" r="r" b="b"/>
               <a:pathLst>
-                <a:path h="640588" w="220980">
+                <a:path w="220980" h="640588">
                   <a:moveTo>
                     <a:pt x="0" y="110490"/>
                   </a:moveTo>
@@ -7450,16 +7790,23 @@
               <a:srgbClr val="B5E3D8"/>
             </a:solidFill>
           </p:spPr>
+          <p:txBody>
+            <a:bodyPr/>
+            <a:lstStyle/>
+            <a:p>
+              <a:endParaRPr lang="ko-KR" altLang="en-US"/>
+            </a:p>
+          </p:txBody>
         </p:sp>
       </p:grpSp>
       <p:sp>
         <p:nvSpPr>
-          <p:cNvPr name="TextBox 9" id="9"/>
-          <p:cNvSpPr txBox="true"/>
+          <p:cNvPr id="9" name="TextBox 9"/>
+          <p:cNvSpPr txBox="1"/>
           <p:nvPr/>
         </p:nvSpPr>
         <p:spPr>
-          <a:xfrm rot="0">
+          <a:xfrm>
             <a:off x="1383184" y="2884937"/>
             <a:ext cx="1027384" cy="629793"/>
           </a:xfrm>
@@ -7468,7 +7815,7 @@
           </a:prstGeom>
         </p:spPr>
         <p:txBody>
-          <a:bodyPr anchor="t" rtlCol="false" tIns="0" lIns="0" bIns="0" rIns="0">
+          <a:bodyPr lIns="0" tIns="0" rIns="0" bIns="0" rtlCol="0" anchor="t">
             <a:spAutoFit/>
           </a:bodyPr>
           <a:lstStyle/>
@@ -7492,12 +7839,12 @@
       </p:sp>
       <p:grpSp>
         <p:nvGrpSpPr>
-          <p:cNvPr name="Group 10" id="10"/>
+          <p:cNvPr id="10" name="Group 10"/>
           <p:cNvGrpSpPr/>
           <p:nvPr/>
         </p:nvGrpSpPr>
         <p:grpSpPr>
-          <a:xfrm rot="0">
+          <a:xfrm>
             <a:off x="933889" y="3956778"/>
             <a:ext cx="165795" cy="480517"/>
             <a:chOff x="0" y="0"/>
@@ -7506,12 +7853,12 @@
         </p:grpSpPr>
         <p:sp>
           <p:nvSpPr>
-            <p:cNvPr name="Freeform 11" id="11"/>
+            <p:cNvPr id="11" name="Freeform 11"/>
             <p:cNvSpPr/>
             <p:nvPr/>
           </p:nvSpPr>
           <p:spPr>
-            <a:xfrm flipH="false" flipV="false" rot="0">
+            <a:xfrm>
               <a:off x="0" y="0"/>
               <a:ext cx="220980" cy="640588"/>
             </a:xfrm>
@@ -7520,9 +7867,9 @@
               <a:gdLst/>
               <a:ahLst/>
               <a:cxnLst/>
-              <a:rect r="r" b="b" t="t" l="l"/>
+              <a:rect l="l" t="t" r="r" b="b"/>
               <a:pathLst>
-                <a:path h="640588" w="220980">
+                <a:path w="220980" h="640588">
                   <a:moveTo>
                     <a:pt x="0" y="110490"/>
                   </a:moveTo>
@@ -7557,16 +7904,23 @@
               <a:srgbClr val="B5E3D8"/>
             </a:solidFill>
           </p:spPr>
+          <p:txBody>
+            <a:bodyPr/>
+            <a:lstStyle/>
+            <a:p>
+              <a:endParaRPr lang="ko-KR" altLang="en-US"/>
+            </a:p>
+          </p:txBody>
         </p:sp>
       </p:grpSp>
       <p:sp>
         <p:nvSpPr>
-          <p:cNvPr name="TextBox 12" id="12"/>
-          <p:cNvSpPr txBox="true"/>
+          <p:cNvPr id="12" name="TextBox 12"/>
+          <p:cNvSpPr txBox="1"/>
           <p:nvPr/>
         </p:nvSpPr>
         <p:spPr>
-          <a:xfrm rot="0">
+          <a:xfrm>
             <a:off x="1383184" y="3977770"/>
             <a:ext cx="6515387" cy="457581"/>
           </a:xfrm>
@@ -7575,7 +7929,7 @@
           </a:prstGeom>
         </p:spPr>
         <p:txBody>
-          <a:bodyPr anchor="t" rtlCol="false" tIns="0" lIns="0" bIns="0" rIns="0">
+          <a:bodyPr lIns="0" tIns="0" rIns="0" bIns="0" rtlCol="0" anchor="t">
             <a:spAutoFit/>
           </a:bodyPr>
           <a:lstStyle/>
@@ -7600,12 +7954,12 @@
       </p:sp>
       <p:grpSp>
         <p:nvGrpSpPr>
-          <p:cNvPr name="Group 13" id="13"/>
+          <p:cNvPr id="13" name="Group 13"/>
           <p:cNvGrpSpPr/>
           <p:nvPr/>
         </p:nvGrpSpPr>
         <p:grpSpPr>
-          <a:xfrm rot="0">
+          <a:xfrm>
             <a:off x="9780268" y="2935764"/>
             <a:ext cx="165795" cy="480517"/>
             <a:chOff x="0" y="0"/>
@@ -7614,12 +7968,12 @@
         </p:grpSpPr>
         <p:sp>
           <p:nvSpPr>
-            <p:cNvPr name="Freeform 14" id="14"/>
+            <p:cNvPr id="14" name="Freeform 14"/>
             <p:cNvSpPr/>
             <p:nvPr/>
           </p:nvSpPr>
           <p:spPr>
-            <a:xfrm flipH="false" flipV="false" rot="0">
+            <a:xfrm>
               <a:off x="0" y="0"/>
               <a:ext cx="220980" cy="640588"/>
             </a:xfrm>
@@ -7628,9 +7982,9 @@
               <a:gdLst/>
               <a:ahLst/>
               <a:cxnLst/>
-              <a:rect r="r" b="b" t="t" l="l"/>
+              <a:rect l="l" t="t" r="r" b="b"/>
               <a:pathLst>
-                <a:path h="640588" w="220980">
+                <a:path w="220980" h="640588">
                   <a:moveTo>
                     <a:pt x="0" y="110490"/>
                   </a:moveTo>
@@ -7665,16 +8019,23 @@
               <a:srgbClr val="B5E3D8"/>
             </a:solidFill>
           </p:spPr>
+          <p:txBody>
+            <a:bodyPr/>
+            <a:lstStyle/>
+            <a:p>
+              <a:endParaRPr lang="ko-KR" altLang="en-US"/>
+            </a:p>
+          </p:txBody>
         </p:sp>
       </p:grpSp>
       <p:sp>
         <p:nvSpPr>
-          <p:cNvPr name="TextBox 15" id="15"/>
-          <p:cNvSpPr txBox="true"/>
+          <p:cNvPr id="15" name="TextBox 15"/>
+          <p:cNvSpPr txBox="1"/>
           <p:nvPr/>
         </p:nvSpPr>
         <p:spPr>
-          <a:xfrm rot="0">
+          <a:xfrm>
             <a:off x="10229563" y="2884937"/>
             <a:ext cx="1027384" cy="629793"/>
           </a:xfrm>
@@ -7683,7 +8044,7 @@
           </a:prstGeom>
         </p:spPr>
         <p:txBody>
-          <a:bodyPr anchor="t" rtlCol="false" tIns="0" lIns="0" bIns="0" rIns="0">
+          <a:bodyPr lIns="0" tIns="0" rIns="0" bIns="0" rtlCol="0" anchor="t">
             <a:spAutoFit/>
           </a:bodyPr>
           <a:lstStyle/>
@@ -7707,12 +8068,12 @@
       </p:sp>
       <p:grpSp>
         <p:nvGrpSpPr>
-          <p:cNvPr name="Group 16" id="16"/>
+          <p:cNvPr id="16" name="Group 16"/>
           <p:cNvGrpSpPr/>
           <p:nvPr/>
         </p:nvGrpSpPr>
         <p:grpSpPr>
-          <a:xfrm rot="0">
+          <a:xfrm>
             <a:off x="9780268" y="3954833"/>
             <a:ext cx="165795" cy="480517"/>
             <a:chOff x="0" y="0"/>
@@ -7721,12 +8082,12 @@
         </p:grpSpPr>
         <p:sp>
           <p:nvSpPr>
-            <p:cNvPr name="Freeform 17" id="17"/>
+            <p:cNvPr id="17" name="Freeform 17"/>
             <p:cNvSpPr/>
             <p:nvPr/>
           </p:nvSpPr>
           <p:spPr>
-            <a:xfrm flipH="false" flipV="false" rot="0">
+            <a:xfrm>
               <a:off x="0" y="0"/>
               <a:ext cx="220980" cy="640588"/>
             </a:xfrm>
@@ -7735,9 +8096,9 @@
               <a:gdLst/>
               <a:ahLst/>
               <a:cxnLst/>
-              <a:rect r="r" b="b" t="t" l="l"/>
+              <a:rect l="l" t="t" r="r" b="b"/>
               <a:pathLst>
-                <a:path h="640588" w="220980">
+                <a:path w="220980" h="640588">
                   <a:moveTo>
                     <a:pt x="0" y="110490"/>
                   </a:moveTo>
@@ -7772,16 +8133,23 @@
               <a:srgbClr val="B5E3D8"/>
             </a:solidFill>
           </p:spPr>
+          <p:txBody>
+            <a:bodyPr/>
+            <a:lstStyle/>
+            <a:p>
+              <a:endParaRPr lang="ko-KR" altLang="en-US"/>
+            </a:p>
+          </p:txBody>
         </p:sp>
       </p:grpSp>
       <p:sp>
         <p:nvSpPr>
-          <p:cNvPr name="TextBox 18" id="18"/>
-          <p:cNvSpPr txBox="true"/>
+          <p:cNvPr id="18" name="TextBox 18"/>
+          <p:cNvSpPr txBox="1"/>
           <p:nvPr/>
         </p:nvSpPr>
         <p:spPr>
-          <a:xfrm rot="0">
+          <a:xfrm>
             <a:off x="10041313" y="3977771"/>
             <a:ext cx="8056187" cy="457581"/>
           </a:xfrm>
@@ -7790,7 +8158,7 @@
           </a:prstGeom>
         </p:spPr>
         <p:txBody>
-          <a:bodyPr anchor="t" rtlCol="false" tIns="0" lIns="0" bIns="0" rIns="0">
+          <a:bodyPr lIns="0" tIns="0" rIns="0" bIns="0" rtlCol="0" anchor="t">
             <a:spAutoFit/>
           </a:bodyPr>
           <a:lstStyle/>
@@ -7815,12 +8183,12 @@
       </p:sp>
       <p:grpSp>
         <p:nvGrpSpPr>
-          <p:cNvPr name="Group 19" id="19"/>
+          <p:cNvPr id="19" name="Group 19"/>
           <p:cNvGrpSpPr/>
           <p:nvPr/>
         </p:nvGrpSpPr>
         <p:grpSpPr>
-          <a:xfrm rot="0">
+          <a:xfrm>
             <a:off x="9780268" y="4857429"/>
             <a:ext cx="7568105" cy="4876277"/>
             <a:chOff x="0" y="0"/>
@@ -7829,12 +8197,12 @@
         </p:grpSpPr>
         <p:sp>
           <p:nvSpPr>
-            <p:cNvPr name="Freeform 20" id="20"/>
+            <p:cNvPr id="20" name="Freeform 20"/>
             <p:cNvSpPr/>
             <p:nvPr/>
           </p:nvSpPr>
           <p:spPr>
-            <a:xfrm flipH="false" flipV="false" rot="0">
+            <a:xfrm>
               <a:off x="0" y="0"/>
               <a:ext cx="10090790" cy="6501738"/>
             </a:xfrm>
@@ -7843,9 +8211,9 @@
               <a:gdLst/>
               <a:ahLst/>
               <a:cxnLst/>
-              <a:rect r="r" b="b" t="t" l="l"/>
+              <a:rect l="l" t="t" r="r" b="b"/>
               <a:pathLst>
-                <a:path h="6501738" w="10090790">
+                <a:path w="10090790" h="6501738">
                   <a:moveTo>
                     <a:pt x="0" y="0"/>
                   </a:moveTo>
@@ -7866,11 +8234,18 @@
               <a:srgbClr val="ECEBF5"/>
             </a:solidFill>
           </p:spPr>
+          <p:txBody>
+            <a:bodyPr/>
+            <a:lstStyle/>
+            <a:p>
+              <a:endParaRPr lang="ko-KR" altLang="en-US"/>
+            </a:p>
+          </p:txBody>
         </p:sp>
         <p:sp>
           <p:nvSpPr>
-            <p:cNvPr name="TextBox 21" id="21"/>
-            <p:cNvSpPr txBox="true"/>
+            <p:cNvPr id="21" name="TextBox 21"/>
+            <p:cNvSpPr txBox="1"/>
             <p:nvPr/>
           </p:nvSpPr>
           <p:spPr>
@@ -7883,7 +8258,7 @@
             </a:prstGeom>
           </p:spPr>
           <p:txBody>
-            <a:bodyPr anchor="t" rtlCol="false" tIns="50800" lIns="50800" bIns="50800" rIns="50800"/>
+            <a:bodyPr lIns="50800" tIns="50800" rIns="50800" bIns="50800" rtlCol="0" anchor="t"/>
             <a:lstStyle/>
             <a:p>
               <a:pPr algn="l">
@@ -7891,6 +8266,7 @@
                   <a:spcPts val="6480"/>
                 </a:lnSpc>
               </a:pPr>
+              <a:endParaRPr/>
             </a:p>
             <a:p>
               <a:pPr algn="l">
@@ -7898,18 +8274,19 @@
                   <a:spcPts val="5759"/>
                 </a:lnSpc>
               </a:pPr>
+              <a:endParaRPr/>
             </a:p>
           </p:txBody>
         </p:sp>
       </p:grpSp>
       <p:sp>
         <p:nvSpPr>
-          <p:cNvPr name="TextBox 22" id="22"/>
-          <p:cNvSpPr txBox="true"/>
+          <p:cNvPr id="22" name="TextBox 22"/>
+          <p:cNvSpPr txBox="1"/>
           <p:nvPr/>
         </p:nvSpPr>
         <p:spPr>
-          <a:xfrm rot="0">
+          <a:xfrm>
             <a:off x="9506788" y="5639181"/>
             <a:ext cx="7772687" cy="3666744"/>
           </a:xfrm>
@@ -7918,12 +8295,12 @@
           </a:prstGeom>
         </p:spPr>
         <p:txBody>
-          <a:bodyPr anchor="t" rtlCol="false" tIns="0" lIns="0" bIns="0" rIns="0">
+          <a:bodyPr lIns="0" tIns="0" rIns="0" bIns="0" rtlCol="0" anchor="t">
             <a:spAutoFit/>
           </a:bodyPr>
           <a:lstStyle/>
           <a:p>
-            <a:pPr marL="680085" indent="-340042" lvl="1">
+            <a:pPr marL="680085" lvl="1" indent="-340042">
               <a:lnSpc>
                 <a:spcPts val="4158"/>
               </a:lnSpc>
@@ -7947,9 +8324,16 @@
                 <a:spcPts val="4158"/>
               </a:lnSpc>
             </a:pPr>
-          </a:p>
-          <a:p>
-            <a:pPr marL="680085" indent="-340042" lvl="1">
+            <a:endParaRPr lang="en-US" sz="3150" spc="-245">
+              <a:solidFill>
+                <a:srgbClr val="1F4E79"/>
+              </a:solidFill>
+              <a:latin typeface="TT Rounds Condensed"/>
+              <a:ea typeface="TT Rounds Condensed"/>
+            </a:endParaRPr>
+          </a:p>
+          <a:p>
+            <a:pPr marL="680085" lvl="1" indent="-340042">
               <a:lnSpc>
                 <a:spcPts val="4158"/>
               </a:lnSpc>
@@ -7982,9 +8366,16 @@
                 <a:spcPts val="4158"/>
               </a:lnSpc>
             </a:pPr>
-          </a:p>
-          <a:p>
-            <a:pPr marL="680085" indent="-340042" lvl="1">
+            <a:endParaRPr lang="en-US" sz="3150" spc="-245">
+              <a:solidFill>
+                <a:srgbClr val="1F4E79"/>
+              </a:solidFill>
+              <a:latin typeface="TT Rounds Condensed"/>
+              <a:ea typeface="TT Rounds Condensed"/>
+            </a:endParaRPr>
+          </a:p>
+          <a:p>
+            <a:pPr marL="680085" lvl="1" indent="-340042">
               <a:lnSpc>
                 <a:spcPts val="4158"/>
               </a:lnSpc>
@@ -8008,17 +8399,24 @@
                 <a:spcPts val="4158"/>
               </a:lnSpc>
             </a:pPr>
+            <a:endParaRPr lang="en-US" sz="3150" spc="-245">
+              <a:solidFill>
+                <a:srgbClr val="1F4E79"/>
+              </a:solidFill>
+              <a:latin typeface="TT Rounds Condensed"/>
+              <a:ea typeface="TT Rounds Condensed"/>
+            </a:endParaRPr>
           </a:p>
         </p:txBody>
       </p:sp>
       <p:grpSp>
         <p:nvGrpSpPr>
-          <p:cNvPr name="Group 23" id="23"/>
+          <p:cNvPr id="23" name="Group 23"/>
           <p:cNvGrpSpPr/>
           <p:nvPr/>
         </p:nvGrpSpPr>
         <p:grpSpPr>
-          <a:xfrm rot="0">
+          <a:xfrm>
             <a:off x="933889" y="4857429"/>
             <a:ext cx="7568105" cy="4876277"/>
             <a:chOff x="0" y="0"/>
@@ -8027,12 +8425,12 @@
         </p:grpSpPr>
         <p:sp>
           <p:nvSpPr>
-            <p:cNvPr name="Freeform 24" id="24"/>
+            <p:cNvPr id="24" name="Freeform 24"/>
             <p:cNvSpPr/>
             <p:nvPr/>
           </p:nvSpPr>
           <p:spPr>
-            <a:xfrm flipH="false" flipV="false" rot="0">
+            <a:xfrm>
               <a:off x="0" y="0"/>
               <a:ext cx="10090790" cy="6501738"/>
             </a:xfrm>
@@ -8041,9 +8439,9 @@
               <a:gdLst/>
               <a:ahLst/>
               <a:cxnLst/>
-              <a:rect r="r" b="b" t="t" l="l"/>
+              <a:rect l="l" t="t" r="r" b="b"/>
               <a:pathLst>
-                <a:path h="6501738" w="10090790">
+                <a:path w="10090790" h="6501738">
                   <a:moveTo>
                     <a:pt x="0" y="0"/>
                   </a:moveTo>
@@ -8064,11 +8462,18 @@
               <a:srgbClr val="ECEBF5"/>
             </a:solidFill>
           </p:spPr>
+          <p:txBody>
+            <a:bodyPr/>
+            <a:lstStyle/>
+            <a:p>
+              <a:endParaRPr lang="ko-KR" altLang="en-US"/>
+            </a:p>
+          </p:txBody>
         </p:sp>
         <p:sp>
           <p:nvSpPr>
-            <p:cNvPr name="TextBox 25" id="25"/>
-            <p:cNvSpPr txBox="true"/>
+            <p:cNvPr id="25" name="TextBox 25"/>
+            <p:cNvSpPr txBox="1"/>
             <p:nvPr/>
           </p:nvSpPr>
           <p:spPr>
@@ -8081,7 +8486,7 @@
             </a:prstGeom>
           </p:spPr>
           <p:txBody>
-            <a:bodyPr anchor="t" rtlCol="false" tIns="50800" lIns="50800" bIns="50800" rIns="50800"/>
+            <a:bodyPr lIns="50800" tIns="50800" rIns="50800" bIns="50800" rtlCol="0" anchor="t"/>
             <a:lstStyle/>
             <a:p>
               <a:pPr algn="l">
@@ -8089,6 +8494,7 @@
                   <a:spcPts val="6480"/>
                 </a:lnSpc>
               </a:pPr>
+              <a:endParaRPr/>
             </a:p>
             <a:p>
               <a:pPr algn="l">
@@ -8096,18 +8502,19 @@
                   <a:spcPts val="5759"/>
                 </a:lnSpc>
               </a:pPr>
+              <a:endParaRPr/>
             </a:p>
           </p:txBody>
         </p:sp>
       </p:grpSp>
       <p:sp>
         <p:nvSpPr>
-          <p:cNvPr name="TextBox 26" id="26"/>
-          <p:cNvSpPr txBox="true"/>
+          <p:cNvPr id="26" name="TextBox 26"/>
+          <p:cNvSpPr txBox="1"/>
           <p:nvPr/>
         </p:nvSpPr>
         <p:spPr>
-          <a:xfrm rot="0">
+          <a:xfrm>
             <a:off x="729307" y="5067300"/>
             <a:ext cx="7772687" cy="4968240"/>
           </a:xfrm>
@@ -8116,12 +8523,12 @@
           </a:prstGeom>
         </p:spPr>
         <p:txBody>
-          <a:bodyPr anchor="t" rtlCol="false" tIns="0" lIns="0" bIns="0" rIns="0">
+          <a:bodyPr lIns="0" tIns="0" rIns="0" bIns="0" rtlCol="0" anchor="t">
             <a:spAutoFit/>
           </a:bodyPr>
           <a:lstStyle/>
           <a:p>
-            <a:pPr marL="680085" indent="-340042" lvl="1">
+            <a:pPr marL="680085" lvl="1" indent="-340042">
               <a:lnSpc>
                 <a:spcPts val="4409"/>
               </a:lnSpc>
@@ -8145,9 +8552,16 @@
                 <a:spcPts val="4409"/>
               </a:lnSpc>
             </a:pPr>
-          </a:p>
-          <a:p>
-            <a:pPr marL="680085" indent="-340042" lvl="1">
+            <a:endParaRPr lang="en-US" sz="3150" spc="-245">
+              <a:solidFill>
+                <a:srgbClr val="1F4E79"/>
+              </a:solidFill>
+              <a:latin typeface="TT Rounds Condensed"/>
+              <a:ea typeface="TT Rounds Condensed"/>
+            </a:endParaRPr>
+          </a:p>
+          <a:p>
+            <a:pPr marL="680085" lvl="1" indent="-340042">
               <a:lnSpc>
                 <a:spcPts val="4409"/>
               </a:lnSpc>
@@ -8171,9 +8585,16 @@
                 <a:spcPts val="4409"/>
               </a:lnSpc>
             </a:pPr>
-          </a:p>
-          <a:p>
-            <a:pPr marL="680085" indent="-340042" lvl="1">
+            <a:endParaRPr lang="en-US" sz="3150" spc="-245">
+              <a:solidFill>
+                <a:srgbClr val="1F4E79"/>
+              </a:solidFill>
+              <a:latin typeface="TT Rounds Condensed"/>
+              <a:ea typeface="TT Rounds Condensed"/>
+            </a:endParaRPr>
+          </a:p>
+          <a:p>
+            <a:pPr marL="680085" lvl="1" indent="-340042">
               <a:lnSpc>
                 <a:spcPts val="4409"/>
               </a:lnSpc>
@@ -8197,6 +8618,13 @@
                 <a:spcPts val="4409"/>
               </a:lnSpc>
             </a:pPr>
+            <a:endParaRPr lang="en-US" sz="3150" spc="-245">
+              <a:solidFill>
+                <a:srgbClr val="1F4E79"/>
+              </a:solidFill>
+              <a:latin typeface="TT Rounds Condensed"/>
+              <a:ea typeface="TT Rounds Condensed"/>
+            </a:endParaRPr>
           </a:p>
         </p:txBody>
       </p:sp>
@@ -8209,7 +8637,7 @@
 </file>
 
 <file path=ppt/slides/slide4.xml><?xml version="1.0" encoding="utf-8"?>
-<p:sld xmlns:p="http://schemas.openxmlformats.org/presentationml/2006/main" xmlns:a="http://schemas.openxmlformats.org/drawingml/2006/main" xmlns:r="http://schemas.openxmlformats.org/officeDocument/2006/relationships">
+<p:sld xmlns:a="http://schemas.openxmlformats.org/drawingml/2006/main" xmlns:r="http://schemas.openxmlformats.org/officeDocument/2006/relationships" xmlns:p="http://schemas.openxmlformats.org/presentationml/2006/main">
   <p:cSld>
     <p:spTree>
       <p:nvGrpSpPr>
@@ -8227,12 +8655,12 @@
       </p:grpSpPr>
       <p:sp>
         <p:nvSpPr>
-          <p:cNvPr name="Freeform 2" id="2"/>
+          <p:cNvPr id="2" name="Freeform 2"/>
           <p:cNvSpPr/>
           <p:nvPr/>
         </p:nvSpPr>
         <p:spPr>
-          <a:xfrm flipH="false" flipV="false" rot="0">
+          <a:xfrm>
             <a:off x="0" y="0"/>
             <a:ext cx="18288000" cy="10287000"/>
           </a:xfrm>
@@ -8241,9 +8669,9 @@
             <a:gdLst/>
             <a:ahLst/>
             <a:cxnLst/>
-            <a:rect r="r" b="b" t="t" l="l"/>
+            <a:rect l="l" t="t" r="r" b="b"/>
             <a:pathLst>
-              <a:path h="10287000" w="18288000">
+              <a:path w="18288000" h="10287000">
                 <a:moveTo>
                   <a:pt x="0" y="0"/>
                 </a:moveTo>
@@ -8266,19 +8694,26 @@
           <a:blipFill>
             <a:blip r:embed="rId2"/>
             <a:stretch>
-              <a:fillRect l="0" t="0" r="0" b="0"/>
+              <a:fillRect/>
             </a:stretch>
           </a:blipFill>
         </p:spPr>
+        <p:txBody>
+          <a:bodyPr/>
+          <a:lstStyle/>
+          <a:p>
+            <a:endParaRPr lang="ko-KR" altLang="en-US"/>
+          </a:p>
+        </p:txBody>
       </p:sp>
       <p:grpSp>
         <p:nvGrpSpPr>
-          <p:cNvPr name="Group 3" id="3"/>
+          <p:cNvPr id="3" name="Group 3"/>
           <p:cNvGrpSpPr/>
           <p:nvPr/>
         </p:nvGrpSpPr>
         <p:grpSpPr>
-          <a:xfrm rot="0">
+          <a:xfrm>
             <a:off x="0" y="2044641"/>
             <a:ext cx="18288000" cy="8894741"/>
             <a:chOff x="0" y="0"/>
@@ -8287,12 +8722,12 @@
         </p:grpSpPr>
         <p:sp>
           <p:nvSpPr>
-            <p:cNvPr name="Freeform 4" id="4"/>
+            <p:cNvPr id="4" name="Freeform 4"/>
             <p:cNvSpPr/>
             <p:nvPr/>
           </p:nvSpPr>
           <p:spPr>
-            <a:xfrm flipH="false" flipV="false" rot="0">
+            <a:xfrm>
               <a:off x="0" y="0"/>
               <a:ext cx="24384000" cy="11859628"/>
             </a:xfrm>
@@ -8301,9 +8736,9 @@
               <a:gdLst/>
               <a:ahLst/>
               <a:cxnLst/>
-              <a:rect r="r" b="b" t="t" l="l"/>
+              <a:rect l="l" t="t" r="r" b="b"/>
               <a:pathLst>
-                <a:path h="11859628" w="24384000">
+                <a:path w="24384000" h="11859628">
                   <a:moveTo>
                     <a:pt x="0" y="0"/>
                   </a:moveTo>
@@ -8324,16 +8759,23 @@
               <a:srgbClr val="FAFAFD"/>
             </a:solidFill>
           </p:spPr>
+          <p:txBody>
+            <a:bodyPr/>
+            <a:lstStyle/>
+            <a:p>
+              <a:endParaRPr lang="ko-KR" altLang="en-US"/>
+            </a:p>
+          </p:txBody>
         </p:sp>
       </p:grpSp>
       <p:sp>
         <p:nvSpPr>
-          <p:cNvPr name="Freeform 5" id="5"/>
+          <p:cNvPr id="5" name="Freeform 5"/>
           <p:cNvSpPr/>
           <p:nvPr/>
         </p:nvSpPr>
         <p:spPr>
-          <a:xfrm flipH="false" flipV="false" rot="0">
+          <a:xfrm>
             <a:off x="0" y="0"/>
             <a:ext cx="18288000" cy="978185"/>
           </a:xfrm>
@@ -8342,9 +8784,9 @@
             <a:gdLst/>
             <a:ahLst/>
             <a:cxnLst/>
-            <a:rect r="r" b="b" t="t" l="l"/>
+            <a:rect l="l" t="t" r="r" b="b"/>
             <a:pathLst>
-              <a:path h="978185" w="18288000">
+              <a:path w="18288000" h="978185">
                 <a:moveTo>
                   <a:pt x="0" y="0"/>
                 </a:moveTo>
@@ -8367,19 +8809,26 @@
           <a:blipFill>
             <a:blip r:embed="rId3"/>
             <a:stretch>
-              <a:fillRect l="0" t="0" r="0" b="0"/>
+              <a:fillRect/>
             </a:stretch>
           </a:blipFill>
         </p:spPr>
-      </p:sp>
-      <p:sp>
-        <p:nvSpPr>
-          <p:cNvPr name="TextBox 6" id="6"/>
-          <p:cNvSpPr txBox="true"/>
+        <p:txBody>
+          <a:bodyPr/>
+          <a:lstStyle/>
+          <a:p>
+            <a:endParaRPr lang="ko-KR" altLang="en-US"/>
+          </a:p>
+        </p:txBody>
+      </p:sp>
+      <p:sp>
+        <p:nvSpPr>
+          <p:cNvPr id="6" name="TextBox 6"/>
+          <p:cNvSpPr txBox="1"/>
           <p:nvPr/>
         </p:nvSpPr>
         <p:spPr>
-          <a:xfrm rot="0">
+          <a:xfrm>
             <a:off x="814197" y="1329215"/>
             <a:ext cx="3900964" cy="673227"/>
           </a:xfrm>
@@ -8388,7 +8837,7 @@
           </a:prstGeom>
         </p:spPr>
         <p:txBody>
-          <a:bodyPr anchor="t" rtlCol="false" tIns="0" lIns="0" bIns="0" rIns="0">
+          <a:bodyPr lIns="0" tIns="0" rIns="0" bIns="0" rtlCol="0" anchor="t">
             <a:spAutoFit/>
           </a:bodyPr>
           <a:lstStyle/>
@@ -8412,12 +8861,12 @@
       </p:sp>
       <p:grpSp>
         <p:nvGrpSpPr>
-          <p:cNvPr name="Group 7" id="7"/>
+          <p:cNvPr id="7" name="Group 7"/>
           <p:cNvGrpSpPr/>
           <p:nvPr/>
         </p:nvGrpSpPr>
         <p:grpSpPr>
-          <a:xfrm rot="0">
+          <a:xfrm>
             <a:off x="1028700" y="2297716"/>
             <a:ext cx="165795" cy="480517"/>
             <a:chOff x="0" y="0"/>
@@ -8426,12 +8875,12 @@
         </p:grpSpPr>
         <p:sp>
           <p:nvSpPr>
-            <p:cNvPr name="Freeform 8" id="8"/>
+            <p:cNvPr id="8" name="Freeform 8"/>
             <p:cNvSpPr/>
             <p:nvPr/>
           </p:nvSpPr>
           <p:spPr>
-            <a:xfrm flipH="false" flipV="false" rot="0">
+            <a:xfrm>
               <a:off x="0" y="0"/>
               <a:ext cx="220980" cy="640588"/>
             </a:xfrm>
@@ -8440,9 +8889,9 @@
               <a:gdLst/>
               <a:ahLst/>
               <a:cxnLst/>
-              <a:rect r="r" b="b" t="t" l="l"/>
+              <a:rect l="l" t="t" r="r" b="b"/>
               <a:pathLst>
-                <a:path h="640588" w="220980">
+                <a:path w="220980" h="640588">
                   <a:moveTo>
                     <a:pt x="0" y="110490"/>
                   </a:moveTo>
@@ -8477,16 +8926,23 @@
               <a:srgbClr val="B5E3D8"/>
             </a:solidFill>
           </p:spPr>
+          <p:txBody>
+            <a:bodyPr/>
+            <a:lstStyle/>
+            <a:p>
+              <a:endParaRPr lang="ko-KR" altLang="en-US"/>
+            </a:p>
+          </p:txBody>
         </p:sp>
       </p:grpSp>
       <p:sp>
         <p:nvSpPr>
-          <p:cNvPr name="TextBox 9" id="9"/>
-          <p:cNvSpPr txBox="true"/>
+          <p:cNvPr id="9" name="TextBox 9"/>
+          <p:cNvSpPr txBox="1"/>
           <p:nvPr/>
         </p:nvSpPr>
         <p:spPr>
-          <a:xfrm rot="0">
+          <a:xfrm>
             <a:off x="1477995" y="2318708"/>
             <a:ext cx="14569210" cy="457581"/>
           </a:xfrm>
@@ -8495,7 +8951,7 @@
           </a:prstGeom>
         </p:spPr>
         <p:txBody>
-          <a:bodyPr anchor="t" rtlCol="false" tIns="0" lIns="0" bIns="0" rIns="0">
+          <a:bodyPr lIns="0" tIns="0" rIns="0" bIns="0" rtlCol="0" anchor="t">
             <a:spAutoFit/>
           </a:bodyPr>
           <a:lstStyle/>
@@ -8519,12 +8975,12 @@
       </p:sp>
       <p:grpSp>
         <p:nvGrpSpPr>
-          <p:cNvPr name="Group 10" id="10"/>
+          <p:cNvPr id="10" name="Group 10"/>
           <p:cNvGrpSpPr/>
           <p:nvPr/>
         </p:nvGrpSpPr>
         <p:grpSpPr>
-          <a:xfrm rot="0">
+          <a:xfrm>
             <a:off x="1028700" y="3056701"/>
             <a:ext cx="165795" cy="480517"/>
             <a:chOff x="0" y="0"/>
@@ -8533,12 +8989,12 @@
         </p:grpSpPr>
         <p:sp>
           <p:nvSpPr>
-            <p:cNvPr name="Freeform 11" id="11"/>
+            <p:cNvPr id="11" name="Freeform 11"/>
             <p:cNvSpPr/>
             <p:nvPr/>
           </p:nvSpPr>
           <p:spPr>
-            <a:xfrm flipH="false" flipV="false" rot="0">
+            <a:xfrm>
               <a:off x="0" y="0"/>
               <a:ext cx="220980" cy="640588"/>
             </a:xfrm>
@@ -8547,9 +9003,9 @@
               <a:gdLst/>
               <a:ahLst/>
               <a:cxnLst/>
-              <a:rect r="r" b="b" t="t" l="l"/>
+              <a:rect l="l" t="t" r="r" b="b"/>
               <a:pathLst>
-                <a:path h="640588" w="220980">
+                <a:path w="220980" h="640588">
                   <a:moveTo>
                     <a:pt x="0" y="110490"/>
                   </a:moveTo>
@@ -8584,16 +9040,23 @@
               <a:srgbClr val="B5E3D8"/>
             </a:solidFill>
           </p:spPr>
+          <p:txBody>
+            <a:bodyPr/>
+            <a:lstStyle/>
+            <a:p>
+              <a:endParaRPr lang="ko-KR" altLang="en-US"/>
+            </a:p>
+          </p:txBody>
         </p:sp>
       </p:grpSp>
       <p:sp>
         <p:nvSpPr>
-          <p:cNvPr name="TextBox 12" id="12"/>
-          <p:cNvSpPr txBox="true"/>
+          <p:cNvPr id="12" name="TextBox 12"/>
+          <p:cNvSpPr txBox="1"/>
           <p:nvPr/>
         </p:nvSpPr>
         <p:spPr>
-          <a:xfrm rot="0">
+          <a:xfrm>
             <a:off x="1477995" y="3077693"/>
             <a:ext cx="14569210" cy="457581"/>
           </a:xfrm>
@@ -8602,7 +9065,7 @@
           </a:prstGeom>
         </p:spPr>
         <p:txBody>
-          <a:bodyPr anchor="t" rtlCol="false" tIns="0" lIns="0" bIns="0" rIns="0">
+          <a:bodyPr lIns="0" tIns="0" rIns="0" bIns="0" rtlCol="0" anchor="t">
             <a:spAutoFit/>
           </a:bodyPr>
           <a:lstStyle/>
@@ -8626,12 +9089,12 @@
       </p:sp>
       <p:grpSp>
         <p:nvGrpSpPr>
-          <p:cNvPr name="Group 13" id="13"/>
+          <p:cNvPr id="13" name="Group 13"/>
           <p:cNvGrpSpPr/>
           <p:nvPr/>
         </p:nvGrpSpPr>
         <p:grpSpPr>
-          <a:xfrm rot="0">
+          <a:xfrm>
             <a:off x="740609" y="3813443"/>
             <a:ext cx="7568105" cy="6190727"/>
             <a:chOff x="0" y="0"/>
@@ -8640,12 +9103,12 @@
         </p:grpSpPr>
         <p:sp>
           <p:nvSpPr>
-            <p:cNvPr name="Freeform 14" id="14"/>
+            <p:cNvPr id="14" name="Freeform 14"/>
             <p:cNvSpPr/>
             <p:nvPr/>
           </p:nvSpPr>
           <p:spPr>
-            <a:xfrm flipH="false" flipV="false" rot="0">
+            <a:xfrm>
               <a:off x="0" y="0"/>
               <a:ext cx="10090790" cy="8254338"/>
             </a:xfrm>
@@ -8654,9 +9117,9 @@
               <a:gdLst/>
               <a:ahLst/>
               <a:cxnLst/>
-              <a:rect r="r" b="b" t="t" l="l"/>
+              <a:rect l="l" t="t" r="r" b="b"/>
               <a:pathLst>
-                <a:path h="8254338" w="10090790">
+                <a:path w="10090790" h="8254338">
                   <a:moveTo>
                     <a:pt x="0" y="0"/>
                   </a:moveTo>
@@ -8677,11 +9140,18 @@
               <a:srgbClr val="ECEBF5"/>
             </a:solidFill>
           </p:spPr>
+          <p:txBody>
+            <a:bodyPr/>
+            <a:lstStyle/>
+            <a:p>
+              <a:endParaRPr lang="ko-KR" altLang="en-US"/>
+            </a:p>
+          </p:txBody>
         </p:sp>
         <p:sp>
           <p:nvSpPr>
-            <p:cNvPr name="TextBox 15" id="15"/>
-            <p:cNvSpPr txBox="true"/>
+            <p:cNvPr id="15" name="TextBox 15"/>
+            <p:cNvSpPr txBox="1"/>
             <p:nvPr/>
           </p:nvSpPr>
           <p:spPr>
@@ -8694,7 +9164,7 @@
             </a:prstGeom>
           </p:spPr>
           <p:txBody>
-            <a:bodyPr anchor="t" rtlCol="false" tIns="50800" lIns="50800" bIns="50800" rIns="50800"/>
+            <a:bodyPr lIns="50800" tIns="50800" rIns="50800" bIns="50800" rtlCol="0" anchor="t"/>
             <a:lstStyle/>
             <a:p>
               <a:pPr algn="l">
@@ -8702,6 +9172,7 @@
                   <a:spcPts val="6480"/>
                 </a:lnSpc>
               </a:pPr>
+              <a:endParaRPr/>
             </a:p>
             <a:p>
               <a:pPr algn="l">
@@ -8709,18 +9180,19 @@
                   <a:spcPts val="5759"/>
                 </a:lnSpc>
               </a:pPr>
+              <a:endParaRPr/>
             </a:p>
           </p:txBody>
         </p:sp>
       </p:grpSp>
       <p:sp>
         <p:nvSpPr>
-          <p:cNvPr name="TextBox 16" id="16"/>
-          <p:cNvSpPr txBox="true"/>
+          <p:cNvPr id="16" name="TextBox 16"/>
+          <p:cNvSpPr txBox="1"/>
           <p:nvPr/>
         </p:nvSpPr>
         <p:spPr>
-          <a:xfrm rot="0">
+          <a:xfrm>
             <a:off x="1003995" y="4174048"/>
             <a:ext cx="3520667" cy="457581"/>
           </a:xfrm>
@@ -8729,7 +9201,7 @@
           </a:prstGeom>
         </p:spPr>
         <p:txBody>
-          <a:bodyPr anchor="t" rtlCol="false" tIns="0" lIns="0" bIns="0" rIns="0">
+          <a:bodyPr lIns="0" tIns="0" rIns="0" bIns="0" rtlCol="0" anchor="t">
             <a:spAutoFit/>
           </a:bodyPr>
           <a:lstStyle/>
@@ -8754,12 +9226,12 @@
       </p:sp>
       <p:sp>
         <p:nvSpPr>
-          <p:cNvPr name="TextBox 17" id="17"/>
-          <p:cNvSpPr txBox="true"/>
+          <p:cNvPr id="17" name="TextBox 17"/>
+          <p:cNvSpPr txBox="1"/>
           <p:nvPr/>
         </p:nvSpPr>
         <p:spPr>
-          <a:xfrm rot="0">
+          <a:xfrm>
             <a:off x="1189904" y="4965163"/>
             <a:ext cx="5340391" cy="4743831"/>
           </a:xfrm>
@@ -8768,7 +9240,7 @@
           </a:prstGeom>
         </p:spPr>
         <p:txBody>
-          <a:bodyPr anchor="t" rtlCol="false" tIns="0" lIns="0" bIns="0" rIns="0">
+          <a:bodyPr lIns="0" tIns="0" rIns="0" bIns="0" rtlCol="0" anchor="t">
             <a:spAutoFit/>
           </a:bodyPr>
           <a:lstStyle/>
@@ -8795,6 +9267,13 @@
                 <a:spcPts val="3402"/>
               </a:lnSpc>
             </a:pPr>
+            <a:endParaRPr lang="en-US" sz="3150" spc="-245">
+              <a:solidFill>
+                <a:srgbClr val="1F4E79"/>
+              </a:solidFill>
+              <a:latin typeface="TT Rounds Condensed"/>
+              <a:ea typeface="TT Rounds Condensed"/>
+            </a:endParaRPr>
           </a:p>
           <a:p>
             <a:pPr>
@@ -8819,6 +9298,13 @@
                 <a:spcPts val="3402"/>
               </a:lnSpc>
             </a:pPr>
+            <a:endParaRPr lang="en-US" sz="3150" spc="-245">
+              <a:solidFill>
+                <a:srgbClr val="1F4E79"/>
+              </a:solidFill>
+              <a:latin typeface="TT Rounds Condensed"/>
+              <a:ea typeface="TT Rounds Condensed"/>
+            </a:endParaRPr>
           </a:p>
           <a:p>
             <a:pPr>
@@ -8843,6 +9329,13 @@
                 <a:spcPts val="3402"/>
               </a:lnSpc>
             </a:pPr>
+            <a:endParaRPr lang="en-US" sz="3150" spc="-245">
+              <a:solidFill>
+                <a:srgbClr val="1F4E79"/>
+              </a:solidFill>
+              <a:latin typeface="TT Rounds Condensed"/>
+              <a:ea typeface="TT Rounds Condensed"/>
+            </a:endParaRPr>
           </a:p>
           <a:p>
             <a:pPr>
@@ -8866,6 +9359,12 @@
                 <a:spcPts val="3402"/>
               </a:lnSpc>
             </a:pPr>
+            <a:endParaRPr lang="en-US" sz="3150" spc="-245">
+              <a:solidFill>
+                <a:srgbClr val="1F4E79"/>
+              </a:solidFill>
+              <a:ea typeface="TT Rounds Condensed"/>
+            </a:endParaRPr>
           </a:p>
           <a:p>
             <a:pPr>
@@ -8889,6 +9388,12 @@
                 <a:spcPts val="3402"/>
               </a:lnSpc>
             </a:pPr>
+            <a:endParaRPr lang="en-US" sz="3150" spc="-245">
+              <a:solidFill>
+                <a:srgbClr val="1F4E79"/>
+              </a:solidFill>
+              <a:ea typeface="TT Rounds Condensed"/>
+            </a:endParaRPr>
           </a:p>
           <a:p>
             <a:pPr algn="l">
@@ -8910,12 +9415,12 @@
       </p:sp>
       <p:grpSp>
         <p:nvGrpSpPr>
-          <p:cNvPr name="Group 18" id="18"/>
+          <p:cNvPr id="18" name="Group 18"/>
           <p:cNvGrpSpPr/>
           <p:nvPr/>
         </p:nvGrpSpPr>
         <p:grpSpPr>
-          <a:xfrm rot="0">
+          <a:xfrm>
             <a:off x="8762600" y="2297717"/>
             <a:ext cx="8888174" cy="7680427"/>
             <a:chOff x="0" y="0"/>
@@ -8924,12 +9429,12 @@
         </p:grpSpPr>
         <p:sp>
           <p:nvSpPr>
-            <p:cNvPr name="Freeform 19" id="19"/>
+            <p:cNvPr id="19" name="Freeform 19"/>
             <p:cNvSpPr/>
             <p:nvPr/>
           </p:nvSpPr>
           <p:spPr>
-            <a:xfrm flipH="false" flipV="false" rot="0">
+            <a:xfrm>
               <a:off x="0" y="0"/>
               <a:ext cx="11850879" cy="10240604"/>
             </a:xfrm>
@@ -8938,9 +9443,9 @@
               <a:gdLst/>
               <a:ahLst/>
               <a:cxnLst/>
-              <a:rect r="r" b="b" t="t" l="l"/>
+              <a:rect l="l" t="t" r="r" b="b"/>
               <a:pathLst>
-                <a:path h="10240604" w="11850879">
+                <a:path w="11850879" h="10240604">
                   <a:moveTo>
                     <a:pt x="0" y="0"/>
                   </a:moveTo>
@@ -8961,11 +9466,18 @@
               <a:srgbClr val="ECEBF5"/>
             </a:solidFill>
           </p:spPr>
+          <p:txBody>
+            <a:bodyPr/>
+            <a:lstStyle/>
+            <a:p>
+              <a:endParaRPr lang="ko-KR" altLang="en-US"/>
+            </a:p>
+          </p:txBody>
         </p:sp>
         <p:sp>
           <p:nvSpPr>
-            <p:cNvPr name="TextBox 20" id="20"/>
-            <p:cNvSpPr txBox="true"/>
+            <p:cNvPr id="20" name="TextBox 20"/>
+            <p:cNvSpPr txBox="1"/>
             <p:nvPr/>
           </p:nvSpPr>
           <p:spPr>
@@ -8978,7 +9490,7 @@
             </a:prstGeom>
           </p:spPr>
           <p:txBody>
-            <a:bodyPr anchor="t" rtlCol="false" tIns="50800" lIns="50800" bIns="50800" rIns="50800"/>
+            <a:bodyPr lIns="50800" tIns="50800" rIns="50800" bIns="50800" rtlCol="0" anchor="t"/>
             <a:lstStyle/>
             <a:p>
               <a:pPr algn="l">
@@ -8986,6 +9498,7 @@
                   <a:spcPts val="6480"/>
                 </a:lnSpc>
               </a:pPr>
+              <a:endParaRPr/>
             </a:p>
             <a:p>
               <a:pPr algn="l">
@@ -8993,18 +9506,19 @@
                   <a:spcPts val="5759"/>
                 </a:lnSpc>
               </a:pPr>
+              <a:endParaRPr/>
             </a:p>
           </p:txBody>
         </p:sp>
       </p:grpSp>
       <p:sp>
         <p:nvSpPr>
-          <p:cNvPr name="TextBox 21" id="21"/>
-          <p:cNvSpPr txBox="true"/>
+          <p:cNvPr id="21" name="TextBox 21"/>
+          <p:cNvSpPr txBox="1"/>
           <p:nvPr/>
         </p:nvSpPr>
         <p:spPr>
-          <a:xfrm rot="0">
+          <a:xfrm>
             <a:off x="9144000" y="2648686"/>
             <a:ext cx="3520667" cy="457581"/>
           </a:xfrm>
@@ -9013,7 +9527,7 @@
           </a:prstGeom>
         </p:spPr>
         <p:txBody>
-          <a:bodyPr anchor="t" rtlCol="false" tIns="0" lIns="0" bIns="0" rIns="0">
+          <a:bodyPr lIns="0" tIns="0" rIns="0" bIns="0" rtlCol="0" anchor="t">
             <a:spAutoFit/>
           </a:bodyPr>
           <a:lstStyle/>
@@ -9038,12 +9552,12 @@
       </p:sp>
       <p:sp>
         <p:nvSpPr>
-          <p:cNvPr name="TextBox 22" id="22"/>
-          <p:cNvSpPr txBox="true"/>
+          <p:cNvPr id="22" name="TextBox 22"/>
+          <p:cNvSpPr txBox="1"/>
           <p:nvPr/>
         </p:nvSpPr>
         <p:spPr>
-          <a:xfrm rot="0">
+          <a:xfrm>
             <a:off x="8878920" y="3341341"/>
             <a:ext cx="8655534" cy="6677025"/>
           </a:xfrm>
@@ -9052,12 +9566,12 @@
           </a:prstGeom>
         </p:spPr>
         <p:txBody>
-          <a:bodyPr anchor="t" rtlCol="false" tIns="0" lIns="0" bIns="0" rIns="0">
+          <a:bodyPr lIns="0" tIns="0" rIns="0" bIns="0" rtlCol="0" anchor="t">
             <a:spAutoFit/>
           </a:bodyPr>
           <a:lstStyle/>
           <a:p>
-            <a:pPr marL="680085" indent="-340042" lvl="1">
+            <a:pPr marL="680085" lvl="1" indent="-340042">
               <a:lnSpc>
                 <a:spcPts val="3779"/>
               </a:lnSpc>
@@ -9081,9 +9595,16 @@
                 <a:spcPts val="3779"/>
               </a:lnSpc>
             </a:pPr>
-          </a:p>
-          <a:p>
-            <a:pPr marL="680085" indent="-340042" lvl="1">
+            <a:endParaRPr lang="en-US" sz="3150" spc="-245">
+              <a:solidFill>
+                <a:srgbClr val="1F4E79"/>
+              </a:solidFill>
+              <a:latin typeface="TT Rounds Condensed"/>
+              <a:ea typeface="TT Rounds Condensed"/>
+            </a:endParaRPr>
+          </a:p>
+          <a:p>
+            <a:pPr marL="680085" lvl="1" indent="-340042">
               <a:lnSpc>
                 <a:spcPts val="3779"/>
               </a:lnSpc>
@@ -9107,9 +9628,16 @@
                 <a:spcPts val="3779"/>
               </a:lnSpc>
             </a:pPr>
-          </a:p>
-          <a:p>
-            <a:pPr marL="680085" indent="-340042" lvl="1">
+            <a:endParaRPr lang="en-US" sz="3150" spc="-245">
+              <a:solidFill>
+                <a:srgbClr val="1F4E79"/>
+              </a:solidFill>
+              <a:latin typeface="TT Rounds Condensed"/>
+              <a:ea typeface="TT Rounds Condensed"/>
+            </a:endParaRPr>
+          </a:p>
+          <a:p>
+            <a:pPr marL="680085" lvl="1" indent="-340042">
               <a:lnSpc>
                 <a:spcPts val="3779"/>
               </a:lnSpc>
@@ -9133,9 +9661,16 @@
                 <a:spcPts val="3779"/>
               </a:lnSpc>
             </a:pPr>
-          </a:p>
-          <a:p>
-            <a:pPr marL="680085" indent="-340042" lvl="1">
+            <a:endParaRPr lang="en-US" sz="3150" spc="-245">
+              <a:solidFill>
+                <a:srgbClr val="1F4E79"/>
+              </a:solidFill>
+              <a:latin typeface="TT Rounds Condensed"/>
+              <a:ea typeface="TT Rounds Condensed"/>
+            </a:endParaRPr>
+          </a:p>
+          <a:p>
+            <a:pPr marL="680085" lvl="1" indent="-340042">
               <a:lnSpc>
                 <a:spcPts val="3779"/>
               </a:lnSpc>
@@ -9159,6 +9694,13 @@
                 <a:spcPts val="3779"/>
               </a:lnSpc>
             </a:pPr>
+            <a:endParaRPr lang="en-US" sz="3150" spc="-245">
+              <a:solidFill>
+                <a:srgbClr val="1F4E79"/>
+              </a:solidFill>
+              <a:latin typeface="TT Rounds Condensed"/>
+              <a:ea typeface="TT Rounds Condensed"/>
+            </a:endParaRPr>
           </a:p>
         </p:txBody>
       </p:sp>
@@ -9171,7 +9713,7 @@
 </file>
 
 <file path=ppt/slides/slide5.xml><?xml version="1.0" encoding="utf-8"?>
-<p:sld xmlns:p="http://schemas.openxmlformats.org/presentationml/2006/main" xmlns:a="http://schemas.openxmlformats.org/drawingml/2006/main" xmlns:r="http://schemas.openxmlformats.org/officeDocument/2006/relationships">
+<p:sld xmlns:a="http://schemas.openxmlformats.org/drawingml/2006/main" xmlns:r="http://schemas.openxmlformats.org/officeDocument/2006/relationships" xmlns:p="http://schemas.openxmlformats.org/presentationml/2006/main">
   <p:cSld>
     <p:spTree>
       <p:nvGrpSpPr>
@@ -9189,12 +9731,12 @@
       </p:grpSpPr>
       <p:sp>
         <p:nvSpPr>
-          <p:cNvPr name="Freeform 2" id="2"/>
+          <p:cNvPr id="2" name="Freeform 2"/>
           <p:cNvSpPr/>
           <p:nvPr/>
         </p:nvSpPr>
         <p:spPr>
-          <a:xfrm flipH="false" flipV="false" rot="0">
+          <a:xfrm>
             <a:off x="0" y="0"/>
             <a:ext cx="18288000" cy="10287000"/>
           </a:xfrm>
@@ -9203,9 +9745,9 @@
             <a:gdLst/>
             <a:ahLst/>
             <a:cxnLst/>
-            <a:rect r="r" b="b" t="t" l="l"/>
+            <a:rect l="l" t="t" r="r" b="b"/>
             <a:pathLst>
-              <a:path h="10287000" w="18288000">
+              <a:path w="18288000" h="10287000">
                 <a:moveTo>
                   <a:pt x="0" y="0"/>
                 </a:moveTo>
@@ -9228,19 +9770,26 @@
           <a:blipFill>
             <a:blip r:embed="rId2"/>
             <a:stretch>
-              <a:fillRect l="0" t="0" r="0" b="0"/>
+              <a:fillRect/>
             </a:stretch>
           </a:blipFill>
         </p:spPr>
+        <p:txBody>
+          <a:bodyPr/>
+          <a:lstStyle/>
+          <a:p>
+            <a:endParaRPr lang="ko-KR" altLang="en-US"/>
+          </a:p>
+        </p:txBody>
       </p:sp>
       <p:grpSp>
         <p:nvGrpSpPr>
-          <p:cNvPr name="Group 3" id="3"/>
+          <p:cNvPr id="3" name="Group 3"/>
           <p:cNvGrpSpPr/>
           <p:nvPr/>
         </p:nvGrpSpPr>
         <p:grpSpPr>
-          <a:xfrm rot="0">
+          <a:xfrm>
             <a:off x="0" y="2044641"/>
             <a:ext cx="18288000" cy="8894741"/>
             <a:chOff x="0" y="0"/>
@@ -9249,12 +9798,12 @@
         </p:grpSpPr>
         <p:sp>
           <p:nvSpPr>
-            <p:cNvPr name="Freeform 4" id="4"/>
+            <p:cNvPr id="4" name="Freeform 4"/>
             <p:cNvSpPr/>
             <p:nvPr/>
           </p:nvSpPr>
           <p:spPr>
-            <a:xfrm flipH="false" flipV="false" rot="0">
+            <a:xfrm>
               <a:off x="0" y="0"/>
               <a:ext cx="24384000" cy="11859628"/>
             </a:xfrm>
@@ -9263,9 +9812,9 @@
               <a:gdLst/>
               <a:ahLst/>
               <a:cxnLst/>
-              <a:rect r="r" b="b" t="t" l="l"/>
+              <a:rect l="l" t="t" r="r" b="b"/>
               <a:pathLst>
-                <a:path h="11859628" w="24384000">
+                <a:path w="24384000" h="11859628">
                   <a:moveTo>
                     <a:pt x="0" y="0"/>
                   </a:moveTo>
@@ -9286,16 +9835,23 @@
               <a:srgbClr val="FAFAFD"/>
             </a:solidFill>
           </p:spPr>
+          <p:txBody>
+            <a:bodyPr/>
+            <a:lstStyle/>
+            <a:p>
+              <a:endParaRPr lang="ko-KR" altLang="en-US"/>
+            </a:p>
+          </p:txBody>
         </p:sp>
       </p:grpSp>
       <p:sp>
         <p:nvSpPr>
-          <p:cNvPr name="Freeform 5" id="5"/>
+          <p:cNvPr id="5" name="Freeform 5"/>
           <p:cNvSpPr/>
           <p:nvPr/>
         </p:nvSpPr>
         <p:spPr>
-          <a:xfrm flipH="false" flipV="false" rot="0">
+          <a:xfrm>
             <a:off x="0" y="0"/>
             <a:ext cx="18288000" cy="978185"/>
           </a:xfrm>
@@ -9304,9 +9860,9 @@
             <a:gdLst/>
             <a:ahLst/>
             <a:cxnLst/>
-            <a:rect r="r" b="b" t="t" l="l"/>
+            <a:rect l="l" t="t" r="r" b="b"/>
             <a:pathLst>
-              <a:path h="978185" w="18288000">
+              <a:path w="18288000" h="978185">
                 <a:moveTo>
                   <a:pt x="0" y="0"/>
                 </a:moveTo>
@@ -9329,19 +9885,26 @@
           <a:blipFill>
             <a:blip r:embed="rId3"/>
             <a:stretch>
-              <a:fillRect l="0" t="0" r="0" b="0"/>
+              <a:fillRect/>
             </a:stretch>
           </a:blipFill>
         </p:spPr>
-      </p:sp>
-      <p:sp>
-        <p:nvSpPr>
-          <p:cNvPr name="TextBox 6" id="6"/>
-          <p:cNvSpPr txBox="true"/>
+        <p:txBody>
+          <a:bodyPr/>
+          <a:lstStyle/>
+          <a:p>
+            <a:endParaRPr lang="ko-KR" altLang="en-US"/>
+          </a:p>
+        </p:txBody>
+      </p:sp>
+      <p:sp>
+        <p:nvSpPr>
+          <p:cNvPr id="6" name="TextBox 6"/>
+          <p:cNvSpPr txBox="1"/>
           <p:nvPr/>
         </p:nvSpPr>
         <p:spPr>
-          <a:xfrm rot="0">
+          <a:xfrm>
             <a:off x="814197" y="1329215"/>
             <a:ext cx="3900964" cy="673227"/>
           </a:xfrm>
@@ -9350,7 +9913,7 @@
           </a:prstGeom>
         </p:spPr>
         <p:txBody>
-          <a:bodyPr anchor="t" rtlCol="false" tIns="0" lIns="0" bIns="0" rIns="0">
+          <a:bodyPr lIns="0" tIns="0" rIns="0" bIns="0" rtlCol="0" anchor="t">
             <a:spAutoFit/>
           </a:bodyPr>
           <a:lstStyle/>
@@ -9374,12 +9937,12 @@
       </p:sp>
       <p:grpSp>
         <p:nvGrpSpPr>
-          <p:cNvPr name="Group 7" id="7"/>
+          <p:cNvPr id="7" name="Group 7"/>
           <p:cNvGrpSpPr/>
           <p:nvPr/>
         </p:nvGrpSpPr>
         <p:grpSpPr>
-          <a:xfrm rot="0">
+          <a:xfrm>
             <a:off x="1028700" y="2297716"/>
             <a:ext cx="165795" cy="480517"/>
             <a:chOff x="0" y="0"/>
@@ -9388,12 +9951,12 @@
         </p:grpSpPr>
         <p:sp>
           <p:nvSpPr>
-            <p:cNvPr name="Freeform 8" id="8"/>
+            <p:cNvPr id="8" name="Freeform 8"/>
             <p:cNvSpPr/>
             <p:nvPr/>
           </p:nvSpPr>
           <p:spPr>
-            <a:xfrm flipH="false" flipV="false" rot="0">
+            <a:xfrm>
               <a:off x="0" y="0"/>
               <a:ext cx="220980" cy="640588"/>
             </a:xfrm>
@@ -9402,9 +9965,9 @@
               <a:gdLst/>
               <a:ahLst/>
               <a:cxnLst/>
-              <a:rect r="r" b="b" t="t" l="l"/>
+              <a:rect l="l" t="t" r="r" b="b"/>
               <a:pathLst>
-                <a:path h="640588" w="220980">
+                <a:path w="220980" h="640588">
                   <a:moveTo>
                     <a:pt x="0" y="110490"/>
                   </a:moveTo>
@@ -9439,16 +10002,23 @@
               <a:srgbClr val="B5E3D8"/>
             </a:solidFill>
           </p:spPr>
+          <p:txBody>
+            <a:bodyPr/>
+            <a:lstStyle/>
+            <a:p>
+              <a:endParaRPr lang="ko-KR" altLang="en-US"/>
+            </a:p>
+          </p:txBody>
         </p:sp>
       </p:grpSp>
       <p:sp>
         <p:nvSpPr>
-          <p:cNvPr name="TextBox 9" id="9"/>
-          <p:cNvSpPr txBox="true"/>
+          <p:cNvPr id="9" name="TextBox 9"/>
+          <p:cNvSpPr txBox="1"/>
           <p:nvPr/>
         </p:nvSpPr>
         <p:spPr>
-          <a:xfrm rot="0">
+          <a:xfrm>
             <a:off x="1477995" y="2318708"/>
             <a:ext cx="14569210" cy="457581"/>
           </a:xfrm>
@@ -9457,7 +10027,7 @@
           </a:prstGeom>
         </p:spPr>
         <p:txBody>
-          <a:bodyPr anchor="t" rtlCol="false" tIns="0" lIns="0" bIns="0" rIns="0">
+          <a:bodyPr lIns="0" tIns="0" rIns="0" bIns="0" rtlCol="0" anchor="t">
             <a:spAutoFit/>
           </a:bodyPr>
           <a:lstStyle/>
@@ -9481,12 +10051,12 @@
       </p:sp>
       <p:grpSp>
         <p:nvGrpSpPr>
-          <p:cNvPr name="Group 10" id="10"/>
+          <p:cNvPr id="10" name="Group 10"/>
           <p:cNvGrpSpPr/>
           <p:nvPr/>
         </p:nvGrpSpPr>
         <p:grpSpPr>
-          <a:xfrm rot="0">
+          <a:xfrm>
             <a:off x="1028700" y="3056701"/>
             <a:ext cx="165795" cy="480517"/>
             <a:chOff x="0" y="0"/>
@@ -9495,12 +10065,12 @@
         </p:grpSpPr>
         <p:sp>
           <p:nvSpPr>
-            <p:cNvPr name="Freeform 11" id="11"/>
+            <p:cNvPr id="11" name="Freeform 11"/>
             <p:cNvSpPr/>
             <p:nvPr/>
           </p:nvSpPr>
           <p:spPr>
-            <a:xfrm flipH="false" flipV="false" rot="0">
+            <a:xfrm>
               <a:off x="0" y="0"/>
               <a:ext cx="220980" cy="640588"/>
             </a:xfrm>
@@ -9509,9 +10079,9 @@
               <a:gdLst/>
               <a:ahLst/>
               <a:cxnLst/>
-              <a:rect r="r" b="b" t="t" l="l"/>
+              <a:rect l="l" t="t" r="r" b="b"/>
               <a:pathLst>
-                <a:path h="640588" w="220980">
+                <a:path w="220980" h="640588">
                   <a:moveTo>
                     <a:pt x="0" y="110490"/>
                   </a:moveTo>
@@ -9546,16 +10116,23 @@
               <a:srgbClr val="B5E3D8"/>
             </a:solidFill>
           </p:spPr>
+          <p:txBody>
+            <a:bodyPr/>
+            <a:lstStyle/>
+            <a:p>
+              <a:endParaRPr lang="ko-KR" altLang="en-US"/>
+            </a:p>
+          </p:txBody>
         </p:sp>
       </p:grpSp>
       <p:sp>
         <p:nvSpPr>
-          <p:cNvPr name="TextBox 12" id="12"/>
-          <p:cNvSpPr txBox="true"/>
+          <p:cNvPr id="12" name="TextBox 12"/>
+          <p:cNvSpPr txBox="1"/>
           <p:nvPr/>
         </p:nvSpPr>
         <p:spPr>
-          <a:xfrm rot="0">
+          <a:xfrm>
             <a:off x="1477995" y="3077693"/>
             <a:ext cx="6674479" cy="457581"/>
           </a:xfrm>
@@ -9564,7 +10141,7 @@
           </a:prstGeom>
         </p:spPr>
         <p:txBody>
-          <a:bodyPr anchor="t" rtlCol="false" tIns="0" lIns="0" bIns="0" rIns="0">
+          <a:bodyPr lIns="0" tIns="0" rIns="0" bIns="0" rtlCol="0" anchor="t">
             <a:spAutoFit/>
           </a:bodyPr>
           <a:lstStyle/>
@@ -9589,12 +10166,12 @@
       </p:sp>
       <p:grpSp>
         <p:nvGrpSpPr>
-          <p:cNvPr name="Group 13" id="13"/>
+          <p:cNvPr id="13" name="Group 13"/>
           <p:cNvGrpSpPr/>
           <p:nvPr/>
         </p:nvGrpSpPr>
         <p:grpSpPr>
-          <a:xfrm rot="0">
+          <a:xfrm>
             <a:off x="435809" y="3813443"/>
             <a:ext cx="17507842" cy="6190727"/>
             <a:chOff x="0" y="0"/>
@@ -9603,12 +10180,12 @@
         </p:grpSpPr>
         <p:sp>
           <p:nvSpPr>
-            <p:cNvPr name="Freeform 14" id="14"/>
+            <p:cNvPr id="14" name="Freeform 14"/>
             <p:cNvSpPr/>
             <p:nvPr/>
           </p:nvSpPr>
           <p:spPr>
-            <a:xfrm flipH="false" flipV="false" rot="0">
+            <a:xfrm>
               <a:off x="0" y="0"/>
               <a:ext cx="23343752" cy="8254338"/>
             </a:xfrm>
@@ -9617,9 +10194,9 @@
               <a:gdLst/>
               <a:ahLst/>
               <a:cxnLst/>
-              <a:rect r="r" b="b" t="t" l="l"/>
+              <a:rect l="l" t="t" r="r" b="b"/>
               <a:pathLst>
-                <a:path h="8254338" w="23343752">
+                <a:path w="23343752" h="8254338">
                   <a:moveTo>
                     <a:pt x="0" y="0"/>
                   </a:moveTo>
@@ -9640,11 +10217,18 @@
               <a:srgbClr val="ECEBF5"/>
             </a:solidFill>
           </p:spPr>
+          <p:txBody>
+            <a:bodyPr/>
+            <a:lstStyle/>
+            <a:p>
+              <a:endParaRPr lang="ko-KR" altLang="en-US"/>
+            </a:p>
+          </p:txBody>
         </p:sp>
         <p:sp>
           <p:nvSpPr>
-            <p:cNvPr name="TextBox 15" id="15"/>
-            <p:cNvSpPr txBox="true"/>
+            <p:cNvPr id="15" name="TextBox 15"/>
+            <p:cNvSpPr txBox="1"/>
             <p:nvPr/>
           </p:nvSpPr>
           <p:spPr>
@@ -9657,7 +10241,7 @@
             </a:prstGeom>
           </p:spPr>
           <p:txBody>
-            <a:bodyPr anchor="t" rtlCol="false" tIns="50800" lIns="50800" bIns="50800" rIns="50800"/>
+            <a:bodyPr lIns="50800" tIns="50800" rIns="50800" bIns="50800" rtlCol="0" anchor="t"/>
             <a:lstStyle/>
             <a:p>
               <a:pPr algn="l">
@@ -9665,6 +10249,7 @@
                   <a:spcPts val="6480"/>
                 </a:lnSpc>
               </a:pPr>
+              <a:endParaRPr/>
             </a:p>
             <a:p>
               <a:pPr algn="l">
@@ -9672,18 +10257,19 @@
                   <a:spcPts val="5759"/>
                 </a:lnSpc>
               </a:pPr>
+              <a:endParaRPr/>
             </a:p>
           </p:txBody>
         </p:sp>
       </p:grpSp>
       <p:sp>
         <p:nvSpPr>
-          <p:cNvPr name="TextBox 16" id="16"/>
-          <p:cNvSpPr txBox="true"/>
+          <p:cNvPr id="16" name="TextBox 16"/>
+          <p:cNvSpPr txBox="1"/>
           <p:nvPr/>
         </p:nvSpPr>
         <p:spPr>
-          <a:xfrm rot="0">
+          <a:xfrm>
             <a:off x="732254" y="4515231"/>
             <a:ext cx="17211397" cy="4743069"/>
           </a:xfrm>
@@ -9692,7 +10278,7 @@
           </a:prstGeom>
         </p:spPr>
         <p:txBody>
-          <a:bodyPr anchor="t" rtlCol="false" tIns="0" lIns="0" bIns="0" rIns="0">
+          <a:bodyPr lIns="0" tIns="0" rIns="0" bIns="0" rtlCol="0" anchor="t">
             <a:spAutoFit/>
           </a:bodyPr>
           <a:lstStyle/>
@@ -9719,6 +10305,13 @@
                 <a:spcPts val="4697"/>
               </a:lnSpc>
             </a:pPr>
+            <a:endParaRPr lang="en-US" sz="4349" spc="-339">
+              <a:solidFill>
+                <a:srgbClr val="1F4E79"/>
+              </a:solidFill>
+              <a:latin typeface="TT Rounds Condensed"/>
+              <a:ea typeface="TT Rounds Condensed"/>
+            </a:endParaRPr>
           </a:p>
           <a:p>
             <a:pPr>
@@ -9743,6 +10336,13 @@
                 <a:spcPts val="4697"/>
               </a:lnSpc>
             </a:pPr>
+            <a:endParaRPr lang="en-US" sz="4349" spc="-339">
+              <a:solidFill>
+                <a:srgbClr val="1F4E79"/>
+              </a:solidFill>
+              <a:latin typeface="TT Rounds Condensed"/>
+              <a:ea typeface="TT Rounds Condensed"/>
+            </a:endParaRPr>
           </a:p>
           <a:p>
             <a:pPr>
@@ -9767,6 +10367,13 @@
                 <a:spcPts val="4697"/>
               </a:lnSpc>
             </a:pPr>
+            <a:endParaRPr lang="en-US" sz="4349" spc="-339">
+              <a:solidFill>
+                <a:srgbClr val="1F4E79"/>
+              </a:solidFill>
+              <a:latin typeface="TT Rounds Condensed"/>
+              <a:ea typeface="TT Rounds Condensed"/>
+            </a:endParaRPr>
           </a:p>
           <a:p>
             <a:pPr algn="l">
@@ -9796,7 +10403,7 @@
 </file>
 
 <file path=ppt/slides/slide6.xml><?xml version="1.0" encoding="utf-8"?>
-<p:sld xmlns:p="http://schemas.openxmlformats.org/presentationml/2006/main" xmlns:a="http://schemas.openxmlformats.org/drawingml/2006/main" xmlns:r="http://schemas.openxmlformats.org/officeDocument/2006/relationships">
+<p:sld xmlns:a="http://schemas.openxmlformats.org/drawingml/2006/main" xmlns:r="http://schemas.openxmlformats.org/officeDocument/2006/relationships" xmlns:p="http://schemas.openxmlformats.org/presentationml/2006/main">
   <p:cSld>
     <p:spTree>
       <p:nvGrpSpPr>
@@ -9814,12 +10421,12 @@
       </p:grpSpPr>
       <p:sp>
         <p:nvSpPr>
-          <p:cNvPr name="Freeform 2" id="2"/>
+          <p:cNvPr id="2" name="Freeform 2"/>
           <p:cNvSpPr/>
           <p:nvPr/>
         </p:nvSpPr>
         <p:spPr>
-          <a:xfrm flipH="false" flipV="false" rot="0">
+          <a:xfrm>
             <a:off x="0" y="0"/>
             <a:ext cx="18288000" cy="10287000"/>
           </a:xfrm>
@@ -9828,9 +10435,9 @@
             <a:gdLst/>
             <a:ahLst/>
             <a:cxnLst/>
-            <a:rect r="r" b="b" t="t" l="l"/>
+            <a:rect l="l" t="t" r="r" b="b"/>
             <a:pathLst>
-              <a:path h="10287000" w="18288000">
+              <a:path w="18288000" h="10287000">
                 <a:moveTo>
                   <a:pt x="0" y="0"/>
                 </a:moveTo>
@@ -9853,19 +10460,26 @@
           <a:blipFill>
             <a:blip r:embed="rId2"/>
             <a:stretch>
-              <a:fillRect l="0" t="0" r="0" b="0"/>
+              <a:fillRect/>
             </a:stretch>
           </a:blipFill>
         </p:spPr>
+        <p:txBody>
+          <a:bodyPr/>
+          <a:lstStyle/>
+          <a:p>
+            <a:endParaRPr lang="ko-KR" altLang="en-US"/>
+          </a:p>
+        </p:txBody>
       </p:sp>
       <p:grpSp>
         <p:nvGrpSpPr>
-          <p:cNvPr name="Group 3" id="3"/>
+          <p:cNvPr id="3" name="Group 3"/>
           <p:cNvGrpSpPr/>
           <p:nvPr/>
         </p:nvGrpSpPr>
         <p:grpSpPr>
-          <a:xfrm rot="0">
+          <a:xfrm>
             <a:off x="0" y="2305699"/>
             <a:ext cx="18288000" cy="7981300"/>
             <a:chOff x="0" y="0"/>
@@ -9874,12 +10488,12 @@
         </p:grpSpPr>
         <p:sp>
           <p:nvSpPr>
-            <p:cNvPr name="Freeform 4" id="4"/>
+            <p:cNvPr id="4" name="Freeform 4"/>
             <p:cNvSpPr/>
             <p:nvPr/>
           </p:nvSpPr>
           <p:spPr>
-            <a:xfrm flipH="false" flipV="false" rot="0">
+            <a:xfrm>
               <a:off x="0" y="0"/>
               <a:ext cx="24384000" cy="10641711"/>
             </a:xfrm>
@@ -9888,9 +10502,9 @@
               <a:gdLst/>
               <a:ahLst/>
               <a:cxnLst/>
-              <a:rect r="r" b="b" t="t" l="l"/>
+              <a:rect l="l" t="t" r="r" b="b"/>
               <a:pathLst>
-                <a:path h="10641711" w="24384000">
+                <a:path w="24384000" h="10641711">
                   <a:moveTo>
                     <a:pt x="0" y="0"/>
                   </a:moveTo>
@@ -9911,16 +10525,23 @@
               <a:srgbClr val="FAFAFD"/>
             </a:solidFill>
           </p:spPr>
+          <p:txBody>
+            <a:bodyPr/>
+            <a:lstStyle/>
+            <a:p>
+              <a:endParaRPr lang="ko-KR" altLang="en-US"/>
+            </a:p>
+          </p:txBody>
         </p:sp>
       </p:grpSp>
       <p:grpSp>
         <p:nvGrpSpPr>
-          <p:cNvPr name="Group 5" id="5"/>
+          <p:cNvPr id="5" name="Group 5"/>
           <p:cNvGrpSpPr/>
           <p:nvPr/>
         </p:nvGrpSpPr>
         <p:grpSpPr>
-          <a:xfrm rot="0">
+          <a:xfrm>
             <a:off x="8709202" y="2521268"/>
             <a:ext cx="8035748" cy="7504674"/>
             <a:chOff x="0" y="0"/>
@@ -9929,12 +10550,12 @@
         </p:grpSpPr>
         <p:sp>
           <p:nvSpPr>
-            <p:cNvPr name="Freeform 6" id="6"/>
+            <p:cNvPr id="6" name="Freeform 6"/>
             <p:cNvSpPr/>
             <p:nvPr/>
           </p:nvSpPr>
           <p:spPr>
-            <a:xfrm flipH="false" flipV="false" rot="0">
+            <a:xfrm>
               <a:off x="0" y="0"/>
               <a:ext cx="10714313" cy="10006267"/>
             </a:xfrm>
@@ -9943,9 +10564,9 @@
               <a:gdLst/>
               <a:ahLst/>
               <a:cxnLst/>
-              <a:rect r="r" b="b" t="t" l="l"/>
+              <a:rect l="l" t="t" r="r" b="b"/>
               <a:pathLst>
-                <a:path h="10006267" w="10714313">
+                <a:path w="10714313" h="10006267">
                   <a:moveTo>
                     <a:pt x="0" y="0"/>
                   </a:moveTo>
@@ -9966,11 +10587,18 @@
               <a:srgbClr val="ECEBF5"/>
             </a:solidFill>
           </p:spPr>
+          <p:txBody>
+            <a:bodyPr/>
+            <a:lstStyle/>
+            <a:p>
+              <a:endParaRPr lang="ko-KR" altLang="en-US"/>
+            </a:p>
+          </p:txBody>
         </p:sp>
         <p:sp>
           <p:nvSpPr>
-            <p:cNvPr name="TextBox 7" id="7"/>
-            <p:cNvSpPr txBox="true"/>
+            <p:cNvPr id="7" name="TextBox 7"/>
+            <p:cNvSpPr txBox="1"/>
             <p:nvPr/>
           </p:nvSpPr>
           <p:spPr>
@@ -9983,7 +10611,7 @@
             </a:prstGeom>
           </p:spPr>
           <p:txBody>
-            <a:bodyPr anchor="t" rtlCol="false" tIns="50800" lIns="50800" bIns="50800" rIns="50800"/>
+            <a:bodyPr lIns="50800" tIns="50800" rIns="50800" bIns="50800" rtlCol="0" anchor="t"/>
             <a:lstStyle/>
             <a:p>
               <a:pPr algn="l">
@@ -9991,6 +10619,7 @@
                   <a:spcPts val="6480"/>
                 </a:lnSpc>
               </a:pPr>
+              <a:endParaRPr/>
             </a:p>
             <a:p>
               <a:pPr algn="l">
@@ -9998,18 +10627,19 @@
                   <a:spcPts val="5759"/>
                 </a:lnSpc>
               </a:pPr>
+              <a:endParaRPr/>
             </a:p>
           </p:txBody>
         </p:sp>
       </p:grpSp>
       <p:sp>
         <p:nvSpPr>
-          <p:cNvPr name="Freeform 8" id="8"/>
+          <p:cNvPr id="8" name="Freeform 8"/>
           <p:cNvSpPr/>
           <p:nvPr/>
         </p:nvSpPr>
         <p:spPr>
-          <a:xfrm flipH="false" flipV="false" rot="0">
+          <a:xfrm>
             <a:off x="0" y="0"/>
             <a:ext cx="18288000" cy="978185"/>
           </a:xfrm>
@@ -10018,9 +10648,9 @@
             <a:gdLst/>
             <a:ahLst/>
             <a:cxnLst/>
-            <a:rect r="r" b="b" t="t" l="l"/>
+            <a:rect l="l" t="t" r="r" b="b"/>
             <a:pathLst>
-              <a:path h="978185" w="18288000">
+              <a:path w="18288000" h="978185">
                 <a:moveTo>
                   <a:pt x="0" y="0"/>
                 </a:moveTo>
@@ -10043,19 +10673,26 @@
           <a:blipFill>
             <a:blip r:embed="rId3"/>
             <a:stretch>
-              <a:fillRect l="0" t="0" r="0" b="0"/>
+              <a:fillRect/>
             </a:stretch>
           </a:blipFill>
         </p:spPr>
-      </p:sp>
-      <p:sp>
-        <p:nvSpPr>
-          <p:cNvPr name="TextBox 9" id="9"/>
-          <p:cNvSpPr txBox="true"/>
+        <p:txBody>
+          <a:bodyPr/>
+          <a:lstStyle/>
+          <a:p>
+            <a:endParaRPr lang="ko-KR" altLang="en-US"/>
+          </a:p>
+        </p:txBody>
+      </p:sp>
+      <p:sp>
+        <p:nvSpPr>
+          <p:cNvPr id="9" name="TextBox 9"/>
+          <p:cNvSpPr txBox="1"/>
           <p:nvPr/>
         </p:nvSpPr>
         <p:spPr>
-          <a:xfrm rot="0">
+          <a:xfrm>
             <a:off x="814197" y="1329215"/>
             <a:ext cx="3900964" cy="673227"/>
           </a:xfrm>
@@ -10064,7 +10701,7 @@
           </a:prstGeom>
         </p:spPr>
         <p:txBody>
-          <a:bodyPr anchor="t" rtlCol="false" tIns="0" lIns="0" bIns="0" rIns="0">
+          <a:bodyPr lIns="0" tIns="0" rIns="0" bIns="0" rtlCol="0" anchor="t">
             <a:spAutoFit/>
           </a:bodyPr>
           <a:lstStyle/>
@@ -10088,12 +10725,12 @@
       </p:sp>
       <p:grpSp>
         <p:nvGrpSpPr>
-          <p:cNvPr name="Group 10" id="10"/>
+          <p:cNvPr id="10" name="Group 10"/>
           <p:cNvGrpSpPr/>
           <p:nvPr/>
         </p:nvGrpSpPr>
         <p:grpSpPr>
-          <a:xfrm rot="0">
+          <a:xfrm>
             <a:off x="1429474" y="2935764"/>
             <a:ext cx="165795" cy="480517"/>
             <a:chOff x="0" y="0"/>
@@ -10102,12 +10739,12 @@
         </p:grpSpPr>
         <p:sp>
           <p:nvSpPr>
-            <p:cNvPr name="Freeform 11" id="11"/>
+            <p:cNvPr id="11" name="Freeform 11"/>
             <p:cNvSpPr/>
             <p:nvPr/>
           </p:nvSpPr>
           <p:spPr>
-            <a:xfrm flipH="false" flipV="false" rot="0">
+            <a:xfrm>
               <a:off x="0" y="0"/>
               <a:ext cx="220980" cy="640588"/>
             </a:xfrm>
@@ -10116,9 +10753,9 @@
               <a:gdLst/>
               <a:ahLst/>
               <a:cxnLst/>
-              <a:rect r="r" b="b" t="t" l="l"/>
+              <a:rect l="l" t="t" r="r" b="b"/>
               <a:pathLst>
-                <a:path h="640588" w="220980">
+                <a:path w="220980" h="640588">
                   <a:moveTo>
                     <a:pt x="0" y="110490"/>
                   </a:moveTo>
@@ -10153,16 +10790,23 @@
               <a:srgbClr val="B5E3D8"/>
             </a:solidFill>
           </p:spPr>
+          <p:txBody>
+            <a:bodyPr/>
+            <a:lstStyle/>
+            <a:p>
+              <a:endParaRPr lang="ko-KR" altLang="en-US"/>
+            </a:p>
+          </p:txBody>
         </p:sp>
       </p:grpSp>
       <p:sp>
         <p:nvSpPr>
-          <p:cNvPr name="TextBox 12" id="12"/>
-          <p:cNvSpPr txBox="true"/>
+          <p:cNvPr id="12" name="TextBox 12"/>
+          <p:cNvSpPr txBox="1"/>
           <p:nvPr/>
         </p:nvSpPr>
         <p:spPr>
-          <a:xfrm rot="0">
+          <a:xfrm>
             <a:off x="1878769" y="2956756"/>
             <a:ext cx="778072" cy="457581"/>
           </a:xfrm>
@@ -10171,7 +10815,7 @@
           </a:prstGeom>
         </p:spPr>
         <p:txBody>
-          <a:bodyPr anchor="t" rtlCol="false" tIns="0" lIns="0" bIns="0" rIns="0">
+          <a:bodyPr lIns="0" tIns="0" rIns="0" bIns="0" rtlCol="0" anchor="t">
             <a:spAutoFit/>
           </a:bodyPr>
           <a:lstStyle/>
@@ -10195,12 +10839,12 @@
       </p:sp>
       <p:grpSp>
         <p:nvGrpSpPr>
-          <p:cNvPr name="Group 13" id="13"/>
+          <p:cNvPr id="13" name="Group 13"/>
           <p:cNvGrpSpPr/>
           <p:nvPr/>
         </p:nvGrpSpPr>
         <p:grpSpPr>
-          <a:xfrm rot="0">
+          <a:xfrm>
             <a:off x="1429474" y="3956778"/>
             <a:ext cx="165795" cy="480517"/>
             <a:chOff x="0" y="0"/>
@@ -10209,12 +10853,12 @@
         </p:grpSpPr>
         <p:sp>
           <p:nvSpPr>
-            <p:cNvPr name="Freeform 14" id="14"/>
+            <p:cNvPr id="14" name="Freeform 14"/>
             <p:cNvSpPr/>
             <p:nvPr/>
           </p:nvSpPr>
           <p:spPr>
-            <a:xfrm flipH="false" flipV="false" rot="0">
+            <a:xfrm>
               <a:off x="0" y="0"/>
               <a:ext cx="220980" cy="640588"/>
             </a:xfrm>
@@ -10223,9 +10867,9 @@
               <a:gdLst/>
               <a:ahLst/>
               <a:cxnLst/>
-              <a:rect r="r" b="b" t="t" l="l"/>
+              <a:rect l="l" t="t" r="r" b="b"/>
               <a:pathLst>
-                <a:path h="640588" w="220980">
+                <a:path w="220980" h="640588">
                   <a:moveTo>
                     <a:pt x="0" y="110490"/>
                   </a:moveTo>
@@ -10260,16 +10904,23 @@
               <a:srgbClr val="B5E3D8"/>
             </a:solidFill>
           </p:spPr>
+          <p:txBody>
+            <a:bodyPr/>
+            <a:lstStyle/>
+            <a:p>
+              <a:endParaRPr lang="ko-KR" altLang="en-US"/>
+            </a:p>
+          </p:txBody>
         </p:sp>
       </p:grpSp>
       <p:sp>
         <p:nvSpPr>
-          <p:cNvPr name="TextBox 15" id="15"/>
-          <p:cNvSpPr txBox="true"/>
+          <p:cNvPr id="15" name="TextBox 15"/>
+          <p:cNvSpPr txBox="1"/>
           <p:nvPr/>
         </p:nvSpPr>
         <p:spPr>
-          <a:xfrm rot="0">
+          <a:xfrm>
             <a:off x="1869244" y="3977770"/>
             <a:ext cx="5511881" cy="457581"/>
           </a:xfrm>
@@ -10278,7 +10929,7 @@
           </a:prstGeom>
         </p:spPr>
         <p:txBody>
-          <a:bodyPr anchor="t" rtlCol="false" tIns="0" lIns="0" bIns="0" rIns="0">
+          <a:bodyPr lIns="0" tIns="0" rIns="0" bIns="0" rtlCol="0" anchor="t">
             <a:spAutoFit/>
           </a:bodyPr>
           <a:lstStyle/>
@@ -10303,12 +10954,12 @@
       </p:sp>
       <p:grpSp>
         <p:nvGrpSpPr>
-          <p:cNvPr name="Group 16" id="16"/>
+          <p:cNvPr id="16" name="Group 16"/>
           <p:cNvGrpSpPr/>
           <p:nvPr/>
         </p:nvGrpSpPr>
         <p:grpSpPr>
-          <a:xfrm rot="0">
+          <a:xfrm>
             <a:off x="1429474" y="4732571"/>
             <a:ext cx="6352426" cy="5293371"/>
             <a:chOff x="0" y="0"/>
@@ -10317,12 +10968,12 @@
         </p:grpSpPr>
         <p:sp>
           <p:nvSpPr>
-            <p:cNvPr name="Freeform 17" id="17"/>
+            <p:cNvPr id="17" name="Freeform 17"/>
             <p:cNvSpPr/>
             <p:nvPr/>
           </p:nvSpPr>
           <p:spPr>
-            <a:xfrm flipH="false" flipV="false" rot="0">
+            <a:xfrm>
               <a:off x="0" y="0"/>
               <a:ext cx="8469887" cy="7057863"/>
             </a:xfrm>
@@ -10331,9 +10982,9 @@
               <a:gdLst/>
               <a:ahLst/>
               <a:cxnLst/>
-              <a:rect r="r" b="b" t="t" l="l"/>
+              <a:rect l="l" t="t" r="r" b="b"/>
               <a:pathLst>
-                <a:path h="7057863" w="8469887">
+                <a:path w="8469887" h="7057863">
                   <a:moveTo>
                     <a:pt x="0" y="0"/>
                   </a:moveTo>
@@ -10354,11 +11005,18 @@
               <a:srgbClr val="ECEBF5"/>
             </a:solidFill>
           </p:spPr>
+          <p:txBody>
+            <a:bodyPr/>
+            <a:lstStyle/>
+            <a:p>
+              <a:endParaRPr lang="ko-KR" altLang="en-US"/>
+            </a:p>
+          </p:txBody>
         </p:sp>
         <p:sp>
           <p:nvSpPr>
-            <p:cNvPr name="TextBox 18" id="18"/>
-            <p:cNvSpPr txBox="true"/>
+            <p:cNvPr id="18" name="TextBox 18"/>
+            <p:cNvSpPr txBox="1"/>
             <p:nvPr/>
           </p:nvSpPr>
           <p:spPr>
@@ -10371,7 +11029,7 @@
             </a:prstGeom>
           </p:spPr>
           <p:txBody>
-            <a:bodyPr anchor="t" rtlCol="false" tIns="50800" lIns="50800" bIns="50800" rIns="50800"/>
+            <a:bodyPr lIns="50800" tIns="50800" rIns="50800" bIns="50800" rtlCol="0" anchor="t"/>
             <a:lstStyle/>
             <a:p>
               <a:pPr algn="l">
@@ -10379,6 +11037,7 @@
                   <a:spcPts val="6480"/>
                 </a:lnSpc>
               </a:pPr>
+              <a:endParaRPr/>
             </a:p>
             <a:p>
               <a:pPr algn="l">
@@ -10386,18 +11045,19 @@
                   <a:spcPts val="5759"/>
                 </a:lnSpc>
               </a:pPr>
+              <a:endParaRPr/>
             </a:p>
           </p:txBody>
         </p:sp>
       </p:grpSp>
       <p:sp>
         <p:nvSpPr>
-          <p:cNvPr name="TextBox 19" id="19"/>
-          <p:cNvSpPr txBox="true"/>
+          <p:cNvPr id="19" name="TextBox 19"/>
+          <p:cNvSpPr txBox="1"/>
           <p:nvPr/>
         </p:nvSpPr>
         <p:spPr>
-          <a:xfrm rot="0">
+          <a:xfrm>
             <a:off x="1692973" y="5603355"/>
             <a:ext cx="5571957" cy="3580376"/>
           </a:xfrm>
@@ -10406,7 +11066,7 @@
           </a:prstGeom>
         </p:spPr>
         <p:txBody>
-          <a:bodyPr anchor="t" rtlCol="false" tIns="0" lIns="0" bIns="0" rIns="0">
+          <a:bodyPr lIns="0" tIns="0" rIns="0" bIns="0" rtlCol="0" anchor="t">
             <a:spAutoFit/>
           </a:bodyPr>
           <a:lstStyle/>
@@ -10433,6 +11093,13 @@
                 <a:spcPts val="3086"/>
               </a:lnSpc>
             </a:pPr>
+            <a:endParaRPr lang="en-US" sz="3257" spc="-254">
+              <a:solidFill>
+                <a:srgbClr val="1F4E79"/>
+              </a:solidFill>
+              <a:latin typeface="TT Rounds Condensed"/>
+              <a:ea typeface="TT Rounds Condensed"/>
+            </a:endParaRPr>
           </a:p>
           <a:p>
             <a:pPr>
@@ -10457,6 +11124,13 @@
                 <a:spcPts val="3086"/>
               </a:lnSpc>
             </a:pPr>
+            <a:endParaRPr lang="en-US" sz="2857" spc="-222">
+              <a:solidFill>
+                <a:srgbClr val="1F4E79"/>
+              </a:solidFill>
+              <a:latin typeface="TT Rounds Condensed"/>
+              <a:ea typeface="TT Rounds Condensed"/>
+            </a:endParaRPr>
           </a:p>
           <a:p>
             <a:pPr>
@@ -10481,6 +11155,13 @@
                 <a:spcPts val="3086"/>
               </a:lnSpc>
             </a:pPr>
+            <a:endParaRPr lang="en-US" sz="2857" spc="-222">
+              <a:solidFill>
+                <a:srgbClr val="1F4E79"/>
+              </a:solidFill>
+              <a:latin typeface="TT Rounds Condensed"/>
+              <a:ea typeface="TT Rounds Condensed"/>
+            </a:endParaRPr>
           </a:p>
           <a:p>
             <a:pPr>
@@ -10505,6 +11186,13 @@
                 <a:spcPts val="3086"/>
               </a:lnSpc>
             </a:pPr>
+            <a:endParaRPr lang="en-US" sz="2857" spc="-222">
+              <a:solidFill>
+                <a:srgbClr val="1F4E79"/>
+              </a:solidFill>
+              <a:latin typeface="TT Rounds Condensed"/>
+              <a:ea typeface="TT Rounds Condensed"/>
+            </a:endParaRPr>
           </a:p>
           <a:p>
             <a:pPr algn="l">
@@ -10527,12 +11215,12 @@
       </p:sp>
       <p:sp>
         <p:nvSpPr>
-          <p:cNvPr name="TextBox 20" id="20"/>
-          <p:cNvSpPr txBox="true"/>
+          <p:cNvPr id="20" name="TextBox 20"/>
+          <p:cNvSpPr txBox="1"/>
           <p:nvPr/>
         </p:nvSpPr>
         <p:spPr>
-          <a:xfrm rot="0">
+          <a:xfrm>
             <a:off x="9080760" y="2964339"/>
             <a:ext cx="7026473" cy="2799326"/>
           </a:xfrm>
@@ -10541,7 +11229,7 @@
           </a:prstGeom>
         </p:spPr>
         <p:txBody>
-          <a:bodyPr anchor="t" rtlCol="false" tIns="0" lIns="0" bIns="0" rIns="0">
+          <a:bodyPr lIns="0" tIns="0" rIns="0" bIns="0" rtlCol="0" anchor="t">
             <a:spAutoFit/>
           </a:bodyPr>
           <a:lstStyle/>
@@ -10586,6 +11274,12 @@
                 <a:spcPts val="3086"/>
               </a:lnSpc>
             </a:pPr>
+            <a:endParaRPr lang="en-US" sz="3257" spc="-254">
+              <a:solidFill>
+                <a:srgbClr val="1F4E79"/>
+              </a:solidFill>
+              <a:latin typeface="TT Rounds Condensed"/>
+            </a:endParaRPr>
           </a:p>
           <a:p>
             <a:pPr>
@@ -10610,6 +11304,13 @@
                 <a:spcPts val="3086"/>
               </a:lnSpc>
             </a:pPr>
+            <a:endParaRPr lang="en-US" sz="2857" spc="-222">
+              <a:solidFill>
+                <a:srgbClr val="1F4E79"/>
+              </a:solidFill>
+              <a:latin typeface="TT Rounds Condensed"/>
+              <a:ea typeface="TT Rounds Condensed"/>
+            </a:endParaRPr>
           </a:p>
           <a:p>
             <a:pPr algn="l">
@@ -10632,12 +11333,12 @@
       </p:sp>
       <p:sp>
         <p:nvSpPr>
-          <p:cNvPr name="TextBox 21" id="21"/>
-          <p:cNvSpPr txBox="true"/>
+          <p:cNvPr id="21" name="TextBox 21"/>
+          <p:cNvSpPr txBox="1"/>
           <p:nvPr/>
         </p:nvSpPr>
         <p:spPr>
-          <a:xfrm rot="0">
+          <a:xfrm>
             <a:off x="8709202" y="6176256"/>
             <a:ext cx="7769590" cy="3520211"/>
           </a:xfrm>
@@ -10646,12 +11347,12 @@
           </a:prstGeom>
         </p:spPr>
         <p:txBody>
-          <a:bodyPr anchor="t" rtlCol="false" tIns="0" lIns="0" bIns="0" rIns="0">
+          <a:bodyPr lIns="0" tIns="0" rIns="0" bIns="0" rtlCol="0" anchor="t">
             <a:spAutoFit/>
           </a:bodyPr>
           <a:lstStyle/>
           <a:p>
-            <a:pPr marL="617473" indent="-308737" lvl="1">
+            <a:pPr marL="617473" lvl="1" indent="-308737">
               <a:lnSpc>
                 <a:spcPts val="3088"/>
               </a:lnSpc>
@@ -10684,9 +11385,15 @@
                 <a:spcPts val="3088"/>
               </a:lnSpc>
             </a:pPr>
-          </a:p>
-          <a:p>
-            <a:pPr marL="617473" indent="-308737" lvl="1">
+            <a:endParaRPr lang="en-US" sz="2859" spc="-223">
+              <a:solidFill>
+                <a:srgbClr val="1F4E79"/>
+              </a:solidFill>
+              <a:ea typeface="TT Rounds Condensed"/>
+            </a:endParaRPr>
+          </a:p>
+          <a:p>
+            <a:pPr marL="617473" lvl="1" indent="-308737">
               <a:lnSpc>
                 <a:spcPts val="3088"/>
               </a:lnSpc>
@@ -10709,9 +11416,15 @@
                 <a:spcPts val="3088"/>
               </a:lnSpc>
             </a:pPr>
-          </a:p>
-          <a:p>
-            <a:pPr algn="l" marL="617473" indent="-308737" lvl="1">
+            <a:endParaRPr lang="en-US" sz="2859" spc="-223">
+              <a:solidFill>
+                <a:srgbClr val="1F4E79"/>
+              </a:solidFill>
+              <a:ea typeface="TT Rounds Condensed"/>
+            </a:endParaRPr>
+          </a:p>
+          <a:p>
+            <a:pPr marL="617473" lvl="1" indent="-308737" algn="l">
               <a:lnSpc>
                 <a:spcPts val="3088"/>
               </a:lnSpc>
@@ -10739,7 +11452,7 @@
 </file>
 
 <file path=ppt/slides/slide7.xml><?xml version="1.0" encoding="utf-8"?>
-<p:sld xmlns:p="http://schemas.openxmlformats.org/presentationml/2006/main" xmlns:a="http://schemas.openxmlformats.org/drawingml/2006/main" xmlns:r="http://schemas.openxmlformats.org/officeDocument/2006/relationships">
+<p:sld xmlns:a="http://schemas.openxmlformats.org/drawingml/2006/main" xmlns:r="http://schemas.openxmlformats.org/officeDocument/2006/relationships" xmlns:p="http://schemas.openxmlformats.org/presentationml/2006/main">
   <p:cSld>
     <p:spTree>
       <p:nvGrpSpPr>
@@ -10757,12 +11470,12 @@
       </p:grpSpPr>
       <p:sp>
         <p:nvSpPr>
-          <p:cNvPr name="Freeform 2" id="2"/>
+          <p:cNvPr id="2" name="Freeform 2"/>
           <p:cNvSpPr/>
           <p:nvPr/>
         </p:nvSpPr>
         <p:spPr>
-          <a:xfrm flipH="false" flipV="false" rot="0">
+          <a:xfrm>
             <a:off x="0" y="0"/>
             <a:ext cx="18288000" cy="10287000"/>
           </a:xfrm>
@@ -10771,9 +11484,9 @@
             <a:gdLst/>
             <a:ahLst/>
             <a:cxnLst/>
-            <a:rect r="r" b="b" t="t" l="l"/>
+            <a:rect l="l" t="t" r="r" b="b"/>
             <a:pathLst>
-              <a:path h="10287000" w="18288000">
+              <a:path w="18288000" h="10287000">
                 <a:moveTo>
                   <a:pt x="0" y="0"/>
                 </a:moveTo>
@@ -10796,19 +11509,26 @@
           <a:blipFill>
             <a:blip r:embed="rId2"/>
             <a:stretch>
-              <a:fillRect l="0" t="0" r="0" b="0"/>
+              <a:fillRect/>
             </a:stretch>
           </a:blipFill>
         </p:spPr>
+        <p:txBody>
+          <a:bodyPr/>
+          <a:lstStyle/>
+          <a:p>
+            <a:endParaRPr lang="ko-KR" altLang="en-US"/>
+          </a:p>
+        </p:txBody>
       </p:sp>
       <p:grpSp>
         <p:nvGrpSpPr>
-          <p:cNvPr name="Group 3" id="3"/>
+          <p:cNvPr id="3" name="Group 3"/>
           <p:cNvGrpSpPr/>
           <p:nvPr/>
         </p:nvGrpSpPr>
         <p:grpSpPr>
-          <a:xfrm rot="0">
+          <a:xfrm>
             <a:off x="0" y="2305699"/>
             <a:ext cx="18288000" cy="7981300"/>
             <a:chOff x="0" y="0"/>
@@ -10817,12 +11537,12 @@
         </p:grpSpPr>
         <p:sp>
           <p:nvSpPr>
-            <p:cNvPr name="Freeform 4" id="4"/>
+            <p:cNvPr id="4" name="Freeform 4"/>
             <p:cNvSpPr/>
             <p:nvPr/>
           </p:nvSpPr>
           <p:spPr>
-            <a:xfrm flipH="false" flipV="false" rot="0">
+            <a:xfrm>
               <a:off x="0" y="0"/>
               <a:ext cx="24384000" cy="10641711"/>
             </a:xfrm>
@@ -10831,9 +11551,9 @@
               <a:gdLst/>
               <a:ahLst/>
               <a:cxnLst/>
-              <a:rect r="r" b="b" t="t" l="l"/>
+              <a:rect l="l" t="t" r="r" b="b"/>
               <a:pathLst>
-                <a:path h="10641711" w="24384000">
+                <a:path w="24384000" h="10641711">
                   <a:moveTo>
                     <a:pt x="0" y="0"/>
                   </a:moveTo>
@@ -10854,16 +11574,23 @@
               <a:srgbClr val="FAFAFD"/>
             </a:solidFill>
           </p:spPr>
+          <p:txBody>
+            <a:bodyPr/>
+            <a:lstStyle/>
+            <a:p>
+              <a:endParaRPr lang="ko-KR" altLang="en-US"/>
+            </a:p>
+          </p:txBody>
         </p:sp>
       </p:grpSp>
       <p:grpSp>
         <p:nvGrpSpPr>
-          <p:cNvPr name="Group 5" id="5"/>
+          <p:cNvPr id="5" name="Group 5"/>
           <p:cNvGrpSpPr/>
           <p:nvPr/>
         </p:nvGrpSpPr>
         <p:grpSpPr>
-          <a:xfrm rot="0">
+          <a:xfrm>
             <a:off x="8709202" y="2521268"/>
             <a:ext cx="8035748" cy="7504674"/>
             <a:chOff x="0" y="0"/>
@@ -10872,12 +11599,12 @@
         </p:grpSpPr>
         <p:sp>
           <p:nvSpPr>
-            <p:cNvPr name="Freeform 6" id="6"/>
+            <p:cNvPr id="6" name="Freeform 6"/>
             <p:cNvSpPr/>
             <p:nvPr/>
           </p:nvSpPr>
           <p:spPr>
-            <a:xfrm flipH="false" flipV="false" rot="0">
+            <a:xfrm>
               <a:off x="0" y="0"/>
               <a:ext cx="10714313" cy="10006267"/>
             </a:xfrm>
@@ -10886,9 +11613,9 @@
               <a:gdLst/>
               <a:ahLst/>
               <a:cxnLst/>
-              <a:rect r="r" b="b" t="t" l="l"/>
+              <a:rect l="l" t="t" r="r" b="b"/>
               <a:pathLst>
-                <a:path h="10006267" w="10714313">
+                <a:path w="10714313" h="10006267">
                   <a:moveTo>
                     <a:pt x="0" y="0"/>
                   </a:moveTo>
@@ -10909,11 +11636,18 @@
               <a:srgbClr val="ECEBF5"/>
             </a:solidFill>
           </p:spPr>
+          <p:txBody>
+            <a:bodyPr/>
+            <a:lstStyle/>
+            <a:p>
+              <a:endParaRPr lang="ko-KR" altLang="en-US"/>
+            </a:p>
+          </p:txBody>
         </p:sp>
         <p:sp>
           <p:nvSpPr>
-            <p:cNvPr name="TextBox 7" id="7"/>
-            <p:cNvSpPr txBox="true"/>
+            <p:cNvPr id="7" name="TextBox 7"/>
+            <p:cNvSpPr txBox="1"/>
             <p:nvPr/>
           </p:nvSpPr>
           <p:spPr>
@@ -10926,7 +11660,7 @@
             </a:prstGeom>
           </p:spPr>
           <p:txBody>
-            <a:bodyPr anchor="t" rtlCol="false" tIns="50800" lIns="50800" bIns="50800" rIns="50800"/>
+            <a:bodyPr lIns="50800" tIns="50800" rIns="50800" bIns="50800" rtlCol="0" anchor="t"/>
             <a:lstStyle/>
             <a:p>
               <a:pPr algn="l">
@@ -10934,6 +11668,7 @@
                   <a:spcPts val="6480"/>
                 </a:lnSpc>
               </a:pPr>
+              <a:endParaRPr/>
             </a:p>
             <a:p>
               <a:pPr algn="l">
@@ -10941,18 +11676,19 @@
                   <a:spcPts val="5759"/>
                 </a:lnSpc>
               </a:pPr>
+              <a:endParaRPr/>
             </a:p>
           </p:txBody>
         </p:sp>
       </p:grpSp>
       <p:sp>
         <p:nvSpPr>
-          <p:cNvPr name="Freeform 8" id="8"/>
+          <p:cNvPr id="8" name="Freeform 8"/>
           <p:cNvSpPr/>
           <p:nvPr/>
         </p:nvSpPr>
         <p:spPr>
-          <a:xfrm flipH="false" flipV="false" rot="0">
+          <a:xfrm>
             <a:off x="0" y="0"/>
             <a:ext cx="18288000" cy="978185"/>
           </a:xfrm>
@@ -10961,9 +11697,9 @@
             <a:gdLst/>
             <a:ahLst/>
             <a:cxnLst/>
-            <a:rect r="r" b="b" t="t" l="l"/>
+            <a:rect l="l" t="t" r="r" b="b"/>
             <a:pathLst>
-              <a:path h="978185" w="18288000">
+              <a:path w="18288000" h="978185">
                 <a:moveTo>
                   <a:pt x="0" y="0"/>
                 </a:moveTo>
@@ -10986,19 +11722,26 @@
           <a:blipFill>
             <a:blip r:embed="rId3"/>
             <a:stretch>
-              <a:fillRect l="0" t="0" r="0" b="0"/>
+              <a:fillRect/>
             </a:stretch>
           </a:blipFill>
         </p:spPr>
-      </p:sp>
-      <p:sp>
-        <p:nvSpPr>
-          <p:cNvPr name="TextBox 9" id="9"/>
-          <p:cNvSpPr txBox="true"/>
+        <p:txBody>
+          <a:bodyPr/>
+          <a:lstStyle/>
+          <a:p>
+            <a:endParaRPr lang="ko-KR" altLang="en-US"/>
+          </a:p>
+        </p:txBody>
+      </p:sp>
+      <p:sp>
+        <p:nvSpPr>
+          <p:cNvPr id="9" name="TextBox 9"/>
+          <p:cNvSpPr txBox="1"/>
           <p:nvPr/>
         </p:nvSpPr>
         <p:spPr>
-          <a:xfrm rot="0">
+          <a:xfrm>
             <a:off x="814197" y="1329215"/>
             <a:ext cx="7126195" cy="673227"/>
           </a:xfrm>
@@ -11007,7 +11750,7 @@
           </a:prstGeom>
         </p:spPr>
         <p:txBody>
-          <a:bodyPr anchor="t" rtlCol="false" tIns="0" lIns="0" bIns="0" rIns="0">
+          <a:bodyPr lIns="0" tIns="0" rIns="0" bIns="0" rtlCol="0" anchor="t">
             <a:spAutoFit/>
           </a:bodyPr>
           <a:lstStyle/>
@@ -11032,12 +11775,12 @@
       </p:sp>
       <p:grpSp>
         <p:nvGrpSpPr>
-          <p:cNvPr name="Group 10" id="10"/>
+          <p:cNvPr id="10" name="Group 10"/>
           <p:cNvGrpSpPr/>
           <p:nvPr/>
         </p:nvGrpSpPr>
         <p:grpSpPr>
-          <a:xfrm rot="0">
+          <a:xfrm>
             <a:off x="1429474" y="2935764"/>
             <a:ext cx="165795" cy="480517"/>
             <a:chOff x="0" y="0"/>
@@ -11046,12 +11789,12 @@
         </p:grpSpPr>
         <p:sp>
           <p:nvSpPr>
-            <p:cNvPr name="Freeform 11" id="11"/>
+            <p:cNvPr id="11" name="Freeform 11"/>
             <p:cNvSpPr/>
             <p:nvPr/>
           </p:nvSpPr>
           <p:spPr>
-            <a:xfrm flipH="false" flipV="false" rot="0">
+            <a:xfrm>
               <a:off x="0" y="0"/>
               <a:ext cx="220980" cy="640588"/>
             </a:xfrm>
@@ -11060,9 +11803,9 @@
               <a:gdLst/>
               <a:ahLst/>
               <a:cxnLst/>
-              <a:rect r="r" b="b" t="t" l="l"/>
+              <a:rect l="l" t="t" r="r" b="b"/>
               <a:pathLst>
-                <a:path h="640588" w="220980">
+                <a:path w="220980" h="640588">
                   <a:moveTo>
                     <a:pt x="0" y="110490"/>
                   </a:moveTo>
@@ -11097,16 +11840,23 @@
               <a:srgbClr val="B5E3D8"/>
             </a:solidFill>
           </p:spPr>
+          <p:txBody>
+            <a:bodyPr/>
+            <a:lstStyle/>
+            <a:p>
+              <a:endParaRPr lang="ko-KR" altLang="en-US"/>
+            </a:p>
+          </p:txBody>
         </p:sp>
       </p:grpSp>
       <p:sp>
         <p:nvSpPr>
-          <p:cNvPr name="TextBox 12" id="12"/>
-          <p:cNvSpPr txBox="true"/>
+          <p:cNvPr id="12" name="TextBox 12"/>
+          <p:cNvSpPr txBox="1"/>
           <p:nvPr/>
         </p:nvSpPr>
         <p:spPr>
-          <a:xfrm rot="0">
+          <a:xfrm>
             <a:off x="1878769" y="2956756"/>
             <a:ext cx="778072" cy="457581"/>
           </a:xfrm>
@@ -11115,7 +11865,7 @@
           </a:prstGeom>
         </p:spPr>
         <p:txBody>
-          <a:bodyPr anchor="t" rtlCol="false" tIns="0" lIns="0" bIns="0" rIns="0">
+          <a:bodyPr lIns="0" tIns="0" rIns="0" bIns="0" rtlCol="0" anchor="t">
             <a:spAutoFit/>
           </a:bodyPr>
           <a:lstStyle/>
@@ -11139,12 +11889,12 @@
       </p:sp>
       <p:grpSp>
         <p:nvGrpSpPr>
-          <p:cNvPr name="Group 13" id="13"/>
+          <p:cNvPr id="13" name="Group 13"/>
           <p:cNvGrpSpPr/>
           <p:nvPr/>
         </p:nvGrpSpPr>
         <p:grpSpPr>
-          <a:xfrm rot="0">
+          <a:xfrm>
             <a:off x="1429474" y="3956778"/>
             <a:ext cx="165795" cy="480517"/>
             <a:chOff x="0" y="0"/>
@@ -11153,12 +11903,12 @@
         </p:grpSpPr>
         <p:sp>
           <p:nvSpPr>
-            <p:cNvPr name="Freeform 14" id="14"/>
+            <p:cNvPr id="14" name="Freeform 14"/>
             <p:cNvSpPr/>
             <p:nvPr/>
           </p:nvSpPr>
           <p:spPr>
-            <a:xfrm flipH="false" flipV="false" rot="0">
+            <a:xfrm>
               <a:off x="0" y="0"/>
               <a:ext cx="220980" cy="640588"/>
             </a:xfrm>
@@ -11167,9 +11917,9 @@
               <a:gdLst/>
               <a:ahLst/>
               <a:cxnLst/>
-              <a:rect r="r" b="b" t="t" l="l"/>
+              <a:rect l="l" t="t" r="r" b="b"/>
               <a:pathLst>
-                <a:path h="640588" w="220980">
+                <a:path w="220980" h="640588">
                   <a:moveTo>
                     <a:pt x="0" y="110490"/>
                   </a:moveTo>
@@ -11204,16 +11954,23 @@
               <a:srgbClr val="B5E3D8"/>
             </a:solidFill>
           </p:spPr>
+          <p:txBody>
+            <a:bodyPr/>
+            <a:lstStyle/>
+            <a:p>
+              <a:endParaRPr lang="ko-KR" altLang="en-US"/>
+            </a:p>
+          </p:txBody>
         </p:sp>
       </p:grpSp>
       <p:sp>
         <p:nvSpPr>
-          <p:cNvPr name="TextBox 15" id="15"/>
-          <p:cNvSpPr txBox="true"/>
+          <p:cNvPr id="15" name="TextBox 15"/>
+          <p:cNvSpPr txBox="1"/>
           <p:nvPr/>
         </p:nvSpPr>
         <p:spPr>
-          <a:xfrm rot="0">
+          <a:xfrm>
             <a:off x="1869244" y="3977770"/>
             <a:ext cx="5511881" cy="457581"/>
           </a:xfrm>
@@ -11222,7 +11979,7 @@
           </a:prstGeom>
         </p:spPr>
         <p:txBody>
-          <a:bodyPr anchor="t" rtlCol="false" tIns="0" lIns="0" bIns="0" rIns="0">
+          <a:bodyPr lIns="0" tIns="0" rIns="0" bIns="0" rtlCol="0" anchor="t">
             <a:spAutoFit/>
           </a:bodyPr>
           <a:lstStyle/>
@@ -11247,12 +12004,12 @@
       </p:sp>
       <p:grpSp>
         <p:nvGrpSpPr>
-          <p:cNvPr name="Group 16" id="16"/>
+          <p:cNvPr id="16" name="Group 16"/>
           <p:cNvGrpSpPr/>
           <p:nvPr/>
         </p:nvGrpSpPr>
         <p:grpSpPr>
-          <a:xfrm rot="0">
+          <a:xfrm>
             <a:off x="1429474" y="4732571"/>
             <a:ext cx="6352426" cy="5293371"/>
             <a:chOff x="0" y="0"/>
@@ -11261,12 +12018,12 @@
         </p:grpSpPr>
         <p:sp>
           <p:nvSpPr>
-            <p:cNvPr name="Freeform 17" id="17"/>
+            <p:cNvPr id="17" name="Freeform 17"/>
             <p:cNvSpPr/>
             <p:nvPr/>
           </p:nvSpPr>
           <p:spPr>
-            <a:xfrm flipH="false" flipV="false" rot="0">
+            <a:xfrm>
               <a:off x="0" y="0"/>
               <a:ext cx="8469887" cy="7057863"/>
             </a:xfrm>
@@ -11275,9 +12032,9 @@
               <a:gdLst/>
               <a:ahLst/>
               <a:cxnLst/>
-              <a:rect r="r" b="b" t="t" l="l"/>
+              <a:rect l="l" t="t" r="r" b="b"/>
               <a:pathLst>
-                <a:path h="7057863" w="8469887">
+                <a:path w="8469887" h="7057863">
                   <a:moveTo>
                     <a:pt x="0" y="0"/>
                   </a:moveTo>
@@ -11298,11 +12055,18 @@
               <a:srgbClr val="ECEBF5"/>
             </a:solidFill>
           </p:spPr>
+          <p:txBody>
+            <a:bodyPr/>
+            <a:lstStyle/>
+            <a:p>
+              <a:endParaRPr lang="ko-KR" altLang="en-US"/>
+            </a:p>
+          </p:txBody>
         </p:sp>
         <p:sp>
           <p:nvSpPr>
-            <p:cNvPr name="TextBox 18" id="18"/>
-            <p:cNvSpPr txBox="true"/>
+            <p:cNvPr id="18" name="TextBox 18"/>
+            <p:cNvSpPr txBox="1"/>
             <p:nvPr/>
           </p:nvSpPr>
           <p:spPr>
@@ -11315,7 +12079,7 @@
             </a:prstGeom>
           </p:spPr>
           <p:txBody>
-            <a:bodyPr anchor="t" rtlCol="false" tIns="50800" lIns="50800" bIns="50800" rIns="50800"/>
+            <a:bodyPr lIns="50800" tIns="50800" rIns="50800" bIns="50800" rtlCol="0" anchor="t"/>
             <a:lstStyle/>
             <a:p>
               <a:pPr algn="l">
@@ -11323,6 +12087,7 @@
                   <a:spcPts val="6480"/>
                 </a:lnSpc>
               </a:pPr>
+              <a:endParaRPr/>
             </a:p>
             <a:p>
               <a:pPr algn="l">
@@ -11330,18 +12095,19 @@
                   <a:spcPts val="5759"/>
                 </a:lnSpc>
               </a:pPr>
+              <a:endParaRPr/>
             </a:p>
           </p:txBody>
         </p:sp>
       </p:grpSp>
       <p:sp>
         <p:nvSpPr>
-          <p:cNvPr name="TextBox 19" id="19"/>
-          <p:cNvSpPr txBox="true"/>
+          <p:cNvPr id="19" name="TextBox 19"/>
+          <p:cNvSpPr txBox="1"/>
           <p:nvPr/>
         </p:nvSpPr>
         <p:spPr>
-          <a:xfrm rot="0">
+          <a:xfrm>
             <a:off x="1692973" y="5603355"/>
             <a:ext cx="5571957" cy="3580376"/>
           </a:xfrm>
@@ -11350,7 +12116,7 @@
           </a:prstGeom>
         </p:spPr>
         <p:txBody>
-          <a:bodyPr anchor="t" rtlCol="false" tIns="0" lIns="0" bIns="0" rIns="0">
+          <a:bodyPr lIns="0" tIns="0" rIns="0" bIns="0" rtlCol="0" anchor="t">
             <a:spAutoFit/>
           </a:bodyPr>
           <a:lstStyle/>
@@ -11377,6 +12143,13 @@
                 <a:spcPts val="3086"/>
               </a:lnSpc>
             </a:pPr>
+            <a:endParaRPr lang="en-US" sz="3257" spc="-254">
+              <a:solidFill>
+                <a:srgbClr val="1F4E79"/>
+              </a:solidFill>
+              <a:latin typeface="TT Rounds Condensed"/>
+              <a:ea typeface="TT Rounds Condensed"/>
+            </a:endParaRPr>
           </a:p>
           <a:p>
             <a:pPr>
@@ -11401,6 +12174,13 @@
                 <a:spcPts val="3086"/>
               </a:lnSpc>
             </a:pPr>
+            <a:endParaRPr lang="en-US" sz="2857" spc="-222">
+              <a:solidFill>
+                <a:srgbClr val="1F4E79"/>
+              </a:solidFill>
+              <a:latin typeface="TT Rounds Condensed"/>
+              <a:ea typeface="TT Rounds Condensed"/>
+            </a:endParaRPr>
           </a:p>
           <a:p>
             <a:pPr>
@@ -11425,6 +12205,13 @@
                 <a:spcPts val="3086"/>
               </a:lnSpc>
             </a:pPr>
+            <a:endParaRPr lang="en-US" sz="2857" spc="-222">
+              <a:solidFill>
+                <a:srgbClr val="1F4E79"/>
+              </a:solidFill>
+              <a:latin typeface="TT Rounds Condensed"/>
+              <a:ea typeface="TT Rounds Condensed"/>
+            </a:endParaRPr>
           </a:p>
           <a:p>
             <a:pPr>
@@ -11449,6 +12236,13 @@
                 <a:spcPts val="3086"/>
               </a:lnSpc>
             </a:pPr>
+            <a:endParaRPr lang="en-US" sz="2857" spc="-222">
+              <a:solidFill>
+                <a:srgbClr val="1F4E79"/>
+              </a:solidFill>
+              <a:latin typeface="TT Rounds Condensed"/>
+              <a:ea typeface="TT Rounds Condensed"/>
+            </a:endParaRPr>
           </a:p>
           <a:p>
             <a:pPr algn="l">
@@ -11471,12 +12265,12 @@
       </p:sp>
       <p:sp>
         <p:nvSpPr>
-          <p:cNvPr name="TextBox 20" id="20"/>
-          <p:cNvSpPr txBox="true"/>
+          <p:cNvPr id="20" name="TextBox 20"/>
+          <p:cNvSpPr txBox="1"/>
           <p:nvPr/>
         </p:nvSpPr>
         <p:spPr>
-          <a:xfrm rot="0">
+          <a:xfrm>
             <a:off x="9080760" y="3745389"/>
             <a:ext cx="7026473" cy="1237226"/>
           </a:xfrm>
@@ -11485,7 +12279,7 @@
           </a:prstGeom>
         </p:spPr>
         <p:txBody>
-          <a:bodyPr anchor="t" rtlCol="false" tIns="0" lIns="0" bIns="0" rIns="0">
+          <a:bodyPr lIns="0" tIns="0" rIns="0" bIns="0" rtlCol="0" anchor="t">
             <a:spAutoFit/>
           </a:bodyPr>
           <a:lstStyle/>
@@ -11530,6 +12324,12 @@
                 <a:spcPts val="3086"/>
               </a:lnSpc>
             </a:pPr>
+            <a:endParaRPr lang="en-US" sz="3257" spc="-254">
+              <a:solidFill>
+                <a:srgbClr val="1F4E79"/>
+              </a:solidFill>
+              <a:latin typeface="TT Rounds Condensed"/>
+            </a:endParaRPr>
           </a:p>
           <a:p>
             <a:pPr algn="l">
@@ -11551,12 +12351,12 @@
       </p:sp>
       <p:sp>
         <p:nvSpPr>
-          <p:cNvPr name="TextBox 21" id="21"/>
-          <p:cNvSpPr txBox="true"/>
+          <p:cNvPr id="21" name="TextBox 21"/>
+          <p:cNvSpPr txBox="1"/>
           <p:nvPr/>
         </p:nvSpPr>
         <p:spPr>
-          <a:xfrm rot="0">
+          <a:xfrm>
             <a:off x="8709202" y="6176256"/>
             <a:ext cx="7769590" cy="3520211"/>
           </a:xfrm>
@@ -11565,12 +12365,12 @@
           </a:prstGeom>
         </p:spPr>
         <p:txBody>
-          <a:bodyPr anchor="t" rtlCol="false" tIns="0" lIns="0" bIns="0" rIns="0">
+          <a:bodyPr lIns="0" tIns="0" rIns="0" bIns="0" rtlCol="0" anchor="t">
             <a:spAutoFit/>
           </a:bodyPr>
           <a:lstStyle/>
           <a:p>
-            <a:pPr marL="617473" indent="-308737" lvl="1">
+            <a:pPr marL="617473" lvl="1" indent="-308737">
               <a:lnSpc>
                 <a:spcPts val="3088"/>
               </a:lnSpc>
@@ -11603,9 +12403,15 @@
                 <a:spcPts val="3088"/>
               </a:lnSpc>
             </a:pPr>
-          </a:p>
-          <a:p>
-            <a:pPr marL="617473" indent="-308737" lvl="1">
+            <a:endParaRPr lang="en-US" sz="2859" spc="-223">
+              <a:solidFill>
+                <a:srgbClr val="1F4E79"/>
+              </a:solidFill>
+              <a:ea typeface="TT Rounds Condensed"/>
+            </a:endParaRPr>
+          </a:p>
+          <a:p>
+            <a:pPr marL="617473" lvl="1" indent="-308737">
               <a:lnSpc>
                 <a:spcPts val="3088"/>
               </a:lnSpc>
@@ -11628,9 +12434,15 @@
                 <a:spcPts val="3088"/>
               </a:lnSpc>
             </a:pPr>
-          </a:p>
-          <a:p>
-            <a:pPr algn="l" marL="617473" indent="-308737" lvl="1">
+            <a:endParaRPr lang="en-US" sz="2859" spc="-223">
+              <a:solidFill>
+                <a:srgbClr val="1F4E79"/>
+              </a:solidFill>
+              <a:ea typeface="TT Rounds Condensed"/>
+            </a:endParaRPr>
+          </a:p>
+          <a:p>
+            <a:pPr marL="617473" lvl="1" indent="-308737" algn="l">
               <a:lnSpc>
                 <a:spcPts val="3088"/>
               </a:lnSpc>
@@ -11658,7 +12470,7 @@
 </file>
 
 <file path=ppt/slides/slide8.xml><?xml version="1.0" encoding="utf-8"?>
-<p:sld xmlns:p="http://schemas.openxmlformats.org/presentationml/2006/main" xmlns:a="http://schemas.openxmlformats.org/drawingml/2006/main" xmlns:r="http://schemas.openxmlformats.org/officeDocument/2006/relationships">
+<p:sld xmlns:a="http://schemas.openxmlformats.org/drawingml/2006/main" xmlns:r="http://schemas.openxmlformats.org/officeDocument/2006/relationships" xmlns:p="http://schemas.openxmlformats.org/presentationml/2006/main">
   <p:cSld>
     <p:spTree>
       <p:nvGrpSpPr>
@@ -11676,12 +12488,12 @@
       </p:grpSpPr>
       <p:sp>
         <p:nvSpPr>
-          <p:cNvPr name="Freeform 2" id="2"/>
+          <p:cNvPr id="2" name="Freeform 2"/>
           <p:cNvSpPr/>
           <p:nvPr/>
         </p:nvSpPr>
         <p:spPr>
-          <a:xfrm flipH="false" flipV="false" rot="0">
+          <a:xfrm>
             <a:off x="0" y="0"/>
             <a:ext cx="18288000" cy="10287000"/>
           </a:xfrm>
@@ -11690,9 +12502,9 @@
             <a:gdLst/>
             <a:ahLst/>
             <a:cxnLst/>
-            <a:rect r="r" b="b" t="t" l="l"/>
+            <a:rect l="l" t="t" r="r" b="b"/>
             <a:pathLst>
-              <a:path h="10287000" w="18288000">
+              <a:path w="18288000" h="10287000">
                 <a:moveTo>
                   <a:pt x="0" y="0"/>
                 </a:moveTo>
@@ -11715,19 +12527,26 @@
           <a:blipFill>
             <a:blip r:embed="rId2"/>
             <a:stretch>
-              <a:fillRect l="0" t="0" r="0" b="0"/>
+              <a:fillRect/>
             </a:stretch>
           </a:blipFill>
         </p:spPr>
+        <p:txBody>
+          <a:bodyPr/>
+          <a:lstStyle/>
+          <a:p>
+            <a:endParaRPr lang="ko-KR" altLang="en-US"/>
+          </a:p>
+        </p:txBody>
       </p:sp>
       <p:grpSp>
         <p:nvGrpSpPr>
-          <p:cNvPr name="Group 3" id="3"/>
+          <p:cNvPr id="3" name="Group 3"/>
           <p:cNvGrpSpPr/>
           <p:nvPr/>
         </p:nvGrpSpPr>
         <p:grpSpPr>
-          <a:xfrm rot="0">
+          <a:xfrm>
             <a:off x="0" y="1907191"/>
             <a:ext cx="18288000" cy="8284558"/>
             <a:chOff x="0" y="0"/>
@@ -11736,12 +12555,12 @@
         </p:grpSpPr>
         <p:sp>
           <p:nvSpPr>
-            <p:cNvPr name="Freeform 4" id="4"/>
+            <p:cNvPr id="4" name="Freeform 4"/>
             <p:cNvSpPr/>
             <p:nvPr/>
           </p:nvSpPr>
           <p:spPr>
-            <a:xfrm flipH="false" flipV="false" rot="0">
+            <a:xfrm>
               <a:off x="0" y="0"/>
               <a:ext cx="24384000" cy="11046054"/>
             </a:xfrm>
@@ -11750,9 +12569,9 @@
               <a:gdLst/>
               <a:ahLst/>
               <a:cxnLst/>
-              <a:rect r="r" b="b" t="t" l="l"/>
+              <a:rect l="l" t="t" r="r" b="b"/>
               <a:pathLst>
-                <a:path h="11046054" w="24384000">
+                <a:path w="24384000" h="11046054">
                   <a:moveTo>
                     <a:pt x="0" y="0"/>
                   </a:moveTo>
@@ -11773,16 +12592,23 @@
               <a:srgbClr val="FAFAFD"/>
             </a:solidFill>
           </p:spPr>
+          <p:txBody>
+            <a:bodyPr/>
+            <a:lstStyle/>
+            <a:p>
+              <a:endParaRPr lang="ko-KR" altLang="en-US"/>
+            </a:p>
+          </p:txBody>
         </p:sp>
       </p:grpSp>
       <p:grpSp>
         <p:nvGrpSpPr>
-          <p:cNvPr name="Group 5" id="5"/>
+          <p:cNvPr id="5" name="Group 5"/>
           <p:cNvGrpSpPr/>
           <p:nvPr/>
         </p:nvGrpSpPr>
         <p:grpSpPr>
-          <a:xfrm rot="0">
+          <a:xfrm>
             <a:off x="8112365" y="2115199"/>
             <a:ext cx="8632585" cy="7720242"/>
             <a:chOff x="0" y="0"/>
@@ -11791,12 +12617,12 @@
         </p:grpSpPr>
         <p:sp>
           <p:nvSpPr>
-            <p:cNvPr name="Freeform 6" id="6"/>
+            <p:cNvPr id="6" name="Freeform 6"/>
             <p:cNvSpPr/>
             <p:nvPr/>
           </p:nvSpPr>
           <p:spPr>
-            <a:xfrm flipH="false" flipV="false" rot="0">
+            <a:xfrm>
               <a:off x="0" y="0"/>
               <a:ext cx="11510094" cy="10293691"/>
             </a:xfrm>
@@ -11805,9 +12631,9 @@
               <a:gdLst/>
               <a:ahLst/>
               <a:cxnLst/>
-              <a:rect r="r" b="b" t="t" l="l"/>
+              <a:rect l="l" t="t" r="r" b="b"/>
               <a:pathLst>
-                <a:path h="10293691" w="11510094">
+                <a:path w="11510094" h="10293691">
                   <a:moveTo>
                     <a:pt x="0" y="0"/>
                   </a:moveTo>
@@ -11828,11 +12654,18 @@
               <a:srgbClr val="ECEBF5"/>
             </a:solidFill>
           </p:spPr>
+          <p:txBody>
+            <a:bodyPr/>
+            <a:lstStyle/>
+            <a:p>
+              <a:endParaRPr lang="ko-KR" altLang="en-US"/>
+            </a:p>
+          </p:txBody>
         </p:sp>
         <p:sp>
           <p:nvSpPr>
-            <p:cNvPr name="TextBox 7" id="7"/>
-            <p:cNvSpPr txBox="true"/>
+            <p:cNvPr id="7" name="TextBox 7"/>
+            <p:cNvSpPr txBox="1"/>
             <p:nvPr/>
           </p:nvSpPr>
           <p:spPr>
@@ -11845,7 +12678,7 @@
             </a:prstGeom>
           </p:spPr>
           <p:txBody>
-            <a:bodyPr anchor="t" rtlCol="false" tIns="50800" lIns="50800" bIns="50800" rIns="50800"/>
+            <a:bodyPr lIns="50800" tIns="50800" rIns="50800" bIns="50800" rtlCol="0" anchor="t"/>
             <a:lstStyle/>
             <a:p>
               <a:pPr algn="l">
@@ -11853,6 +12686,7 @@
                   <a:spcPts val="6480"/>
                 </a:lnSpc>
               </a:pPr>
+              <a:endParaRPr/>
             </a:p>
             <a:p>
               <a:pPr algn="l">
@@ -11860,18 +12694,19 @@
                   <a:spcPts val="5759"/>
                 </a:lnSpc>
               </a:pPr>
+              <a:endParaRPr/>
             </a:p>
           </p:txBody>
         </p:sp>
       </p:grpSp>
       <p:grpSp>
         <p:nvGrpSpPr>
-          <p:cNvPr name="Group 8" id="8"/>
+          <p:cNvPr id="8" name="Group 8"/>
           <p:cNvGrpSpPr/>
           <p:nvPr/>
         </p:nvGrpSpPr>
         <p:grpSpPr>
-          <a:xfrm rot="0">
+          <a:xfrm>
             <a:off x="1302739" y="4732571"/>
             <a:ext cx="6479161" cy="5293371"/>
             <a:chOff x="0" y="0"/>
@@ -11880,12 +12715,12 @@
         </p:grpSpPr>
         <p:sp>
           <p:nvSpPr>
-            <p:cNvPr name="Freeform 9" id="9"/>
+            <p:cNvPr id="9" name="Freeform 9"/>
             <p:cNvSpPr/>
             <p:nvPr/>
           </p:nvSpPr>
           <p:spPr>
-            <a:xfrm flipH="false" flipV="false" rot="0">
+            <a:xfrm>
               <a:off x="0" y="0"/>
               <a:ext cx="8638866" cy="7057863"/>
             </a:xfrm>
@@ -11894,9 +12729,9 @@
               <a:gdLst/>
               <a:ahLst/>
               <a:cxnLst/>
-              <a:rect r="r" b="b" t="t" l="l"/>
+              <a:rect l="l" t="t" r="r" b="b"/>
               <a:pathLst>
-                <a:path h="7057863" w="8638866">
+                <a:path w="8638866" h="7057863">
                   <a:moveTo>
                     <a:pt x="0" y="0"/>
                   </a:moveTo>
@@ -11917,11 +12752,18 @@
               <a:srgbClr val="ECEBF5"/>
             </a:solidFill>
           </p:spPr>
+          <p:txBody>
+            <a:bodyPr/>
+            <a:lstStyle/>
+            <a:p>
+              <a:endParaRPr lang="ko-KR" altLang="en-US"/>
+            </a:p>
+          </p:txBody>
         </p:sp>
         <p:sp>
           <p:nvSpPr>
-            <p:cNvPr name="TextBox 10" id="10"/>
-            <p:cNvSpPr txBox="true"/>
+            <p:cNvPr id="10" name="TextBox 10"/>
+            <p:cNvSpPr txBox="1"/>
             <p:nvPr/>
           </p:nvSpPr>
           <p:spPr>
@@ -11934,7 +12776,7 @@
             </a:prstGeom>
           </p:spPr>
           <p:txBody>
-            <a:bodyPr anchor="t" rtlCol="false" tIns="50800" lIns="50800" bIns="50800" rIns="50800"/>
+            <a:bodyPr lIns="50800" tIns="50800" rIns="50800" bIns="50800" rtlCol="0" anchor="t"/>
             <a:lstStyle/>
             <a:p>
               <a:pPr algn="l">
@@ -11942,6 +12784,7 @@
                   <a:spcPts val="6480"/>
                 </a:lnSpc>
               </a:pPr>
+              <a:endParaRPr/>
             </a:p>
             <a:p>
               <a:pPr algn="l">
@@ -11949,18 +12792,19 @@
                   <a:spcPts val="5759"/>
                 </a:lnSpc>
               </a:pPr>
+              <a:endParaRPr/>
             </a:p>
           </p:txBody>
         </p:sp>
       </p:grpSp>
       <p:sp>
         <p:nvSpPr>
-          <p:cNvPr name="Freeform 11" id="11"/>
+          <p:cNvPr id="11" name="Freeform 11"/>
           <p:cNvSpPr/>
           <p:nvPr/>
         </p:nvSpPr>
         <p:spPr>
-          <a:xfrm flipH="false" flipV="false" rot="0">
+          <a:xfrm>
             <a:off x="0" y="0"/>
             <a:ext cx="18288000" cy="978185"/>
           </a:xfrm>
@@ -11969,9 +12813,9 @@
             <a:gdLst/>
             <a:ahLst/>
             <a:cxnLst/>
-            <a:rect r="r" b="b" t="t" l="l"/>
+            <a:rect l="l" t="t" r="r" b="b"/>
             <a:pathLst>
-              <a:path h="978185" w="18288000">
+              <a:path w="18288000" h="978185">
                 <a:moveTo>
                   <a:pt x="0" y="0"/>
                 </a:moveTo>
@@ -11994,19 +12838,26 @@
           <a:blipFill>
             <a:blip r:embed="rId3"/>
             <a:stretch>
-              <a:fillRect l="0" t="0" r="0" b="0"/>
+              <a:fillRect/>
             </a:stretch>
           </a:blipFill>
         </p:spPr>
-      </p:sp>
-      <p:sp>
-        <p:nvSpPr>
-          <p:cNvPr name="TextBox 12" id="12"/>
-          <p:cNvSpPr txBox="true"/>
+        <p:txBody>
+          <a:bodyPr/>
+          <a:lstStyle/>
+          <a:p>
+            <a:endParaRPr lang="ko-KR" altLang="en-US"/>
+          </a:p>
+        </p:txBody>
+      </p:sp>
+      <p:sp>
+        <p:nvSpPr>
+          <p:cNvPr id="12" name="TextBox 12"/>
+          <p:cNvSpPr txBox="1"/>
           <p:nvPr/>
         </p:nvSpPr>
         <p:spPr>
-          <a:xfrm rot="0">
+          <a:xfrm>
             <a:off x="833247" y="1134649"/>
             <a:ext cx="3900964" cy="673227"/>
           </a:xfrm>
@@ -12015,7 +12866,7 @@
           </a:prstGeom>
         </p:spPr>
         <p:txBody>
-          <a:bodyPr anchor="t" rtlCol="false" tIns="0" lIns="0" bIns="0" rIns="0">
+          <a:bodyPr lIns="0" tIns="0" rIns="0" bIns="0" rtlCol="0" anchor="t">
             <a:spAutoFit/>
           </a:bodyPr>
           <a:lstStyle/>
@@ -12039,12 +12890,12 @@
       </p:sp>
       <p:grpSp>
         <p:nvGrpSpPr>
-          <p:cNvPr name="Group 13" id="13"/>
+          <p:cNvPr id="13" name="Group 13"/>
           <p:cNvGrpSpPr/>
           <p:nvPr/>
         </p:nvGrpSpPr>
         <p:grpSpPr>
-          <a:xfrm rot="0">
+          <a:xfrm>
             <a:off x="1429474" y="2650014"/>
             <a:ext cx="165795" cy="480517"/>
             <a:chOff x="0" y="0"/>
@@ -12053,12 +12904,12 @@
         </p:grpSpPr>
         <p:sp>
           <p:nvSpPr>
-            <p:cNvPr name="Freeform 14" id="14"/>
+            <p:cNvPr id="14" name="Freeform 14"/>
             <p:cNvSpPr/>
             <p:nvPr/>
           </p:nvSpPr>
           <p:spPr>
-            <a:xfrm flipH="false" flipV="false" rot="0">
+            <a:xfrm>
               <a:off x="0" y="0"/>
               <a:ext cx="220980" cy="640588"/>
             </a:xfrm>
@@ -12067,9 +12918,9 @@
               <a:gdLst/>
               <a:ahLst/>
               <a:cxnLst/>
-              <a:rect r="r" b="b" t="t" l="l"/>
+              <a:rect l="l" t="t" r="r" b="b"/>
               <a:pathLst>
-                <a:path h="640588" w="220980">
+                <a:path w="220980" h="640588">
                   <a:moveTo>
                     <a:pt x="0" y="110490"/>
                   </a:moveTo>
@@ -12104,16 +12955,23 @@
               <a:srgbClr val="B5E3D8"/>
             </a:solidFill>
           </p:spPr>
+          <p:txBody>
+            <a:bodyPr/>
+            <a:lstStyle/>
+            <a:p>
+              <a:endParaRPr lang="ko-KR" altLang="en-US"/>
+            </a:p>
+          </p:txBody>
         </p:sp>
       </p:grpSp>
       <p:sp>
         <p:nvSpPr>
-          <p:cNvPr name="TextBox 15" id="15"/>
-          <p:cNvSpPr txBox="true"/>
+          <p:cNvPr id="15" name="TextBox 15"/>
+          <p:cNvSpPr txBox="1"/>
           <p:nvPr/>
         </p:nvSpPr>
         <p:spPr>
-          <a:xfrm rot="0">
+          <a:xfrm>
             <a:off x="1878769" y="2671006"/>
             <a:ext cx="778072" cy="457581"/>
           </a:xfrm>
@@ -12122,7 +12980,7 @@
           </a:prstGeom>
         </p:spPr>
         <p:txBody>
-          <a:bodyPr anchor="t" rtlCol="false" tIns="0" lIns="0" bIns="0" rIns="0">
+          <a:bodyPr lIns="0" tIns="0" rIns="0" bIns="0" rtlCol="0" anchor="t">
             <a:spAutoFit/>
           </a:bodyPr>
           <a:lstStyle/>
@@ -12146,12 +13004,12 @@
       </p:sp>
       <p:grpSp>
         <p:nvGrpSpPr>
-          <p:cNvPr name="Group 16" id="16"/>
+          <p:cNvPr id="16" name="Group 16"/>
           <p:cNvGrpSpPr/>
           <p:nvPr/>
         </p:nvGrpSpPr>
         <p:grpSpPr>
-          <a:xfrm rot="0">
+          <a:xfrm>
             <a:off x="1429474" y="3671028"/>
             <a:ext cx="165795" cy="480517"/>
             <a:chOff x="0" y="0"/>
@@ -12160,12 +13018,12 @@
         </p:grpSpPr>
         <p:sp>
           <p:nvSpPr>
-            <p:cNvPr name="Freeform 17" id="17"/>
+            <p:cNvPr id="17" name="Freeform 17"/>
             <p:cNvSpPr/>
             <p:nvPr/>
           </p:nvSpPr>
           <p:spPr>
-            <a:xfrm flipH="false" flipV="false" rot="0">
+            <a:xfrm>
               <a:off x="0" y="0"/>
               <a:ext cx="220980" cy="640588"/>
             </a:xfrm>
@@ -12174,9 +13032,9 @@
               <a:gdLst/>
               <a:ahLst/>
               <a:cxnLst/>
-              <a:rect r="r" b="b" t="t" l="l"/>
+              <a:rect l="l" t="t" r="r" b="b"/>
               <a:pathLst>
-                <a:path h="640588" w="220980">
+                <a:path w="220980" h="640588">
                   <a:moveTo>
                     <a:pt x="0" y="110490"/>
                   </a:moveTo>
@@ -12211,16 +13069,23 @@
               <a:srgbClr val="B5E3D8"/>
             </a:solidFill>
           </p:spPr>
+          <p:txBody>
+            <a:bodyPr/>
+            <a:lstStyle/>
+            <a:p>
+              <a:endParaRPr lang="ko-KR" altLang="en-US"/>
+            </a:p>
+          </p:txBody>
         </p:sp>
       </p:grpSp>
       <p:sp>
         <p:nvSpPr>
-          <p:cNvPr name="TextBox 18" id="18"/>
-          <p:cNvSpPr txBox="true"/>
+          <p:cNvPr id="18" name="TextBox 18"/>
+          <p:cNvSpPr txBox="1"/>
           <p:nvPr/>
         </p:nvSpPr>
         <p:spPr>
-          <a:xfrm rot="0">
+          <a:xfrm>
             <a:off x="1869244" y="3692020"/>
             <a:ext cx="5269207" cy="457581"/>
           </a:xfrm>
@@ -12229,7 +13094,7 @@
           </a:prstGeom>
         </p:spPr>
         <p:txBody>
-          <a:bodyPr anchor="t" rtlCol="false" tIns="0" lIns="0" bIns="0" rIns="0">
+          <a:bodyPr lIns="0" tIns="0" rIns="0" bIns="0" rtlCol="0" anchor="t">
             <a:spAutoFit/>
           </a:bodyPr>
           <a:lstStyle/>
@@ -12254,12 +13119,12 @@
       </p:sp>
       <p:sp>
         <p:nvSpPr>
-          <p:cNvPr name="TextBox 19" id="19"/>
-          <p:cNvSpPr txBox="true"/>
+          <p:cNvPr id="19" name="TextBox 19"/>
+          <p:cNvSpPr txBox="1"/>
           <p:nvPr/>
         </p:nvSpPr>
         <p:spPr>
-          <a:xfrm rot="0">
+          <a:xfrm>
             <a:off x="2051332" y="5655743"/>
             <a:ext cx="4855239" cy="3475601"/>
           </a:xfrm>
@@ -12268,7 +13133,7 @@
           </a:prstGeom>
         </p:spPr>
         <p:txBody>
-          <a:bodyPr anchor="t" rtlCol="false" tIns="0" lIns="0" bIns="0" rIns="0">
+          <a:bodyPr lIns="0" tIns="0" rIns="0" bIns="0" rtlCol="0" anchor="t">
             <a:spAutoFit/>
           </a:bodyPr>
           <a:lstStyle/>
@@ -12294,6 +13159,12 @@
                 <a:spcPts val="3518"/>
               </a:lnSpc>
             </a:pPr>
+            <a:endParaRPr lang="en-US" sz="3257" spc="-254">
+              <a:solidFill>
+                <a:srgbClr val="1F4E79"/>
+              </a:solidFill>
+              <a:latin typeface="TT Rounds Condensed"/>
+            </a:endParaRPr>
           </a:p>
           <a:p>
             <a:pPr>
@@ -12317,6 +13188,12 @@
                 <a:spcPts val="3518"/>
               </a:lnSpc>
             </a:pPr>
+            <a:endParaRPr lang="en-US" sz="3257" spc="-254">
+              <a:solidFill>
+                <a:srgbClr val="1F4E79"/>
+              </a:solidFill>
+              <a:latin typeface="TT Rounds Condensed"/>
+            </a:endParaRPr>
           </a:p>
           <a:p>
             <a:pPr>
@@ -12340,6 +13217,12 @@
                 <a:spcPts val="3518"/>
               </a:lnSpc>
             </a:pPr>
+            <a:endParaRPr lang="en-US" sz="3257" spc="-254">
+              <a:solidFill>
+                <a:srgbClr val="1F4E79"/>
+              </a:solidFill>
+              <a:latin typeface="TT Rounds Condensed"/>
+            </a:endParaRPr>
           </a:p>
           <a:p>
             <a:pPr>
@@ -12363,17 +13246,23 @@
                 <a:spcPts val="3086"/>
               </a:lnSpc>
             </a:pPr>
-          </a:p>
-        </p:txBody>
-      </p:sp>
-      <p:sp>
-        <p:nvSpPr>
-          <p:cNvPr name="TextBox 20" id="20"/>
-          <p:cNvSpPr txBox="true"/>
+            <a:endParaRPr lang="en-US" sz="3257" spc="-254">
+              <a:solidFill>
+                <a:srgbClr val="1F4E79"/>
+              </a:solidFill>
+              <a:latin typeface="TT Rounds Condensed"/>
+            </a:endParaRPr>
+          </a:p>
+        </p:txBody>
+      </p:sp>
+      <p:sp>
+        <p:nvSpPr>
+          <p:cNvPr id="20" name="TextBox 20"/>
+          <p:cNvSpPr txBox="1"/>
           <p:nvPr/>
         </p:nvSpPr>
         <p:spPr>
-          <a:xfrm rot="0">
+          <a:xfrm>
             <a:off x="8112365" y="2666293"/>
             <a:ext cx="8458627" cy="7425445"/>
           </a:xfrm>
@@ -12382,12 +13271,12 @@
           </a:prstGeom>
         </p:spPr>
         <p:txBody>
-          <a:bodyPr anchor="t" rtlCol="false" tIns="0" lIns="0" bIns="0" rIns="0">
+          <a:bodyPr lIns="0" tIns="0" rIns="0" bIns="0" rtlCol="0" anchor="t">
             <a:spAutoFit/>
           </a:bodyPr>
           <a:lstStyle/>
           <a:p>
-            <a:pPr marL="617473" indent="-308737" lvl="1">
+            <a:pPr marL="617473" lvl="1" indent="-308737">
               <a:lnSpc>
                 <a:spcPts val="3088"/>
               </a:lnSpc>
@@ -12411,9 +13300,16 @@
                 <a:spcPts val="3088"/>
               </a:lnSpc>
             </a:pPr>
-          </a:p>
-          <a:p>
-            <a:pPr marL="617473" indent="-308737" lvl="1">
+            <a:endParaRPr lang="en-US" sz="2859" spc="-223">
+              <a:solidFill>
+                <a:srgbClr val="1F4E79"/>
+              </a:solidFill>
+              <a:latin typeface="TT Rounds Condensed"/>
+              <a:ea typeface="TT Rounds Condensed"/>
+            </a:endParaRPr>
+          </a:p>
+          <a:p>
+            <a:pPr marL="617473" lvl="1" indent="-308737">
               <a:lnSpc>
                 <a:spcPts val="3088"/>
               </a:lnSpc>
@@ -12436,9 +13332,15 @@
                 <a:spcPts val="3088"/>
               </a:lnSpc>
             </a:pPr>
-          </a:p>
-          <a:p>
-            <a:pPr marL="617473" indent="-308737" lvl="1">
+            <a:endParaRPr lang="en-US" sz="2859" spc="-223">
+              <a:solidFill>
+                <a:srgbClr val="1F4E79"/>
+              </a:solidFill>
+              <a:ea typeface="TT Rounds Condensed"/>
+            </a:endParaRPr>
+          </a:p>
+          <a:p>
+            <a:pPr marL="617473" lvl="1" indent="-308737">
               <a:lnSpc>
                 <a:spcPts val="3088"/>
               </a:lnSpc>
@@ -12461,9 +13363,15 @@
                 <a:spcPts val="3088"/>
               </a:lnSpc>
             </a:pPr>
-          </a:p>
-          <a:p>
-            <a:pPr marL="617473" indent="-308737" lvl="1">
+            <a:endParaRPr lang="en-US" sz="2859" spc="-223">
+              <a:solidFill>
+                <a:srgbClr val="1F4E79"/>
+              </a:solidFill>
+              <a:ea typeface="TT Rounds Condensed"/>
+            </a:endParaRPr>
+          </a:p>
+          <a:p>
+            <a:pPr marL="617473" lvl="1" indent="-308737">
               <a:lnSpc>
                 <a:spcPts val="3088"/>
               </a:lnSpc>
@@ -12487,9 +13395,16 @@
                 <a:spcPts val="3088"/>
               </a:lnSpc>
             </a:pPr>
-          </a:p>
-          <a:p>
-            <a:pPr marL="617473" indent="-308737" lvl="1">
+            <a:endParaRPr lang="en-US" sz="2859" spc="-223">
+              <a:solidFill>
+                <a:srgbClr val="1F4E79"/>
+              </a:solidFill>
+              <a:latin typeface="TT Rounds Condensed"/>
+              <a:ea typeface="TT Rounds Condensed"/>
+            </a:endParaRPr>
+          </a:p>
+          <a:p>
+            <a:pPr marL="617473" lvl="1" indent="-308737">
               <a:lnSpc>
                 <a:spcPts val="3088"/>
               </a:lnSpc>
@@ -12512,9 +13427,15 @@
                 <a:spcPts val="3088"/>
               </a:lnSpc>
             </a:pPr>
-          </a:p>
-          <a:p>
-            <a:pPr marL="617473" indent="-308737" lvl="1">
+            <a:endParaRPr lang="en-US" sz="2859" spc="-223">
+              <a:solidFill>
+                <a:srgbClr val="1F4E79"/>
+              </a:solidFill>
+              <a:ea typeface="TT Rounds Condensed"/>
+            </a:endParaRPr>
+          </a:p>
+          <a:p>
+            <a:pPr marL="617473" lvl="1" indent="-308737">
               <a:lnSpc>
                 <a:spcPts val="3088"/>
               </a:lnSpc>
@@ -12538,9 +13459,16 @@
                 <a:spcPts val="3088"/>
               </a:lnSpc>
             </a:pPr>
-          </a:p>
-          <a:p>
-            <a:pPr marL="617473" indent="-308737" lvl="1">
+            <a:endParaRPr lang="en-US" sz="2859" spc="-223">
+              <a:solidFill>
+                <a:srgbClr val="1F4E79"/>
+              </a:solidFill>
+              <a:latin typeface="TT Rounds Condensed"/>
+              <a:ea typeface="TT Rounds Condensed"/>
+            </a:endParaRPr>
+          </a:p>
+          <a:p>
+            <a:pPr marL="617473" lvl="1" indent="-308737">
               <a:lnSpc>
                 <a:spcPts val="3088"/>
               </a:lnSpc>
@@ -12564,9 +13492,16 @@
                 <a:spcPts val="3088"/>
               </a:lnSpc>
             </a:pPr>
-          </a:p>
-          <a:p>
-            <a:pPr marL="617473" indent="-308737" lvl="1">
+            <a:endParaRPr lang="en-US" sz="2859" spc="-223">
+              <a:solidFill>
+                <a:srgbClr val="1F4E79"/>
+              </a:solidFill>
+              <a:latin typeface="TT Rounds Condensed"/>
+              <a:ea typeface="TT Rounds Condensed"/>
+            </a:endParaRPr>
+          </a:p>
+          <a:p>
+            <a:pPr marL="617473" lvl="1" indent="-308737">
               <a:lnSpc>
                 <a:spcPts val="3088"/>
               </a:lnSpc>
@@ -12590,6 +13525,13 @@
                 <a:spcPts val="3088"/>
               </a:lnSpc>
             </a:pPr>
+            <a:endParaRPr lang="en-US" sz="2859" spc="-223">
+              <a:solidFill>
+                <a:srgbClr val="1F4E79"/>
+              </a:solidFill>
+              <a:latin typeface="TT Rounds Condensed"/>
+              <a:ea typeface="TT Rounds Condensed"/>
+            </a:endParaRPr>
           </a:p>
           <a:p>
             <a:pPr>
@@ -12614,6 +13556,13 @@
                 <a:spcPts val="3086"/>
               </a:lnSpc>
             </a:pPr>
+            <a:endParaRPr lang="en-US" sz="2859" spc="-223">
+              <a:solidFill>
+                <a:srgbClr val="1F4E79"/>
+              </a:solidFill>
+              <a:latin typeface="TT Rounds Condensed"/>
+              <a:ea typeface="TT Rounds Condensed"/>
+            </a:endParaRPr>
           </a:p>
         </p:txBody>
       </p:sp>
@@ -12626,7 +13575,7 @@
 </file>
 
 <file path=ppt/slides/slide9.xml><?xml version="1.0" encoding="utf-8"?>
-<p:sld xmlns:p="http://schemas.openxmlformats.org/presentationml/2006/main" xmlns:a="http://schemas.openxmlformats.org/drawingml/2006/main" xmlns:r="http://schemas.openxmlformats.org/officeDocument/2006/relationships">
+<p:sld xmlns:a="http://schemas.openxmlformats.org/drawingml/2006/main" xmlns:r="http://schemas.openxmlformats.org/officeDocument/2006/relationships" xmlns:p="http://schemas.openxmlformats.org/presentationml/2006/main">
   <p:cSld>
     <p:spTree>
       <p:nvGrpSpPr>
@@ -12644,12 +13593,12 @@
       </p:grpSpPr>
       <p:sp>
         <p:nvSpPr>
-          <p:cNvPr name="Freeform 2" id="2"/>
+          <p:cNvPr id="2" name="Freeform 2"/>
           <p:cNvSpPr/>
           <p:nvPr/>
         </p:nvSpPr>
         <p:spPr>
-          <a:xfrm flipH="false" flipV="false" rot="0">
+          <a:xfrm>
             <a:off x="0" y="0"/>
             <a:ext cx="18288000" cy="10287000"/>
           </a:xfrm>
@@ -12658,9 +13607,9 @@
             <a:gdLst/>
             <a:ahLst/>
             <a:cxnLst/>
-            <a:rect r="r" b="b" t="t" l="l"/>
+            <a:rect l="l" t="t" r="r" b="b"/>
             <a:pathLst>
-              <a:path h="10287000" w="18288000">
+              <a:path w="18288000" h="10287000">
                 <a:moveTo>
                   <a:pt x="0" y="0"/>
                 </a:moveTo>
@@ -12683,19 +13632,26 @@
           <a:blipFill>
             <a:blip r:embed="rId2"/>
             <a:stretch>
-              <a:fillRect l="0" t="0" r="0" b="0"/>
+              <a:fillRect/>
             </a:stretch>
           </a:blipFill>
         </p:spPr>
+        <p:txBody>
+          <a:bodyPr/>
+          <a:lstStyle/>
+          <a:p>
+            <a:endParaRPr lang="ko-KR" altLang="en-US"/>
+          </a:p>
+        </p:txBody>
       </p:sp>
       <p:grpSp>
         <p:nvGrpSpPr>
-          <p:cNvPr name="Group 3" id="3"/>
+          <p:cNvPr id="3" name="Group 3"/>
           <p:cNvGrpSpPr/>
           <p:nvPr/>
         </p:nvGrpSpPr>
         <p:grpSpPr>
-          <a:xfrm rot="0">
+          <a:xfrm>
             <a:off x="0" y="2044641"/>
             <a:ext cx="18288000" cy="8894741"/>
             <a:chOff x="0" y="0"/>
@@ -12704,12 +13660,12 @@
         </p:grpSpPr>
         <p:sp>
           <p:nvSpPr>
-            <p:cNvPr name="Freeform 4" id="4"/>
+            <p:cNvPr id="4" name="Freeform 4"/>
             <p:cNvSpPr/>
             <p:nvPr/>
           </p:nvSpPr>
           <p:spPr>
-            <a:xfrm flipH="false" flipV="false" rot="0">
+            <a:xfrm>
               <a:off x="0" y="0"/>
               <a:ext cx="24384000" cy="11859628"/>
             </a:xfrm>
@@ -12718,9 +13674,9 @@
               <a:gdLst/>
               <a:ahLst/>
               <a:cxnLst/>
-              <a:rect r="r" b="b" t="t" l="l"/>
+              <a:rect l="l" t="t" r="r" b="b"/>
               <a:pathLst>
-                <a:path h="11859628" w="24384000">
+                <a:path w="24384000" h="11859628">
                   <a:moveTo>
                     <a:pt x="0" y="0"/>
                   </a:moveTo>
@@ -12741,16 +13697,23 @@
               <a:srgbClr val="FAFAFD"/>
             </a:solidFill>
           </p:spPr>
+          <p:txBody>
+            <a:bodyPr/>
+            <a:lstStyle/>
+            <a:p>
+              <a:endParaRPr lang="ko-KR" altLang="en-US"/>
+            </a:p>
+          </p:txBody>
         </p:sp>
       </p:grpSp>
       <p:sp>
         <p:nvSpPr>
-          <p:cNvPr name="Freeform 5" id="5"/>
+          <p:cNvPr id="5" name="Freeform 5"/>
           <p:cNvSpPr/>
           <p:nvPr/>
         </p:nvSpPr>
         <p:spPr>
-          <a:xfrm flipH="false" flipV="false" rot="0">
+          <a:xfrm>
             <a:off x="0" y="0"/>
             <a:ext cx="18288000" cy="978185"/>
           </a:xfrm>
@@ -12759,9 +13722,9 @@
             <a:gdLst/>
             <a:ahLst/>
             <a:cxnLst/>
-            <a:rect r="r" b="b" t="t" l="l"/>
+            <a:rect l="l" t="t" r="r" b="b"/>
             <a:pathLst>
-              <a:path h="978185" w="18288000">
+              <a:path w="18288000" h="978185">
                 <a:moveTo>
                   <a:pt x="0" y="0"/>
                 </a:moveTo>
@@ -12784,19 +13747,26 @@
           <a:blipFill>
             <a:blip r:embed="rId3"/>
             <a:stretch>
-              <a:fillRect l="0" t="0" r="0" b="0"/>
+              <a:fillRect/>
             </a:stretch>
           </a:blipFill>
         </p:spPr>
-      </p:sp>
-      <p:sp>
-        <p:nvSpPr>
-          <p:cNvPr name="TextBox 6" id="6"/>
-          <p:cNvSpPr txBox="true"/>
+        <p:txBody>
+          <a:bodyPr/>
+          <a:lstStyle/>
+          <a:p>
+            <a:endParaRPr lang="ko-KR" altLang="en-US"/>
+          </a:p>
+        </p:txBody>
+      </p:sp>
+      <p:sp>
+        <p:nvSpPr>
+          <p:cNvPr id="6" name="TextBox 6"/>
+          <p:cNvSpPr txBox="1"/>
           <p:nvPr/>
         </p:nvSpPr>
         <p:spPr>
-          <a:xfrm rot="0">
+          <a:xfrm>
             <a:off x="814197" y="1329215"/>
             <a:ext cx="3900964" cy="673227"/>
           </a:xfrm>
@@ -12805,7 +13775,7 @@
           </a:prstGeom>
         </p:spPr>
         <p:txBody>
-          <a:bodyPr anchor="t" rtlCol="false" tIns="0" lIns="0" bIns="0" rIns="0">
+          <a:bodyPr lIns="0" tIns="0" rIns="0" bIns="0" rtlCol="0" anchor="t">
             <a:spAutoFit/>
           </a:bodyPr>
           <a:lstStyle/>
@@ -12829,12 +13799,12 @@
       </p:sp>
       <p:grpSp>
         <p:nvGrpSpPr>
-          <p:cNvPr name="Group 7" id="7"/>
+          <p:cNvPr id="7" name="Group 7"/>
           <p:cNvGrpSpPr/>
           <p:nvPr/>
         </p:nvGrpSpPr>
         <p:grpSpPr>
-          <a:xfrm rot="0">
+          <a:xfrm>
             <a:off x="1028700" y="2297716"/>
             <a:ext cx="165795" cy="480517"/>
             <a:chOff x="0" y="0"/>
@@ -12843,12 +13813,12 @@
         </p:grpSpPr>
         <p:sp>
           <p:nvSpPr>
-            <p:cNvPr name="Freeform 8" id="8"/>
+            <p:cNvPr id="8" name="Freeform 8"/>
             <p:cNvSpPr/>
             <p:nvPr/>
           </p:nvSpPr>
           <p:spPr>
-            <a:xfrm flipH="false" flipV="false" rot="0">
+            <a:xfrm>
               <a:off x="0" y="0"/>
               <a:ext cx="220980" cy="640588"/>
             </a:xfrm>
@@ -12857,9 +13827,9 @@
               <a:gdLst/>
               <a:ahLst/>
               <a:cxnLst/>
-              <a:rect r="r" b="b" t="t" l="l"/>
+              <a:rect l="l" t="t" r="r" b="b"/>
               <a:pathLst>
-                <a:path h="640588" w="220980">
+                <a:path w="220980" h="640588">
                   <a:moveTo>
                     <a:pt x="0" y="110490"/>
                   </a:moveTo>
@@ -12894,16 +13864,23 @@
               <a:srgbClr val="B5E3D8"/>
             </a:solidFill>
           </p:spPr>
+          <p:txBody>
+            <a:bodyPr/>
+            <a:lstStyle/>
+            <a:p>
+              <a:endParaRPr lang="ko-KR" altLang="en-US"/>
+            </a:p>
+          </p:txBody>
         </p:sp>
       </p:grpSp>
       <p:sp>
         <p:nvSpPr>
-          <p:cNvPr name="TextBox 9" id="9"/>
-          <p:cNvSpPr txBox="true"/>
+          <p:cNvPr id="9" name="TextBox 9"/>
+          <p:cNvSpPr txBox="1"/>
           <p:nvPr/>
         </p:nvSpPr>
         <p:spPr>
-          <a:xfrm rot="0">
+          <a:xfrm>
             <a:off x="1477995" y="2318708"/>
             <a:ext cx="14569210" cy="457581"/>
           </a:xfrm>
@@ -12912,7 +13889,7 @@
           </a:prstGeom>
         </p:spPr>
         <p:txBody>
-          <a:bodyPr anchor="t" rtlCol="false" tIns="0" lIns="0" bIns="0" rIns="0">
+          <a:bodyPr lIns="0" tIns="0" rIns="0" bIns="0" rtlCol="0" anchor="t">
             <a:spAutoFit/>
           </a:bodyPr>
           <a:lstStyle/>
@@ -12936,12 +13913,12 @@
       </p:sp>
       <p:grpSp>
         <p:nvGrpSpPr>
-          <p:cNvPr name="Group 10" id="10"/>
+          <p:cNvPr id="10" name="Group 10"/>
           <p:cNvGrpSpPr/>
           <p:nvPr/>
         </p:nvGrpSpPr>
         <p:grpSpPr>
-          <a:xfrm rot="0">
+          <a:xfrm>
             <a:off x="1028700" y="3056701"/>
             <a:ext cx="165795" cy="480517"/>
             <a:chOff x="0" y="0"/>
@@ -12950,12 +13927,12 @@
         </p:grpSpPr>
         <p:sp>
           <p:nvSpPr>
-            <p:cNvPr name="Freeform 11" id="11"/>
+            <p:cNvPr id="11" name="Freeform 11"/>
             <p:cNvSpPr/>
             <p:nvPr/>
           </p:nvSpPr>
           <p:spPr>
-            <a:xfrm flipH="false" flipV="false" rot="0">
+            <a:xfrm>
               <a:off x="0" y="0"/>
               <a:ext cx="220980" cy="640588"/>
             </a:xfrm>
@@ -12964,9 +13941,9 @@
               <a:gdLst/>
               <a:ahLst/>
               <a:cxnLst/>
-              <a:rect r="r" b="b" t="t" l="l"/>
+              <a:rect l="l" t="t" r="r" b="b"/>
               <a:pathLst>
-                <a:path h="640588" w="220980">
+                <a:path w="220980" h="640588">
                   <a:moveTo>
                     <a:pt x="0" y="110490"/>
                   </a:moveTo>
@@ -13001,16 +13978,23 @@
               <a:srgbClr val="B5E3D8"/>
             </a:solidFill>
           </p:spPr>
+          <p:txBody>
+            <a:bodyPr/>
+            <a:lstStyle/>
+            <a:p>
+              <a:endParaRPr lang="ko-KR" altLang="en-US"/>
+            </a:p>
+          </p:txBody>
         </p:sp>
       </p:grpSp>
       <p:sp>
         <p:nvSpPr>
-          <p:cNvPr name="TextBox 12" id="12"/>
-          <p:cNvSpPr txBox="true"/>
+          <p:cNvPr id="12" name="TextBox 12"/>
+          <p:cNvSpPr txBox="1"/>
           <p:nvPr/>
         </p:nvSpPr>
         <p:spPr>
-          <a:xfrm rot="0">
+          <a:xfrm>
             <a:off x="1477995" y="3077693"/>
             <a:ext cx="6674479" cy="457581"/>
           </a:xfrm>
@@ -13019,7 +14003,7 @@
           </a:prstGeom>
         </p:spPr>
         <p:txBody>
-          <a:bodyPr anchor="t" rtlCol="false" tIns="0" lIns="0" bIns="0" rIns="0">
+          <a:bodyPr lIns="0" tIns="0" rIns="0" bIns="0" rtlCol="0" anchor="t">
             <a:spAutoFit/>
           </a:bodyPr>
           <a:lstStyle/>
@@ -13044,12 +14028,12 @@
       </p:sp>
       <p:grpSp>
         <p:nvGrpSpPr>
-          <p:cNvPr name="Group 13" id="13"/>
+          <p:cNvPr id="13" name="Group 13"/>
           <p:cNvGrpSpPr/>
           <p:nvPr/>
         </p:nvGrpSpPr>
         <p:grpSpPr>
-          <a:xfrm rot="0">
+          <a:xfrm>
             <a:off x="435809" y="3813443"/>
             <a:ext cx="17507842" cy="6190727"/>
             <a:chOff x="0" y="0"/>
@@ -13058,12 +14042,12 @@
         </p:grpSpPr>
         <p:sp>
           <p:nvSpPr>
-            <p:cNvPr name="Freeform 14" id="14"/>
+            <p:cNvPr id="14" name="Freeform 14"/>
             <p:cNvSpPr/>
             <p:nvPr/>
           </p:nvSpPr>
           <p:spPr>
-            <a:xfrm flipH="false" flipV="false" rot="0">
+            <a:xfrm>
               <a:off x="0" y="0"/>
               <a:ext cx="23343752" cy="8254338"/>
             </a:xfrm>
@@ -13072,9 +14056,9 @@
               <a:gdLst/>
               <a:ahLst/>
               <a:cxnLst/>
-              <a:rect r="r" b="b" t="t" l="l"/>
+              <a:rect l="l" t="t" r="r" b="b"/>
               <a:pathLst>
-                <a:path h="8254338" w="23343752">
+                <a:path w="23343752" h="8254338">
                   <a:moveTo>
                     <a:pt x="0" y="0"/>
                   </a:moveTo>
@@ -13095,11 +14079,18 @@
               <a:srgbClr val="ECEBF5"/>
             </a:solidFill>
           </p:spPr>
+          <p:txBody>
+            <a:bodyPr/>
+            <a:lstStyle/>
+            <a:p>
+              <a:endParaRPr lang="ko-KR" altLang="en-US"/>
+            </a:p>
+          </p:txBody>
         </p:sp>
         <p:sp>
           <p:nvSpPr>
-            <p:cNvPr name="TextBox 15" id="15"/>
-            <p:cNvSpPr txBox="true"/>
+            <p:cNvPr id="15" name="TextBox 15"/>
+            <p:cNvSpPr txBox="1"/>
             <p:nvPr/>
           </p:nvSpPr>
           <p:spPr>
@@ -13112,7 +14103,7 @@
             </a:prstGeom>
           </p:spPr>
           <p:txBody>
-            <a:bodyPr anchor="t" rtlCol="false" tIns="50800" lIns="50800" bIns="50800" rIns="50800"/>
+            <a:bodyPr lIns="50800" tIns="50800" rIns="50800" bIns="50800" rtlCol="0" anchor="t"/>
             <a:lstStyle/>
             <a:p>
               <a:pPr algn="l">
@@ -13120,6 +14111,7 @@
                   <a:spcPts val="6480"/>
                 </a:lnSpc>
               </a:pPr>
+              <a:endParaRPr/>
             </a:p>
             <a:p>
               <a:pPr algn="l">
@@ -13127,18 +14119,19 @@
                   <a:spcPts val="5759"/>
                 </a:lnSpc>
               </a:pPr>
+              <a:endParaRPr/>
             </a:p>
           </p:txBody>
         </p:sp>
       </p:grpSp>
       <p:sp>
         <p:nvSpPr>
-          <p:cNvPr name="TextBox 16" id="16"/>
-          <p:cNvSpPr txBox="true"/>
+          <p:cNvPr id="16" name="TextBox 16"/>
+          <p:cNvSpPr txBox="1"/>
           <p:nvPr/>
         </p:nvSpPr>
         <p:spPr>
-          <a:xfrm rot="0">
+          <a:xfrm>
             <a:off x="732254" y="4827856"/>
             <a:ext cx="17211397" cy="4743831"/>
           </a:xfrm>
@@ -13147,7 +14140,7 @@
           </a:prstGeom>
         </p:spPr>
         <p:txBody>
-          <a:bodyPr anchor="t" rtlCol="false" tIns="0" lIns="0" bIns="0" rIns="0">
+          <a:bodyPr lIns="0" tIns="0" rIns="0" bIns="0" rtlCol="0" anchor="t">
             <a:spAutoFit/>
           </a:bodyPr>
           <a:lstStyle/>
@@ -13174,6 +14167,13 @@
                 <a:spcPts val="3402"/>
               </a:lnSpc>
             </a:pPr>
+            <a:endParaRPr lang="en-US" sz="3150" spc="-245">
+              <a:solidFill>
+                <a:srgbClr val="1F4E79"/>
+              </a:solidFill>
+              <a:latin typeface="TT Rounds Condensed"/>
+              <a:ea typeface="TT Rounds Condensed"/>
+            </a:endParaRPr>
           </a:p>
           <a:p>
             <a:pPr>
@@ -13215,6 +14215,13 @@
                 <a:spcPts val="3402"/>
               </a:lnSpc>
             </a:pPr>
+            <a:endParaRPr lang="en-US" sz="3150" spc="-245">
+              <a:solidFill>
+                <a:srgbClr val="1F4E79"/>
+              </a:solidFill>
+              <a:latin typeface="TT Rounds Condensed"/>
+              <a:ea typeface="TT Rounds Condensed"/>
+            </a:endParaRPr>
           </a:p>
           <a:p>
             <a:pPr>
@@ -13256,6 +14263,13 @@
                 <a:spcPts val="3402"/>
               </a:lnSpc>
             </a:pPr>
+            <a:endParaRPr lang="en-US" sz="3150" spc="-245">
+              <a:solidFill>
+                <a:srgbClr val="1F4E79"/>
+              </a:solidFill>
+              <a:latin typeface="TT Rounds Condensed"/>
+              <a:ea typeface="TT Rounds Condensed"/>
+            </a:endParaRPr>
           </a:p>
           <a:p>
             <a:pPr>
@@ -13297,6 +14311,13 @@
                 <a:spcPts val="3402"/>
               </a:lnSpc>
             </a:pPr>
+            <a:endParaRPr lang="en-US" sz="3150" spc="-245">
+              <a:solidFill>
+                <a:srgbClr val="1F4E79"/>
+              </a:solidFill>
+              <a:latin typeface="TT Rounds Condensed"/>
+              <a:ea typeface="TT Rounds Condensed"/>
+            </a:endParaRPr>
           </a:p>
         </p:txBody>
       </p:sp>
